--- a/StageSummer2020/maquette.pptx
+++ b/StageSummer2020/maquette.pptx
@@ -27,6 +27,9 @@
     <p:sldId id="276" r:id="rId21"/>
     <p:sldId id="278" r:id="rId22"/>
     <p:sldId id="277" r:id="rId23"/>
+    <p:sldId id="279" r:id="rId24"/>
+    <p:sldId id="280" r:id="rId25"/>
+    <p:sldId id="281" r:id="rId26"/>
   </p:sldIdLst>
   <p:sldSz cx="12192000" cy="6858000"/>
   <p:notesSz cx="6858000" cy="9144000"/>
@@ -280,7 +283,7 @@
           <a:p>
             <a:fld id="{0337F350-4B3F-443D-9BEA-AA51A46F10D7}" type="datetimeFigureOut">
               <a:rPr lang="fr-FR" smtClean="0"/>
-              <a:t>03/08/2020</a:t>
+              <a:t>31/08/2020</a:t>
             </a:fld>
             <a:endParaRPr lang="fr-FR"/>
           </a:p>
@@ -478,7 +481,7 @@
           <a:p>
             <a:fld id="{0337F350-4B3F-443D-9BEA-AA51A46F10D7}" type="datetimeFigureOut">
               <a:rPr lang="fr-FR" smtClean="0"/>
-              <a:t>03/08/2020</a:t>
+              <a:t>31/08/2020</a:t>
             </a:fld>
             <a:endParaRPr lang="fr-FR"/>
           </a:p>
@@ -686,7 +689,7 @@
           <a:p>
             <a:fld id="{0337F350-4B3F-443D-9BEA-AA51A46F10D7}" type="datetimeFigureOut">
               <a:rPr lang="fr-FR" smtClean="0"/>
-              <a:t>03/08/2020</a:t>
+              <a:t>31/08/2020</a:t>
             </a:fld>
             <a:endParaRPr lang="fr-FR"/>
           </a:p>
@@ -884,7 +887,7 @@
           <a:p>
             <a:fld id="{0337F350-4B3F-443D-9BEA-AA51A46F10D7}" type="datetimeFigureOut">
               <a:rPr lang="fr-FR" smtClean="0"/>
-              <a:t>03/08/2020</a:t>
+              <a:t>31/08/2020</a:t>
             </a:fld>
             <a:endParaRPr lang="fr-FR"/>
           </a:p>
@@ -1159,7 +1162,7 @@
           <a:p>
             <a:fld id="{0337F350-4B3F-443D-9BEA-AA51A46F10D7}" type="datetimeFigureOut">
               <a:rPr lang="fr-FR" smtClean="0"/>
-              <a:t>03/08/2020</a:t>
+              <a:t>31/08/2020</a:t>
             </a:fld>
             <a:endParaRPr lang="fr-FR"/>
           </a:p>
@@ -1424,7 +1427,7 @@
           <a:p>
             <a:fld id="{0337F350-4B3F-443D-9BEA-AA51A46F10D7}" type="datetimeFigureOut">
               <a:rPr lang="fr-FR" smtClean="0"/>
-              <a:t>03/08/2020</a:t>
+              <a:t>31/08/2020</a:t>
             </a:fld>
             <a:endParaRPr lang="fr-FR"/>
           </a:p>
@@ -1836,7 +1839,7 @@
           <a:p>
             <a:fld id="{0337F350-4B3F-443D-9BEA-AA51A46F10D7}" type="datetimeFigureOut">
               <a:rPr lang="fr-FR" smtClean="0"/>
-              <a:t>03/08/2020</a:t>
+              <a:t>31/08/2020</a:t>
             </a:fld>
             <a:endParaRPr lang="fr-FR"/>
           </a:p>
@@ -1977,7 +1980,7 @@
           <a:p>
             <a:fld id="{0337F350-4B3F-443D-9BEA-AA51A46F10D7}" type="datetimeFigureOut">
               <a:rPr lang="fr-FR" smtClean="0"/>
-              <a:t>03/08/2020</a:t>
+              <a:t>31/08/2020</a:t>
             </a:fld>
             <a:endParaRPr lang="fr-FR"/>
           </a:p>
@@ -2090,7 +2093,7 @@
           <a:p>
             <a:fld id="{0337F350-4B3F-443D-9BEA-AA51A46F10D7}" type="datetimeFigureOut">
               <a:rPr lang="fr-FR" smtClean="0"/>
-              <a:t>03/08/2020</a:t>
+              <a:t>31/08/2020</a:t>
             </a:fld>
             <a:endParaRPr lang="fr-FR"/>
           </a:p>
@@ -2401,7 +2404,7 @@
           <a:p>
             <a:fld id="{0337F350-4B3F-443D-9BEA-AA51A46F10D7}" type="datetimeFigureOut">
               <a:rPr lang="fr-FR" smtClean="0"/>
-              <a:t>03/08/2020</a:t>
+              <a:t>31/08/2020</a:t>
             </a:fld>
             <a:endParaRPr lang="fr-FR"/>
           </a:p>
@@ -2689,7 +2692,7 @@
           <a:p>
             <a:fld id="{0337F350-4B3F-443D-9BEA-AA51A46F10D7}" type="datetimeFigureOut">
               <a:rPr lang="fr-FR" smtClean="0"/>
-              <a:t>03/08/2020</a:t>
+              <a:t>31/08/2020</a:t>
             </a:fld>
             <a:endParaRPr lang="fr-FR"/>
           </a:p>
@@ -2930,7 +2933,7 @@
           <a:p>
             <a:fld id="{0337F350-4B3F-443D-9BEA-AA51A46F10D7}" type="datetimeFigureOut">
               <a:rPr lang="fr-FR" smtClean="0"/>
-              <a:t>03/08/2020</a:t>
+              <a:t>31/08/2020</a:t>
             </a:fld>
             <a:endParaRPr lang="fr-FR"/>
           </a:p>
@@ -27908,6 +27911,7443 @@
 </p:sld>
 </file>
 
+<file path=ppt/slides/slide23.xml><?xml version="1.0" encoding="utf-8"?>
+<p:sld xmlns:a="http://schemas.openxmlformats.org/drawingml/2006/main" xmlns:r="http://schemas.openxmlformats.org/officeDocument/2006/relationships" xmlns:p="http://schemas.openxmlformats.org/presentationml/2006/main">
+  <p:cSld>
+    <p:spTree>
+      <p:nvGrpSpPr>
+        <p:cNvPr id="1" name=""/>
+        <p:cNvGrpSpPr/>
+        <p:nvPr/>
+      </p:nvGrpSpPr>
+      <p:grpSpPr>
+        <a:xfrm>
+          <a:off x="0" y="0"/>
+          <a:ext cx="0" cy="0"/>
+          <a:chOff x="0" y="0"/>
+          <a:chExt cx="0" cy="0"/>
+        </a:xfrm>
+      </p:grpSpPr>
+      <p:grpSp>
+        <p:nvGrpSpPr>
+          <p:cNvPr id="4" name="Browser" descr="&lt;SmartSettings&gt;&lt;SmartResize enabled=&quot;True&quot; minWidth=&quot;140&quot; minHeight=&quot;50&quot; /&gt;&lt;/SmartSettings&gt;">
+            <a:extLst>
+              <a:ext uri="{FF2B5EF4-FFF2-40B4-BE49-F238E27FC236}">
+                <a16:creationId xmlns:a16="http://schemas.microsoft.com/office/drawing/2014/main" id="{34424B20-8199-4233-971A-9D8FDC31E5C5}"/>
+              </a:ext>
+            </a:extLst>
+          </p:cNvPr>
+          <p:cNvGrpSpPr/>
+          <p:nvPr>
+            <p:custDataLst>
+              <p:tags r:id="rId1"/>
+            </p:custDataLst>
+          </p:nvPr>
+        </p:nvGrpSpPr>
+        <p:grpSpPr>
+          <a:xfrm>
+            <a:off x="1607984" y="694128"/>
+            <a:ext cx="8245698" cy="5495622"/>
+            <a:chOff x="595683" y="1261242"/>
+            <a:chExt cx="6668462" cy="4352544"/>
+          </a:xfrm>
+        </p:grpSpPr>
+        <p:sp>
+          <p:nvSpPr>
+            <p:cNvPr id="5" name="Window Body" descr="&lt;SmartSettings&gt;&lt;SmartResize anchorLeft=&quot;Absolute&quot; anchorTop=&quot;Absolute&quot; anchorRight=&quot;Absolute&quot; anchorBottom=&quot;Absolute&quot; /&gt;&lt;/SmartSettings&gt;">
+              <a:extLst>
+                <a:ext uri="{FF2B5EF4-FFF2-40B4-BE49-F238E27FC236}">
+                  <a16:creationId xmlns:a16="http://schemas.microsoft.com/office/drawing/2014/main" id="{9605833A-B6EC-4AD6-B675-4259135C509D}"/>
+                </a:ext>
+              </a:extLst>
+            </p:cNvPr>
+            <p:cNvSpPr/>
+            <p:nvPr>
+              <p:custDataLst>
+                <p:tags r:id="rId2"/>
+              </p:custDataLst>
+            </p:nvPr>
+          </p:nvSpPr>
+          <p:spPr>
+            <a:xfrm>
+              <a:off x="595683" y="1684951"/>
+              <a:ext cx="6668462" cy="3928835"/>
+            </a:xfrm>
+            <a:prstGeom prst="rect">
+              <a:avLst/>
+            </a:prstGeom>
+            <a:solidFill>
+              <a:srgbClr val="FFFFFF"/>
+            </a:solidFill>
+            <a:ln w="6350">
+              <a:solidFill>
+                <a:srgbClr val="808080"/>
+              </a:solidFill>
+            </a:ln>
+          </p:spPr>
+          <p:style>
+            <a:lnRef idx="2">
+              <a:schemeClr val="accent1">
+                <a:shade val="50000"/>
+              </a:schemeClr>
+            </a:lnRef>
+            <a:fillRef idx="1">
+              <a:schemeClr val="accent1"/>
+            </a:fillRef>
+            <a:effectRef idx="0">
+              <a:schemeClr val="accent1"/>
+            </a:effectRef>
+            <a:fontRef idx="minor">
+              <a:schemeClr val="lt1"/>
+            </a:fontRef>
+          </p:style>
+          <p:txBody>
+            <a:bodyPr rot="0" spcFirstLastPara="0" vert="horz" wrap="square" lIns="91440" tIns="45720" rIns="91440" bIns="45720" numCol="1" spcCol="0" rtlCol="0" fromWordArt="0" anchor="ctr" anchorCtr="0" forceAA="0" compatLnSpc="1">
+              <a:prstTxWarp prst="textNoShape">
+                <a:avLst/>
+              </a:prstTxWarp>
+              <a:noAutofit/>
+            </a:bodyPr>
+            <a:lstStyle>
+              <a:defPPr>
+                <a:defRPr lang="en-US"/>
+              </a:defPPr>
+              <a:lvl1pPr marL="0" algn="l" defTabSz="914400" rtl="0" eaLnBrk="1" latinLnBrk="0" hangingPunct="1">
+                <a:defRPr sz="1800" kern="1200">
+                  <a:solidFill>
+                    <a:schemeClr val="lt1"/>
+                  </a:solidFill>
+                  <a:latin typeface="+mn-lt"/>
+                  <a:ea typeface="+mn-ea"/>
+                  <a:cs typeface="+mn-cs"/>
+                </a:defRPr>
+              </a:lvl1pPr>
+              <a:lvl2pPr marL="457200" algn="l" defTabSz="914400" rtl="0" eaLnBrk="1" latinLnBrk="0" hangingPunct="1">
+                <a:defRPr sz="1800" kern="1200">
+                  <a:solidFill>
+                    <a:schemeClr val="lt1"/>
+                  </a:solidFill>
+                  <a:latin typeface="+mn-lt"/>
+                  <a:ea typeface="+mn-ea"/>
+                  <a:cs typeface="+mn-cs"/>
+                </a:defRPr>
+              </a:lvl2pPr>
+              <a:lvl3pPr marL="914400" algn="l" defTabSz="914400" rtl="0" eaLnBrk="1" latinLnBrk="0" hangingPunct="1">
+                <a:defRPr sz="1800" kern="1200">
+                  <a:solidFill>
+                    <a:schemeClr val="lt1"/>
+                  </a:solidFill>
+                  <a:latin typeface="+mn-lt"/>
+                  <a:ea typeface="+mn-ea"/>
+                  <a:cs typeface="+mn-cs"/>
+                </a:defRPr>
+              </a:lvl3pPr>
+              <a:lvl4pPr marL="1371600" algn="l" defTabSz="914400" rtl="0" eaLnBrk="1" latinLnBrk="0" hangingPunct="1">
+                <a:defRPr sz="1800" kern="1200">
+                  <a:solidFill>
+                    <a:schemeClr val="lt1"/>
+                  </a:solidFill>
+                  <a:latin typeface="+mn-lt"/>
+                  <a:ea typeface="+mn-ea"/>
+                  <a:cs typeface="+mn-cs"/>
+                </a:defRPr>
+              </a:lvl4pPr>
+              <a:lvl5pPr marL="1828800" algn="l" defTabSz="914400" rtl="0" eaLnBrk="1" latinLnBrk="0" hangingPunct="1">
+                <a:defRPr sz="1800" kern="1200">
+                  <a:solidFill>
+                    <a:schemeClr val="lt1"/>
+                  </a:solidFill>
+                  <a:latin typeface="+mn-lt"/>
+                  <a:ea typeface="+mn-ea"/>
+                  <a:cs typeface="+mn-cs"/>
+                </a:defRPr>
+              </a:lvl5pPr>
+              <a:lvl6pPr marL="2286000" algn="l" defTabSz="914400" rtl="0" eaLnBrk="1" latinLnBrk="0" hangingPunct="1">
+                <a:defRPr sz="1800" kern="1200">
+                  <a:solidFill>
+                    <a:schemeClr val="lt1"/>
+                  </a:solidFill>
+                  <a:latin typeface="+mn-lt"/>
+                  <a:ea typeface="+mn-ea"/>
+                  <a:cs typeface="+mn-cs"/>
+                </a:defRPr>
+              </a:lvl6pPr>
+              <a:lvl7pPr marL="2743200" algn="l" defTabSz="914400" rtl="0" eaLnBrk="1" latinLnBrk="0" hangingPunct="1">
+                <a:defRPr sz="1800" kern="1200">
+                  <a:solidFill>
+                    <a:schemeClr val="lt1"/>
+                  </a:solidFill>
+                  <a:latin typeface="+mn-lt"/>
+                  <a:ea typeface="+mn-ea"/>
+                  <a:cs typeface="+mn-cs"/>
+                </a:defRPr>
+              </a:lvl7pPr>
+              <a:lvl8pPr marL="3200400" algn="l" defTabSz="914400" rtl="0" eaLnBrk="1" latinLnBrk="0" hangingPunct="1">
+                <a:defRPr sz="1800" kern="1200">
+                  <a:solidFill>
+                    <a:schemeClr val="lt1"/>
+                  </a:solidFill>
+                  <a:latin typeface="+mn-lt"/>
+                  <a:ea typeface="+mn-ea"/>
+                  <a:cs typeface="+mn-cs"/>
+                </a:defRPr>
+              </a:lvl8pPr>
+              <a:lvl9pPr marL="3657600" algn="l" defTabSz="914400" rtl="0" eaLnBrk="1" latinLnBrk="0" hangingPunct="1">
+                <a:defRPr sz="1800" kern="1200">
+                  <a:solidFill>
+                    <a:schemeClr val="lt1"/>
+                  </a:solidFill>
+                  <a:latin typeface="+mn-lt"/>
+                  <a:ea typeface="+mn-ea"/>
+                  <a:cs typeface="+mn-cs"/>
+                </a:defRPr>
+              </a:lvl9pPr>
+            </a:lstStyle>
+            <a:p>
+              <a:pPr algn="ctr"/>
+              <a:endParaRPr lang="en-US" sz="900" dirty="0">
+                <a:solidFill>
+                  <a:srgbClr val="5F5F5F"/>
+                </a:solidFill>
+                <a:latin typeface="Segoe UI" panose="020B0502040204020203" pitchFamily="34" charset="0"/>
+                <a:cs typeface="Segoe UI" panose="020B0502040204020203" pitchFamily="34" charset="0"/>
+              </a:endParaRPr>
+            </a:p>
+          </p:txBody>
+        </p:sp>
+        <p:sp>
+          <p:nvSpPr>
+            <p:cNvPr id="6" name="Title Bar" descr="&lt;SmartSettings&gt;&lt;SmartResize anchorLeft=&quot;Absolute&quot; anchorTop=&quot;Absolute&quot; anchorRight=&quot;Absolute&quot; anchorBottom=&quot;None&quot; /&gt;&lt;/SmartSettings&gt;">
+              <a:extLst>
+                <a:ext uri="{FF2B5EF4-FFF2-40B4-BE49-F238E27FC236}">
+                  <a16:creationId xmlns:a16="http://schemas.microsoft.com/office/drawing/2014/main" id="{A8C90332-20D0-4918-A994-5107173DF0C9}"/>
+                </a:ext>
+              </a:extLst>
+            </p:cNvPr>
+            <p:cNvSpPr/>
+            <p:nvPr>
+              <p:custDataLst>
+                <p:tags r:id="rId3"/>
+              </p:custDataLst>
+            </p:nvPr>
+          </p:nvSpPr>
+          <p:spPr>
+            <a:xfrm>
+              <a:off x="595683" y="1261242"/>
+              <a:ext cx="6668462" cy="425367"/>
+            </a:xfrm>
+            <a:prstGeom prst="rect">
+              <a:avLst/>
+            </a:prstGeom>
+            <a:solidFill>
+              <a:srgbClr val="FFFFFF"/>
+            </a:solidFill>
+            <a:ln w="6350">
+              <a:solidFill>
+                <a:srgbClr val="808080"/>
+              </a:solidFill>
+            </a:ln>
+          </p:spPr>
+          <p:style>
+            <a:lnRef idx="2">
+              <a:schemeClr val="accent1">
+                <a:shade val="50000"/>
+              </a:schemeClr>
+            </a:lnRef>
+            <a:fillRef idx="1">
+              <a:schemeClr val="accent1"/>
+            </a:fillRef>
+            <a:effectRef idx="0">
+              <a:schemeClr val="accent1"/>
+            </a:effectRef>
+            <a:fontRef idx="minor">
+              <a:schemeClr val="lt1"/>
+            </a:fontRef>
+          </p:style>
+          <p:txBody>
+            <a:bodyPr rot="0" spcFirstLastPara="0" vert="horz" wrap="square" lIns="91440" tIns="45720" rIns="228600" bIns="45720" numCol="1" spcCol="0" rtlCol="0" fromWordArt="0" anchor="t" anchorCtr="0" forceAA="0" compatLnSpc="1">
+              <a:prstTxWarp prst="textNoShape">
+                <a:avLst/>
+              </a:prstTxWarp>
+              <a:noAutofit/>
+            </a:bodyPr>
+            <a:lstStyle>
+              <a:defPPr>
+                <a:defRPr lang="en-US"/>
+              </a:defPPr>
+              <a:lvl1pPr marL="0" algn="l" defTabSz="914400" rtl="0" eaLnBrk="1" latinLnBrk="0" hangingPunct="1">
+                <a:defRPr sz="1800" kern="1200">
+                  <a:solidFill>
+                    <a:schemeClr val="lt1"/>
+                  </a:solidFill>
+                  <a:latin typeface="+mn-lt"/>
+                  <a:ea typeface="+mn-ea"/>
+                  <a:cs typeface="+mn-cs"/>
+                </a:defRPr>
+              </a:lvl1pPr>
+              <a:lvl2pPr marL="457200" algn="l" defTabSz="914400" rtl="0" eaLnBrk="1" latinLnBrk="0" hangingPunct="1">
+                <a:defRPr sz="1800" kern="1200">
+                  <a:solidFill>
+                    <a:schemeClr val="lt1"/>
+                  </a:solidFill>
+                  <a:latin typeface="+mn-lt"/>
+                  <a:ea typeface="+mn-ea"/>
+                  <a:cs typeface="+mn-cs"/>
+                </a:defRPr>
+              </a:lvl2pPr>
+              <a:lvl3pPr marL="914400" algn="l" defTabSz="914400" rtl="0" eaLnBrk="1" latinLnBrk="0" hangingPunct="1">
+                <a:defRPr sz="1800" kern="1200">
+                  <a:solidFill>
+                    <a:schemeClr val="lt1"/>
+                  </a:solidFill>
+                  <a:latin typeface="+mn-lt"/>
+                  <a:ea typeface="+mn-ea"/>
+                  <a:cs typeface="+mn-cs"/>
+                </a:defRPr>
+              </a:lvl3pPr>
+              <a:lvl4pPr marL="1371600" algn="l" defTabSz="914400" rtl="0" eaLnBrk="1" latinLnBrk="0" hangingPunct="1">
+                <a:defRPr sz="1800" kern="1200">
+                  <a:solidFill>
+                    <a:schemeClr val="lt1"/>
+                  </a:solidFill>
+                  <a:latin typeface="+mn-lt"/>
+                  <a:ea typeface="+mn-ea"/>
+                  <a:cs typeface="+mn-cs"/>
+                </a:defRPr>
+              </a:lvl4pPr>
+              <a:lvl5pPr marL="1828800" algn="l" defTabSz="914400" rtl="0" eaLnBrk="1" latinLnBrk="0" hangingPunct="1">
+                <a:defRPr sz="1800" kern="1200">
+                  <a:solidFill>
+                    <a:schemeClr val="lt1"/>
+                  </a:solidFill>
+                  <a:latin typeface="+mn-lt"/>
+                  <a:ea typeface="+mn-ea"/>
+                  <a:cs typeface="+mn-cs"/>
+                </a:defRPr>
+              </a:lvl5pPr>
+              <a:lvl6pPr marL="2286000" algn="l" defTabSz="914400" rtl="0" eaLnBrk="1" latinLnBrk="0" hangingPunct="1">
+                <a:defRPr sz="1800" kern="1200">
+                  <a:solidFill>
+                    <a:schemeClr val="lt1"/>
+                  </a:solidFill>
+                  <a:latin typeface="+mn-lt"/>
+                  <a:ea typeface="+mn-ea"/>
+                  <a:cs typeface="+mn-cs"/>
+                </a:defRPr>
+              </a:lvl6pPr>
+              <a:lvl7pPr marL="2743200" algn="l" defTabSz="914400" rtl="0" eaLnBrk="1" latinLnBrk="0" hangingPunct="1">
+                <a:defRPr sz="1800" kern="1200">
+                  <a:solidFill>
+                    <a:schemeClr val="lt1"/>
+                  </a:solidFill>
+                  <a:latin typeface="+mn-lt"/>
+                  <a:ea typeface="+mn-ea"/>
+                  <a:cs typeface="+mn-cs"/>
+                </a:defRPr>
+              </a:lvl7pPr>
+              <a:lvl8pPr marL="3200400" algn="l" defTabSz="914400" rtl="0" eaLnBrk="1" latinLnBrk="0" hangingPunct="1">
+                <a:defRPr sz="1800" kern="1200">
+                  <a:solidFill>
+                    <a:schemeClr val="lt1"/>
+                  </a:solidFill>
+                  <a:latin typeface="+mn-lt"/>
+                  <a:ea typeface="+mn-ea"/>
+                  <a:cs typeface="+mn-cs"/>
+                </a:defRPr>
+              </a:lvl8pPr>
+              <a:lvl9pPr marL="3657600" algn="l" defTabSz="914400" rtl="0" eaLnBrk="1" latinLnBrk="0" hangingPunct="1">
+                <a:defRPr sz="1800" kern="1200">
+                  <a:solidFill>
+                    <a:schemeClr val="lt1"/>
+                  </a:solidFill>
+                  <a:latin typeface="+mn-lt"/>
+                  <a:ea typeface="+mn-ea"/>
+                  <a:cs typeface="+mn-cs"/>
+                </a:defRPr>
+              </a:lvl9pPr>
+            </a:lstStyle>
+            <a:p>
+              <a:r>
+                <a:rPr lang="en-US" sz="900" dirty="0">
+                  <a:solidFill>
+                    <a:srgbClr val="5F5F5F"/>
+                  </a:solidFill>
+                  <a:latin typeface="Segoe UI" panose="020B0502040204020203" pitchFamily="34" charset="0"/>
+                  <a:cs typeface="Segoe UI" panose="020B0502040204020203" pitchFamily="34" charset="0"/>
+                </a:rPr>
+                <a:t>Browser</a:t>
+              </a:r>
+            </a:p>
+          </p:txBody>
+        </p:sp>
+        <p:sp>
+          <p:nvSpPr>
+            <p:cNvPr id="7" name="Menu Button" descr="&lt;SmartSettings&gt;&lt;SmartResize anchorLeft=&quot;None&quot; anchorTop=&quot;Absolute&quot; anchorRight=&quot;Absolute&quot; anchorBottom=&quot;None&quot; /&gt;&lt;/SmartSettings&gt;">
+              <a:extLst>
+                <a:ext uri="{FF2B5EF4-FFF2-40B4-BE49-F238E27FC236}">
+                  <a16:creationId xmlns:a16="http://schemas.microsoft.com/office/drawing/2014/main" id="{84B87110-AC3D-4C18-9599-36C3F6C9B8C9}"/>
+                </a:ext>
+              </a:extLst>
+            </p:cNvPr>
+            <p:cNvSpPr>
+              <a:spLocks noChangeAspect="1" noEditPoints="1"/>
+            </p:cNvSpPr>
+            <p:nvPr>
+              <p:custDataLst>
+                <p:tags r:id="rId4"/>
+              </p:custDataLst>
+            </p:nvPr>
+          </p:nvSpPr>
+          <p:spPr bwMode="auto">
+            <a:xfrm>
+              <a:off x="7071766" y="1504830"/>
+              <a:ext cx="120681" cy="89269"/>
+            </a:xfrm>
+            <a:custGeom>
+              <a:avLst/>
+              <a:gdLst>
+                <a:gd name="T0" fmla="*/ 0 w 415"/>
+                <a:gd name="T1" fmla="*/ 309 h 309"/>
+                <a:gd name="T2" fmla="*/ 415 w 415"/>
+                <a:gd name="T3" fmla="*/ 309 h 309"/>
+                <a:gd name="T4" fmla="*/ 0 w 415"/>
+                <a:gd name="T5" fmla="*/ 155 h 309"/>
+                <a:gd name="T6" fmla="*/ 415 w 415"/>
+                <a:gd name="T7" fmla="*/ 155 h 309"/>
+                <a:gd name="T8" fmla="*/ 0 w 415"/>
+                <a:gd name="T9" fmla="*/ 0 h 309"/>
+                <a:gd name="T10" fmla="*/ 415 w 415"/>
+                <a:gd name="T11" fmla="*/ 0 h 309"/>
+              </a:gdLst>
+              <a:ahLst/>
+              <a:cxnLst>
+                <a:cxn ang="0">
+                  <a:pos x="T0" y="T1"/>
+                </a:cxn>
+                <a:cxn ang="0">
+                  <a:pos x="T2" y="T3"/>
+                </a:cxn>
+                <a:cxn ang="0">
+                  <a:pos x="T4" y="T5"/>
+                </a:cxn>
+                <a:cxn ang="0">
+                  <a:pos x="T6" y="T7"/>
+                </a:cxn>
+                <a:cxn ang="0">
+                  <a:pos x="T8" y="T9"/>
+                </a:cxn>
+                <a:cxn ang="0">
+                  <a:pos x="T10" y="T11"/>
+                </a:cxn>
+              </a:cxnLst>
+              <a:rect l="0" t="0" r="r" b="b"/>
+              <a:pathLst>
+                <a:path w="415" h="309">
+                  <a:moveTo>
+                    <a:pt x="0" y="309"/>
+                  </a:moveTo>
+                  <a:lnTo>
+                    <a:pt x="415" y="309"/>
+                  </a:lnTo>
+                  <a:moveTo>
+                    <a:pt x="0" y="155"/>
+                  </a:moveTo>
+                  <a:lnTo>
+                    <a:pt x="415" y="155"/>
+                  </a:lnTo>
+                  <a:moveTo>
+                    <a:pt x="0" y="0"/>
+                  </a:moveTo>
+                  <a:lnTo>
+                    <a:pt x="415" y="0"/>
+                  </a:lnTo>
+                </a:path>
+              </a:pathLst>
+            </a:custGeom>
+            <a:noFill/>
+            <a:ln w="6350" cap="flat">
+              <a:solidFill>
+                <a:srgbClr val="808080"/>
+              </a:solidFill>
+              <a:prstDash val="solid"/>
+              <a:miter lim="800000"/>
+              <a:headEnd/>
+              <a:tailEnd/>
+            </a:ln>
+            <a:extLst>
+              <a:ext uri="{909E8E84-426E-40DD-AFC4-6F175D3DCCD1}">
+                <a14:hiddenFill xmlns:a14="http://schemas.microsoft.com/office/drawing/2010/main">
+                  <a:solidFill>
+                    <a:srgbClr val="FFFFFF"/>
+                  </a:solidFill>
+                </a14:hiddenFill>
+              </a:ext>
+            </a:extLst>
+          </p:spPr>
+          <p:txBody>
+            <a:bodyPr vert="horz" wrap="square" lIns="91440" tIns="45720" rIns="91440" bIns="45720" numCol="1" anchor="t" anchorCtr="0" compatLnSpc="1">
+              <a:prstTxWarp prst="textNoShape">
+                <a:avLst/>
+              </a:prstTxWarp>
+            </a:bodyPr>
+            <a:lstStyle>
+              <a:defPPr>
+                <a:defRPr lang="en-US"/>
+              </a:defPPr>
+              <a:lvl1pPr marL="0" algn="l" defTabSz="914400" rtl="0" eaLnBrk="1" latinLnBrk="0" hangingPunct="1">
+                <a:defRPr sz="1800" kern="1200">
+                  <a:solidFill>
+                    <a:schemeClr val="tx1"/>
+                  </a:solidFill>
+                  <a:latin typeface="+mn-lt"/>
+                  <a:ea typeface="+mn-ea"/>
+                  <a:cs typeface="+mn-cs"/>
+                </a:defRPr>
+              </a:lvl1pPr>
+              <a:lvl2pPr marL="457200" algn="l" defTabSz="914400" rtl="0" eaLnBrk="1" latinLnBrk="0" hangingPunct="1">
+                <a:defRPr sz="1800" kern="1200">
+                  <a:solidFill>
+                    <a:schemeClr val="tx1"/>
+                  </a:solidFill>
+                  <a:latin typeface="+mn-lt"/>
+                  <a:ea typeface="+mn-ea"/>
+                  <a:cs typeface="+mn-cs"/>
+                </a:defRPr>
+              </a:lvl2pPr>
+              <a:lvl3pPr marL="914400" algn="l" defTabSz="914400" rtl="0" eaLnBrk="1" latinLnBrk="0" hangingPunct="1">
+                <a:defRPr sz="1800" kern="1200">
+                  <a:solidFill>
+                    <a:schemeClr val="tx1"/>
+                  </a:solidFill>
+                  <a:latin typeface="+mn-lt"/>
+                  <a:ea typeface="+mn-ea"/>
+                  <a:cs typeface="+mn-cs"/>
+                </a:defRPr>
+              </a:lvl3pPr>
+              <a:lvl4pPr marL="1371600" algn="l" defTabSz="914400" rtl="0" eaLnBrk="1" latinLnBrk="0" hangingPunct="1">
+                <a:defRPr sz="1800" kern="1200">
+                  <a:solidFill>
+                    <a:schemeClr val="tx1"/>
+                  </a:solidFill>
+                  <a:latin typeface="+mn-lt"/>
+                  <a:ea typeface="+mn-ea"/>
+                  <a:cs typeface="+mn-cs"/>
+                </a:defRPr>
+              </a:lvl4pPr>
+              <a:lvl5pPr marL="1828800" algn="l" defTabSz="914400" rtl="0" eaLnBrk="1" latinLnBrk="0" hangingPunct="1">
+                <a:defRPr sz="1800" kern="1200">
+                  <a:solidFill>
+                    <a:schemeClr val="tx1"/>
+                  </a:solidFill>
+                  <a:latin typeface="+mn-lt"/>
+                  <a:ea typeface="+mn-ea"/>
+                  <a:cs typeface="+mn-cs"/>
+                </a:defRPr>
+              </a:lvl5pPr>
+              <a:lvl6pPr marL="2286000" algn="l" defTabSz="914400" rtl="0" eaLnBrk="1" latinLnBrk="0" hangingPunct="1">
+                <a:defRPr sz="1800" kern="1200">
+                  <a:solidFill>
+                    <a:schemeClr val="tx1"/>
+                  </a:solidFill>
+                  <a:latin typeface="+mn-lt"/>
+                  <a:ea typeface="+mn-ea"/>
+                  <a:cs typeface="+mn-cs"/>
+                </a:defRPr>
+              </a:lvl6pPr>
+              <a:lvl7pPr marL="2743200" algn="l" defTabSz="914400" rtl="0" eaLnBrk="1" latinLnBrk="0" hangingPunct="1">
+                <a:defRPr sz="1800" kern="1200">
+                  <a:solidFill>
+                    <a:schemeClr val="tx1"/>
+                  </a:solidFill>
+                  <a:latin typeface="+mn-lt"/>
+                  <a:ea typeface="+mn-ea"/>
+                  <a:cs typeface="+mn-cs"/>
+                </a:defRPr>
+              </a:lvl7pPr>
+              <a:lvl8pPr marL="3200400" algn="l" defTabSz="914400" rtl="0" eaLnBrk="1" latinLnBrk="0" hangingPunct="1">
+                <a:defRPr sz="1800" kern="1200">
+                  <a:solidFill>
+                    <a:schemeClr val="tx1"/>
+                  </a:solidFill>
+                  <a:latin typeface="+mn-lt"/>
+                  <a:ea typeface="+mn-ea"/>
+                  <a:cs typeface="+mn-cs"/>
+                </a:defRPr>
+              </a:lvl8pPr>
+              <a:lvl9pPr marL="3657600" algn="l" defTabSz="914400" rtl="0" eaLnBrk="1" latinLnBrk="0" hangingPunct="1">
+                <a:defRPr sz="1800" kern="1200">
+                  <a:solidFill>
+                    <a:schemeClr val="tx1"/>
+                  </a:solidFill>
+                  <a:latin typeface="+mn-lt"/>
+                  <a:ea typeface="+mn-ea"/>
+                  <a:cs typeface="+mn-cs"/>
+                </a:defRPr>
+              </a:lvl9pPr>
+            </a:lstStyle>
+            <a:p>
+              <a:endParaRPr lang="en-US">
+                <a:solidFill>
+                  <a:srgbClr val="5F5F5F"/>
+                </a:solidFill>
+                <a:latin typeface="Segoe UI" panose="020B0502040204020203" pitchFamily="34" charset="0"/>
+                <a:cs typeface="Segoe UI" panose="020B0502040204020203" pitchFamily="34" charset="0"/>
+              </a:endParaRPr>
+            </a:p>
+          </p:txBody>
+        </p:sp>
+        <p:sp>
+          <p:nvSpPr>
+            <p:cNvPr id="8" name="Close Button" descr="&lt;SmartSettings&gt;&lt;SmartResize anchorLeft=&quot;None&quot; anchorTop=&quot;Absolute&quot; anchorRight=&quot;Absolute&quot; anchorBottom=&quot;None&quot; /&gt;&lt;/SmartSettings&gt;">
+              <a:extLst>
+                <a:ext uri="{FF2B5EF4-FFF2-40B4-BE49-F238E27FC236}">
+                  <a16:creationId xmlns:a16="http://schemas.microsoft.com/office/drawing/2014/main" id="{244246BA-DB60-402D-AC23-A604EE4C3775}"/>
+                </a:ext>
+              </a:extLst>
+            </p:cNvPr>
+            <p:cNvSpPr>
+              <a:spLocks noEditPoints="1"/>
+            </p:cNvSpPr>
+            <p:nvPr>
+              <p:custDataLst>
+                <p:tags r:id="rId5"/>
+              </p:custDataLst>
+            </p:nvPr>
+          </p:nvSpPr>
+          <p:spPr bwMode="auto">
+            <a:xfrm>
+              <a:off x="7093599" y="1317670"/>
+              <a:ext cx="79598" cy="75438"/>
+            </a:xfrm>
+            <a:custGeom>
+              <a:avLst/>
+              <a:gdLst>
+                <a:gd name="T0" fmla="*/ 254 w 254"/>
+                <a:gd name="T1" fmla="*/ 0 h 254"/>
+                <a:gd name="T2" fmla="*/ 0 w 254"/>
+                <a:gd name="T3" fmla="*/ 254 h 254"/>
+                <a:gd name="T4" fmla="*/ 0 w 254"/>
+                <a:gd name="T5" fmla="*/ 0 h 254"/>
+                <a:gd name="T6" fmla="*/ 254 w 254"/>
+                <a:gd name="T7" fmla="*/ 254 h 254"/>
+              </a:gdLst>
+              <a:ahLst/>
+              <a:cxnLst>
+                <a:cxn ang="0">
+                  <a:pos x="T0" y="T1"/>
+                </a:cxn>
+                <a:cxn ang="0">
+                  <a:pos x="T2" y="T3"/>
+                </a:cxn>
+                <a:cxn ang="0">
+                  <a:pos x="T4" y="T5"/>
+                </a:cxn>
+                <a:cxn ang="0">
+                  <a:pos x="T6" y="T7"/>
+                </a:cxn>
+              </a:cxnLst>
+              <a:rect l="0" t="0" r="r" b="b"/>
+              <a:pathLst>
+                <a:path w="254" h="254">
+                  <a:moveTo>
+                    <a:pt x="254" y="0"/>
+                  </a:moveTo>
+                  <a:lnTo>
+                    <a:pt x="0" y="254"/>
+                  </a:lnTo>
+                  <a:moveTo>
+                    <a:pt x="0" y="0"/>
+                  </a:moveTo>
+                  <a:lnTo>
+                    <a:pt x="254" y="254"/>
+                  </a:lnTo>
+                </a:path>
+              </a:pathLst>
+            </a:custGeom>
+            <a:noFill/>
+            <a:ln w="9525" cap="flat">
+              <a:solidFill>
+                <a:srgbClr val="808080"/>
+              </a:solidFill>
+              <a:prstDash val="solid"/>
+              <a:miter lim="800000"/>
+              <a:headEnd/>
+              <a:tailEnd/>
+            </a:ln>
+            <a:extLst>
+              <a:ext uri="{909E8E84-426E-40DD-AFC4-6F175D3DCCD1}">
+                <a14:hiddenFill xmlns:a14="http://schemas.microsoft.com/office/drawing/2010/main">
+                  <a:solidFill>
+                    <a:srgbClr val="FFFFFF"/>
+                  </a:solidFill>
+                </a14:hiddenFill>
+              </a:ext>
+            </a:extLst>
+          </p:spPr>
+          <p:txBody>
+            <a:bodyPr vert="horz" wrap="square" lIns="91440" tIns="45720" rIns="91440" bIns="45720" numCol="1" anchor="t" anchorCtr="0" compatLnSpc="1">
+              <a:prstTxWarp prst="textNoShape">
+                <a:avLst/>
+              </a:prstTxWarp>
+            </a:bodyPr>
+            <a:lstStyle>
+              <a:defPPr>
+                <a:defRPr lang="en-US"/>
+              </a:defPPr>
+              <a:lvl1pPr marL="0" algn="l" defTabSz="914400" rtl="0" eaLnBrk="1" latinLnBrk="0" hangingPunct="1">
+                <a:defRPr sz="1800" kern="1200">
+                  <a:solidFill>
+                    <a:schemeClr val="tx1"/>
+                  </a:solidFill>
+                  <a:latin typeface="+mn-lt"/>
+                  <a:ea typeface="+mn-ea"/>
+                  <a:cs typeface="+mn-cs"/>
+                </a:defRPr>
+              </a:lvl1pPr>
+              <a:lvl2pPr marL="457200" algn="l" defTabSz="914400" rtl="0" eaLnBrk="1" latinLnBrk="0" hangingPunct="1">
+                <a:defRPr sz="1800" kern="1200">
+                  <a:solidFill>
+                    <a:schemeClr val="tx1"/>
+                  </a:solidFill>
+                  <a:latin typeface="+mn-lt"/>
+                  <a:ea typeface="+mn-ea"/>
+                  <a:cs typeface="+mn-cs"/>
+                </a:defRPr>
+              </a:lvl2pPr>
+              <a:lvl3pPr marL="914400" algn="l" defTabSz="914400" rtl="0" eaLnBrk="1" latinLnBrk="0" hangingPunct="1">
+                <a:defRPr sz="1800" kern="1200">
+                  <a:solidFill>
+                    <a:schemeClr val="tx1"/>
+                  </a:solidFill>
+                  <a:latin typeface="+mn-lt"/>
+                  <a:ea typeface="+mn-ea"/>
+                  <a:cs typeface="+mn-cs"/>
+                </a:defRPr>
+              </a:lvl3pPr>
+              <a:lvl4pPr marL="1371600" algn="l" defTabSz="914400" rtl="0" eaLnBrk="1" latinLnBrk="0" hangingPunct="1">
+                <a:defRPr sz="1800" kern="1200">
+                  <a:solidFill>
+                    <a:schemeClr val="tx1"/>
+                  </a:solidFill>
+                  <a:latin typeface="+mn-lt"/>
+                  <a:ea typeface="+mn-ea"/>
+                  <a:cs typeface="+mn-cs"/>
+                </a:defRPr>
+              </a:lvl4pPr>
+              <a:lvl5pPr marL="1828800" algn="l" defTabSz="914400" rtl="0" eaLnBrk="1" latinLnBrk="0" hangingPunct="1">
+                <a:defRPr sz="1800" kern="1200">
+                  <a:solidFill>
+                    <a:schemeClr val="tx1"/>
+                  </a:solidFill>
+                  <a:latin typeface="+mn-lt"/>
+                  <a:ea typeface="+mn-ea"/>
+                  <a:cs typeface="+mn-cs"/>
+                </a:defRPr>
+              </a:lvl5pPr>
+              <a:lvl6pPr marL="2286000" algn="l" defTabSz="914400" rtl="0" eaLnBrk="1" latinLnBrk="0" hangingPunct="1">
+                <a:defRPr sz="1800" kern="1200">
+                  <a:solidFill>
+                    <a:schemeClr val="tx1"/>
+                  </a:solidFill>
+                  <a:latin typeface="+mn-lt"/>
+                  <a:ea typeface="+mn-ea"/>
+                  <a:cs typeface="+mn-cs"/>
+                </a:defRPr>
+              </a:lvl6pPr>
+              <a:lvl7pPr marL="2743200" algn="l" defTabSz="914400" rtl="0" eaLnBrk="1" latinLnBrk="0" hangingPunct="1">
+                <a:defRPr sz="1800" kern="1200">
+                  <a:solidFill>
+                    <a:schemeClr val="tx1"/>
+                  </a:solidFill>
+                  <a:latin typeface="+mn-lt"/>
+                  <a:ea typeface="+mn-ea"/>
+                  <a:cs typeface="+mn-cs"/>
+                </a:defRPr>
+              </a:lvl7pPr>
+              <a:lvl8pPr marL="3200400" algn="l" defTabSz="914400" rtl="0" eaLnBrk="1" latinLnBrk="0" hangingPunct="1">
+                <a:defRPr sz="1800" kern="1200">
+                  <a:solidFill>
+                    <a:schemeClr val="tx1"/>
+                  </a:solidFill>
+                  <a:latin typeface="+mn-lt"/>
+                  <a:ea typeface="+mn-ea"/>
+                  <a:cs typeface="+mn-cs"/>
+                </a:defRPr>
+              </a:lvl8pPr>
+              <a:lvl9pPr marL="3657600" algn="l" defTabSz="914400" rtl="0" eaLnBrk="1" latinLnBrk="0" hangingPunct="1">
+                <a:defRPr sz="1800" kern="1200">
+                  <a:solidFill>
+                    <a:schemeClr val="tx1"/>
+                  </a:solidFill>
+                  <a:latin typeface="+mn-lt"/>
+                  <a:ea typeface="+mn-ea"/>
+                  <a:cs typeface="+mn-cs"/>
+                </a:defRPr>
+              </a:lvl9pPr>
+            </a:lstStyle>
+            <a:p>
+              <a:endParaRPr lang="en-US">
+                <a:solidFill>
+                  <a:srgbClr val="5F5F5F"/>
+                </a:solidFill>
+                <a:latin typeface="Segoe UI" panose="020B0502040204020203" pitchFamily="34" charset="0"/>
+                <a:cs typeface="Segoe UI" panose="020B0502040204020203" pitchFamily="34" charset="0"/>
+              </a:endParaRPr>
+            </a:p>
+          </p:txBody>
+        </p:sp>
+        <p:sp>
+          <p:nvSpPr>
+            <p:cNvPr id="9" name="Address Box" descr="&lt;SmartSettings&gt;&lt;SmartResize anchorLeft=&quot;Absolute&quot; anchorTop=&quot;Absolute&quot; anchorRight=&quot;Absolute&quot; anchorBottom=&quot;None&quot; /&gt;&lt;/SmartSettings&gt;">
+              <a:extLst>
+                <a:ext uri="{FF2B5EF4-FFF2-40B4-BE49-F238E27FC236}">
+                  <a16:creationId xmlns:a16="http://schemas.microsoft.com/office/drawing/2014/main" id="{1EB3C355-42C8-48E7-A1A0-5F4B28919997}"/>
+                </a:ext>
+              </a:extLst>
+            </p:cNvPr>
+            <p:cNvSpPr/>
+            <p:nvPr>
+              <p:custDataLst>
+                <p:tags r:id="rId6"/>
+              </p:custDataLst>
+            </p:nvPr>
+          </p:nvSpPr>
+          <p:spPr>
+            <a:xfrm>
+              <a:off x="1325889" y="1455317"/>
+              <a:ext cx="5674177" cy="188294"/>
+            </a:xfrm>
+            <a:prstGeom prst="rect">
+              <a:avLst/>
+            </a:prstGeom>
+            <a:solidFill>
+              <a:srgbClr val="FFFFFF"/>
+            </a:solidFill>
+            <a:ln w="6350">
+              <a:solidFill>
+                <a:srgbClr val="808080"/>
+              </a:solidFill>
+            </a:ln>
+          </p:spPr>
+          <p:style>
+            <a:lnRef idx="2">
+              <a:schemeClr val="accent1">
+                <a:shade val="50000"/>
+              </a:schemeClr>
+            </a:lnRef>
+            <a:fillRef idx="1">
+              <a:schemeClr val="accent1"/>
+            </a:fillRef>
+            <a:effectRef idx="0">
+              <a:schemeClr val="accent1"/>
+            </a:effectRef>
+            <a:fontRef idx="minor">
+              <a:schemeClr val="lt1"/>
+            </a:fontRef>
+          </p:style>
+          <p:txBody>
+            <a:bodyPr rot="0" spcFirstLastPara="0" vert="horz" wrap="square" lIns="237744" tIns="45720" rIns="91440" bIns="45720" numCol="1" spcCol="0" rtlCol="0" fromWordArt="0" anchor="ctr" anchorCtr="0" forceAA="0" compatLnSpc="1">
+              <a:prstTxWarp prst="textNoShape">
+                <a:avLst/>
+              </a:prstTxWarp>
+              <a:noAutofit/>
+            </a:bodyPr>
+            <a:lstStyle>
+              <a:defPPr>
+                <a:defRPr lang="en-US"/>
+              </a:defPPr>
+              <a:lvl1pPr marL="0" algn="l" defTabSz="914400" rtl="0" eaLnBrk="1" latinLnBrk="0" hangingPunct="1">
+                <a:defRPr sz="1800" kern="1200">
+                  <a:solidFill>
+                    <a:schemeClr val="lt1"/>
+                  </a:solidFill>
+                  <a:latin typeface="+mn-lt"/>
+                  <a:ea typeface="+mn-ea"/>
+                  <a:cs typeface="+mn-cs"/>
+                </a:defRPr>
+              </a:lvl1pPr>
+              <a:lvl2pPr marL="457200" algn="l" defTabSz="914400" rtl="0" eaLnBrk="1" latinLnBrk="0" hangingPunct="1">
+                <a:defRPr sz="1800" kern="1200">
+                  <a:solidFill>
+                    <a:schemeClr val="lt1"/>
+                  </a:solidFill>
+                  <a:latin typeface="+mn-lt"/>
+                  <a:ea typeface="+mn-ea"/>
+                  <a:cs typeface="+mn-cs"/>
+                </a:defRPr>
+              </a:lvl2pPr>
+              <a:lvl3pPr marL="914400" algn="l" defTabSz="914400" rtl="0" eaLnBrk="1" latinLnBrk="0" hangingPunct="1">
+                <a:defRPr sz="1800" kern="1200">
+                  <a:solidFill>
+                    <a:schemeClr val="lt1"/>
+                  </a:solidFill>
+                  <a:latin typeface="+mn-lt"/>
+                  <a:ea typeface="+mn-ea"/>
+                  <a:cs typeface="+mn-cs"/>
+                </a:defRPr>
+              </a:lvl3pPr>
+              <a:lvl4pPr marL="1371600" algn="l" defTabSz="914400" rtl="0" eaLnBrk="1" latinLnBrk="0" hangingPunct="1">
+                <a:defRPr sz="1800" kern="1200">
+                  <a:solidFill>
+                    <a:schemeClr val="lt1"/>
+                  </a:solidFill>
+                  <a:latin typeface="+mn-lt"/>
+                  <a:ea typeface="+mn-ea"/>
+                  <a:cs typeface="+mn-cs"/>
+                </a:defRPr>
+              </a:lvl4pPr>
+              <a:lvl5pPr marL="1828800" algn="l" defTabSz="914400" rtl="0" eaLnBrk="1" latinLnBrk="0" hangingPunct="1">
+                <a:defRPr sz="1800" kern="1200">
+                  <a:solidFill>
+                    <a:schemeClr val="lt1"/>
+                  </a:solidFill>
+                  <a:latin typeface="+mn-lt"/>
+                  <a:ea typeface="+mn-ea"/>
+                  <a:cs typeface="+mn-cs"/>
+                </a:defRPr>
+              </a:lvl5pPr>
+              <a:lvl6pPr marL="2286000" algn="l" defTabSz="914400" rtl="0" eaLnBrk="1" latinLnBrk="0" hangingPunct="1">
+                <a:defRPr sz="1800" kern="1200">
+                  <a:solidFill>
+                    <a:schemeClr val="lt1"/>
+                  </a:solidFill>
+                  <a:latin typeface="+mn-lt"/>
+                  <a:ea typeface="+mn-ea"/>
+                  <a:cs typeface="+mn-cs"/>
+                </a:defRPr>
+              </a:lvl6pPr>
+              <a:lvl7pPr marL="2743200" algn="l" defTabSz="914400" rtl="0" eaLnBrk="1" latinLnBrk="0" hangingPunct="1">
+                <a:defRPr sz="1800" kern="1200">
+                  <a:solidFill>
+                    <a:schemeClr val="lt1"/>
+                  </a:solidFill>
+                  <a:latin typeface="+mn-lt"/>
+                  <a:ea typeface="+mn-ea"/>
+                  <a:cs typeface="+mn-cs"/>
+                </a:defRPr>
+              </a:lvl7pPr>
+              <a:lvl8pPr marL="3200400" algn="l" defTabSz="914400" rtl="0" eaLnBrk="1" latinLnBrk="0" hangingPunct="1">
+                <a:defRPr sz="1800" kern="1200">
+                  <a:solidFill>
+                    <a:schemeClr val="lt1"/>
+                  </a:solidFill>
+                  <a:latin typeface="+mn-lt"/>
+                  <a:ea typeface="+mn-ea"/>
+                  <a:cs typeface="+mn-cs"/>
+                </a:defRPr>
+              </a:lvl8pPr>
+              <a:lvl9pPr marL="3657600" algn="l" defTabSz="914400" rtl="0" eaLnBrk="1" latinLnBrk="0" hangingPunct="1">
+                <a:defRPr sz="1800" kern="1200">
+                  <a:solidFill>
+                    <a:schemeClr val="lt1"/>
+                  </a:solidFill>
+                  <a:latin typeface="+mn-lt"/>
+                  <a:ea typeface="+mn-ea"/>
+                  <a:cs typeface="+mn-cs"/>
+                </a:defRPr>
+              </a:lvl9pPr>
+            </a:lstStyle>
+            <a:p>
+              <a:r>
+                <a:rPr lang="en-US" sz="900" noProof="1">
+                  <a:solidFill>
+                    <a:srgbClr val="5F5F5F"/>
+                  </a:solidFill>
+                  <a:latin typeface="Segoe UI" panose="020B0502040204020203" pitchFamily="34" charset="0"/>
+                  <a:cs typeface="Segoe UI" panose="020B0502040204020203" pitchFamily="34" charset="0"/>
+                </a:rPr>
+                <a:t>www.example.com</a:t>
+              </a:r>
+            </a:p>
+          </p:txBody>
+        </p:sp>
+        <p:sp>
+          <p:nvSpPr>
+            <p:cNvPr id="10" name="Document Icon" descr="&lt;SmartSettings&gt;&lt;SmartResize anchorLeft=&quot;Absolute&quot; anchorTop=&quot;Absolute&quot; anchorRight=&quot;None&quot; anchorBottom=&quot;None&quot; /&gt;&lt;/SmartSettings&gt;">
+              <a:extLst>
+                <a:ext uri="{FF2B5EF4-FFF2-40B4-BE49-F238E27FC236}">
+                  <a16:creationId xmlns:a16="http://schemas.microsoft.com/office/drawing/2014/main" id="{66FB04F6-325D-4BC2-889E-C99C2AEC6F14}"/>
+                </a:ext>
+              </a:extLst>
+            </p:cNvPr>
+            <p:cNvSpPr>
+              <a:spLocks noChangeAspect="1" noEditPoints="1"/>
+            </p:cNvSpPr>
+            <p:nvPr>
+              <p:custDataLst>
+                <p:tags r:id="rId7"/>
+              </p:custDataLst>
+            </p:nvPr>
+          </p:nvSpPr>
+          <p:spPr bwMode="auto">
+            <a:xfrm>
+              <a:off x="1387452" y="1496656"/>
+              <a:ext cx="75747" cy="105613"/>
+            </a:xfrm>
+            <a:custGeom>
+              <a:avLst/>
+              <a:gdLst>
+                <a:gd name="T0" fmla="*/ 153 w 260"/>
+                <a:gd name="T1" fmla="*/ 7 h 367"/>
+                <a:gd name="T2" fmla="*/ 153 w 260"/>
+                <a:gd name="T3" fmla="*/ 108 h 367"/>
+                <a:gd name="T4" fmla="*/ 253 w 260"/>
+                <a:gd name="T5" fmla="*/ 108 h 367"/>
+                <a:gd name="T6" fmla="*/ 0 w 260"/>
+                <a:gd name="T7" fmla="*/ 0 h 367"/>
+                <a:gd name="T8" fmla="*/ 0 w 260"/>
+                <a:gd name="T9" fmla="*/ 367 h 367"/>
+                <a:gd name="T10" fmla="*/ 260 w 260"/>
+                <a:gd name="T11" fmla="*/ 367 h 367"/>
+                <a:gd name="T12" fmla="*/ 260 w 260"/>
+                <a:gd name="T13" fmla="*/ 100 h 367"/>
+                <a:gd name="T14" fmla="*/ 161 w 260"/>
+                <a:gd name="T15" fmla="*/ 1 h 367"/>
+                <a:gd name="T16" fmla="*/ 0 w 260"/>
+                <a:gd name="T17" fmla="*/ 0 h 367"/>
+              </a:gdLst>
+              <a:ahLst/>
+              <a:cxnLst>
+                <a:cxn ang="0">
+                  <a:pos x="T0" y="T1"/>
+                </a:cxn>
+                <a:cxn ang="0">
+                  <a:pos x="T2" y="T3"/>
+                </a:cxn>
+                <a:cxn ang="0">
+                  <a:pos x="T4" y="T5"/>
+                </a:cxn>
+                <a:cxn ang="0">
+                  <a:pos x="T6" y="T7"/>
+                </a:cxn>
+                <a:cxn ang="0">
+                  <a:pos x="T8" y="T9"/>
+                </a:cxn>
+                <a:cxn ang="0">
+                  <a:pos x="T10" y="T11"/>
+                </a:cxn>
+                <a:cxn ang="0">
+                  <a:pos x="T12" y="T13"/>
+                </a:cxn>
+                <a:cxn ang="0">
+                  <a:pos x="T14" y="T15"/>
+                </a:cxn>
+                <a:cxn ang="0">
+                  <a:pos x="T16" y="T17"/>
+                </a:cxn>
+              </a:cxnLst>
+              <a:rect l="0" t="0" r="r" b="b"/>
+              <a:pathLst>
+                <a:path w="260" h="367">
+                  <a:moveTo>
+                    <a:pt x="153" y="7"/>
+                  </a:moveTo>
+                  <a:lnTo>
+                    <a:pt x="153" y="108"/>
+                  </a:lnTo>
+                  <a:lnTo>
+                    <a:pt x="253" y="108"/>
+                  </a:lnTo>
+                  <a:moveTo>
+                    <a:pt x="0" y="0"/>
+                  </a:moveTo>
+                  <a:lnTo>
+                    <a:pt x="0" y="367"/>
+                  </a:lnTo>
+                  <a:lnTo>
+                    <a:pt x="260" y="367"/>
+                  </a:lnTo>
+                  <a:lnTo>
+                    <a:pt x="260" y="100"/>
+                  </a:lnTo>
+                  <a:lnTo>
+                    <a:pt x="161" y="1"/>
+                  </a:lnTo>
+                  <a:lnTo>
+                    <a:pt x="0" y="0"/>
+                  </a:lnTo>
+                  <a:close/>
+                </a:path>
+              </a:pathLst>
+            </a:custGeom>
+            <a:noFill/>
+            <a:ln w="6350" cap="flat">
+              <a:solidFill>
+                <a:srgbClr val="808080"/>
+              </a:solidFill>
+              <a:prstDash val="solid"/>
+              <a:miter lim="800000"/>
+              <a:headEnd/>
+              <a:tailEnd/>
+            </a:ln>
+            <a:extLst>
+              <a:ext uri="{909E8E84-426E-40DD-AFC4-6F175D3DCCD1}">
+                <a14:hiddenFill xmlns:a14="http://schemas.microsoft.com/office/drawing/2010/main">
+                  <a:solidFill>
+                    <a:srgbClr val="FFFFFF"/>
+                  </a:solidFill>
+                </a14:hiddenFill>
+              </a:ext>
+            </a:extLst>
+          </p:spPr>
+          <p:txBody>
+            <a:bodyPr vert="horz" wrap="square" lIns="91440" tIns="45720" rIns="91440" bIns="45720" numCol="1" anchor="t" anchorCtr="0" compatLnSpc="1">
+              <a:prstTxWarp prst="textNoShape">
+                <a:avLst/>
+              </a:prstTxWarp>
+            </a:bodyPr>
+            <a:lstStyle>
+              <a:defPPr>
+                <a:defRPr lang="en-US"/>
+              </a:defPPr>
+              <a:lvl1pPr marL="0" algn="l" defTabSz="914400" rtl="0" eaLnBrk="1" latinLnBrk="0" hangingPunct="1">
+                <a:defRPr sz="1800" kern="1200">
+                  <a:solidFill>
+                    <a:schemeClr val="tx1"/>
+                  </a:solidFill>
+                  <a:latin typeface="+mn-lt"/>
+                  <a:ea typeface="+mn-ea"/>
+                  <a:cs typeface="+mn-cs"/>
+                </a:defRPr>
+              </a:lvl1pPr>
+              <a:lvl2pPr marL="457200" algn="l" defTabSz="914400" rtl="0" eaLnBrk="1" latinLnBrk="0" hangingPunct="1">
+                <a:defRPr sz="1800" kern="1200">
+                  <a:solidFill>
+                    <a:schemeClr val="tx1"/>
+                  </a:solidFill>
+                  <a:latin typeface="+mn-lt"/>
+                  <a:ea typeface="+mn-ea"/>
+                  <a:cs typeface="+mn-cs"/>
+                </a:defRPr>
+              </a:lvl2pPr>
+              <a:lvl3pPr marL="914400" algn="l" defTabSz="914400" rtl="0" eaLnBrk="1" latinLnBrk="0" hangingPunct="1">
+                <a:defRPr sz="1800" kern="1200">
+                  <a:solidFill>
+                    <a:schemeClr val="tx1"/>
+                  </a:solidFill>
+                  <a:latin typeface="+mn-lt"/>
+                  <a:ea typeface="+mn-ea"/>
+                  <a:cs typeface="+mn-cs"/>
+                </a:defRPr>
+              </a:lvl3pPr>
+              <a:lvl4pPr marL="1371600" algn="l" defTabSz="914400" rtl="0" eaLnBrk="1" latinLnBrk="0" hangingPunct="1">
+                <a:defRPr sz="1800" kern="1200">
+                  <a:solidFill>
+                    <a:schemeClr val="tx1"/>
+                  </a:solidFill>
+                  <a:latin typeface="+mn-lt"/>
+                  <a:ea typeface="+mn-ea"/>
+                  <a:cs typeface="+mn-cs"/>
+                </a:defRPr>
+              </a:lvl4pPr>
+              <a:lvl5pPr marL="1828800" algn="l" defTabSz="914400" rtl="0" eaLnBrk="1" latinLnBrk="0" hangingPunct="1">
+                <a:defRPr sz="1800" kern="1200">
+                  <a:solidFill>
+                    <a:schemeClr val="tx1"/>
+                  </a:solidFill>
+                  <a:latin typeface="+mn-lt"/>
+                  <a:ea typeface="+mn-ea"/>
+                  <a:cs typeface="+mn-cs"/>
+                </a:defRPr>
+              </a:lvl5pPr>
+              <a:lvl6pPr marL="2286000" algn="l" defTabSz="914400" rtl="0" eaLnBrk="1" latinLnBrk="0" hangingPunct="1">
+                <a:defRPr sz="1800" kern="1200">
+                  <a:solidFill>
+                    <a:schemeClr val="tx1"/>
+                  </a:solidFill>
+                  <a:latin typeface="+mn-lt"/>
+                  <a:ea typeface="+mn-ea"/>
+                  <a:cs typeface="+mn-cs"/>
+                </a:defRPr>
+              </a:lvl6pPr>
+              <a:lvl7pPr marL="2743200" algn="l" defTabSz="914400" rtl="0" eaLnBrk="1" latinLnBrk="0" hangingPunct="1">
+                <a:defRPr sz="1800" kern="1200">
+                  <a:solidFill>
+                    <a:schemeClr val="tx1"/>
+                  </a:solidFill>
+                  <a:latin typeface="+mn-lt"/>
+                  <a:ea typeface="+mn-ea"/>
+                  <a:cs typeface="+mn-cs"/>
+                </a:defRPr>
+              </a:lvl7pPr>
+              <a:lvl8pPr marL="3200400" algn="l" defTabSz="914400" rtl="0" eaLnBrk="1" latinLnBrk="0" hangingPunct="1">
+                <a:defRPr sz="1800" kern="1200">
+                  <a:solidFill>
+                    <a:schemeClr val="tx1"/>
+                  </a:solidFill>
+                  <a:latin typeface="+mn-lt"/>
+                  <a:ea typeface="+mn-ea"/>
+                  <a:cs typeface="+mn-cs"/>
+                </a:defRPr>
+              </a:lvl8pPr>
+              <a:lvl9pPr marL="3657600" algn="l" defTabSz="914400" rtl="0" eaLnBrk="1" latinLnBrk="0" hangingPunct="1">
+                <a:defRPr sz="1800" kern="1200">
+                  <a:solidFill>
+                    <a:schemeClr val="tx1"/>
+                  </a:solidFill>
+                  <a:latin typeface="+mn-lt"/>
+                  <a:ea typeface="+mn-ea"/>
+                  <a:cs typeface="+mn-cs"/>
+                </a:defRPr>
+              </a:lvl9pPr>
+            </a:lstStyle>
+            <a:p>
+              <a:endParaRPr lang="en-US">
+                <a:solidFill>
+                  <a:srgbClr val="5F5F5F"/>
+                </a:solidFill>
+                <a:latin typeface="Segoe UI" panose="020B0502040204020203" pitchFamily="34" charset="0"/>
+                <a:cs typeface="Segoe UI" panose="020B0502040204020203" pitchFamily="34" charset="0"/>
+              </a:endParaRPr>
+            </a:p>
+          </p:txBody>
+        </p:sp>
+        <p:grpSp>
+          <p:nvGrpSpPr>
+            <p:cNvPr id="11" name="Navigation Buttons">
+              <a:extLst>
+                <a:ext uri="{FF2B5EF4-FFF2-40B4-BE49-F238E27FC236}">
+                  <a16:creationId xmlns:a16="http://schemas.microsoft.com/office/drawing/2014/main" id="{9BB8A299-F5E6-4F90-B3D3-424C3CA0ED4A}"/>
+                </a:ext>
+              </a:extLst>
+            </p:cNvPr>
+            <p:cNvGrpSpPr/>
+            <p:nvPr/>
+          </p:nvGrpSpPr>
+          <p:grpSpPr>
+            <a:xfrm>
+              <a:off x="697512" y="1480941"/>
+              <a:ext cx="518673" cy="137046"/>
+              <a:chOff x="697512" y="1480941"/>
+              <a:chExt cx="518673" cy="137046"/>
+            </a:xfrm>
+          </p:grpSpPr>
+          <p:sp>
+            <p:nvSpPr>
+              <p:cNvPr id="12" name="Back Button" descr="&lt;SmartSettings&gt;&lt;SmartResize anchorLeft=&quot;Absolute&quot; anchorTop=&quot;Absolute&quot; anchorRight=&quot;None&quot; anchorBottom=&quot;None&quot; /&gt;&lt;/SmartSettings&gt;">
+                <a:extLst>
+                  <a:ext uri="{FF2B5EF4-FFF2-40B4-BE49-F238E27FC236}">
+                    <a16:creationId xmlns:a16="http://schemas.microsoft.com/office/drawing/2014/main" id="{5EBE7CE5-5D81-4AC9-A703-C6EBF07607AB}"/>
+                  </a:ext>
+                </a:extLst>
+              </p:cNvPr>
+              <p:cNvSpPr>
+                <a:spLocks noChangeAspect="1" noEditPoints="1"/>
+              </p:cNvSpPr>
+              <p:nvPr>
+                <p:custDataLst>
+                  <p:tags r:id="rId8"/>
+                </p:custDataLst>
+              </p:nvPr>
+            </p:nvSpPr>
+            <p:spPr bwMode="auto">
+              <a:xfrm>
+                <a:off x="697512" y="1501687"/>
+                <a:ext cx="123249" cy="95555"/>
+              </a:xfrm>
+              <a:custGeom>
+                <a:avLst/>
+                <a:gdLst>
+                  <a:gd name="T0" fmla="*/ 159 w 423"/>
+                  <a:gd name="T1" fmla="*/ 332 h 332"/>
+                  <a:gd name="T2" fmla="*/ 0 w 423"/>
+                  <a:gd name="T3" fmla="*/ 166 h 332"/>
+                  <a:gd name="T4" fmla="*/ 159 w 423"/>
+                  <a:gd name="T5" fmla="*/ 0 h 332"/>
+                  <a:gd name="T6" fmla="*/ 15 w 423"/>
+                  <a:gd name="T7" fmla="*/ 166 h 332"/>
+                  <a:gd name="T8" fmla="*/ 423 w 423"/>
+                  <a:gd name="T9" fmla="*/ 166 h 332"/>
+                </a:gdLst>
+                <a:ahLst/>
+                <a:cxnLst>
+                  <a:cxn ang="0">
+                    <a:pos x="T0" y="T1"/>
+                  </a:cxn>
+                  <a:cxn ang="0">
+                    <a:pos x="T2" y="T3"/>
+                  </a:cxn>
+                  <a:cxn ang="0">
+                    <a:pos x="T4" y="T5"/>
+                  </a:cxn>
+                  <a:cxn ang="0">
+                    <a:pos x="T6" y="T7"/>
+                  </a:cxn>
+                  <a:cxn ang="0">
+                    <a:pos x="T8" y="T9"/>
+                  </a:cxn>
+                </a:cxnLst>
+                <a:rect l="0" t="0" r="r" b="b"/>
+                <a:pathLst>
+                  <a:path w="423" h="332">
+                    <a:moveTo>
+                      <a:pt x="159" y="332"/>
+                    </a:moveTo>
+                    <a:lnTo>
+                      <a:pt x="0" y="166"/>
+                    </a:lnTo>
+                    <a:lnTo>
+                      <a:pt x="159" y="0"/>
+                    </a:lnTo>
+                    <a:moveTo>
+                      <a:pt x="15" y="166"/>
+                    </a:moveTo>
+                    <a:lnTo>
+                      <a:pt x="423" y="166"/>
+                    </a:lnTo>
+                  </a:path>
+                </a:pathLst>
+              </a:custGeom>
+              <a:noFill/>
+              <a:ln w="6350" cap="sq">
+                <a:solidFill>
+                  <a:srgbClr val="808080"/>
+                </a:solidFill>
+                <a:prstDash val="solid"/>
+                <a:miter lim="800000"/>
+                <a:headEnd/>
+                <a:tailEnd/>
+              </a:ln>
+              <a:extLst>
+                <a:ext uri="{909E8E84-426E-40DD-AFC4-6F175D3DCCD1}">
+                  <a14:hiddenFill xmlns:a14="http://schemas.microsoft.com/office/drawing/2010/main">
+                    <a:solidFill>
+                      <a:srgbClr val="FFFFFF"/>
+                    </a:solidFill>
+                  </a14:hiddenFill>
+                </a:ext>
+              </a:extLst>
+            </p:spPr>
+            <p:txBody>
+              <a:bodyPr vert="horz" wrap="square" lIns="91440" tIns="45720" rIns="91440" bIns="45720" numCol="1" anchor="t" anchorCtr="0" compatLnSpc="1">
+                <a:prstTxWarp prst="textNoShape">
+                  <a:avLst/>
+                </a:prstTxWarp>
+              </a:bodyPr>
+              <a:lstStyle>
+                <a:defPPr>
+                  <a:defRPr lang="en-US"/>
+                </a:defPPr>
+                <a:lvl1pPr marL="0" algn="l" defTabSz="914400" rtl="0" eaLnBrk="1" latinLnBrk="0" hangingPunct="1">
+                  <a:defRPr sz="1800" kern="1200">
+                    <a:solidFill>
+                      <a:schemeClr val="tx1"/>
+                    </a:solidFill>
+                    <a:latin typeface="+mn-lt"/>
+                    <a:ea typeface="+mn-ea"/>
+                    <a:cs typeface="+mn-cs"/>
+                  </a:defRPr>
+                </a:lvl1pPr>
+                <a:lvl2pPr marL="457200" algn="l" defTabSz="914400" rtl="0" eaLnBrk="1" latinLnBrk="0" hangingPunct="1">
+                  <a:defRPr sz="1800" kern="1200">
+                    <a:solidFill>
+                      <a:schemeClr val="tx1"/>
+                    </a:solidFill>
+                    <a:latin typeface="+mn-lt"/>
+                    <a:ea typeface="+mn-ea"/>
+                    <a:cs typeface="+mn-cs"/>
+                  </a:defRPr>
+                </a:lvl2pPr>
+                <a:lvl3pPr marL="914400" algn="l" defTabSz="914400" rtl="0" eaLnBrk="1" latinLnBrk="0" hangingPunct="1">
+                  <a:defRPr sz="1800" kern="1200">
+                    <a:solidFill>
+                      <a:schemeClr val="tx1"/>
+                    </a:solidFill>
+                    <a:latin typeface="+mn-lt"/>
+                    <a:ea typeface="+mn-ea"/>
+                    <a:cs typeface="+mn-cs"/>
+                  </a:defRPr>
+                </a:lvl3pPr>
+                <a:lvl4pPr marL="1371600" algn="l" defTabSz="914400" rtl="0" eaLnBrk="1" latinLnBrk="0" hangingPunct="1">
+                  <a:defRPr sz="1800" kern="1200">
+                    <a:solidFill>
+                      <a:schemeClr val="tx1"/>
+                    </a:solidFill>
+                    <a:latin typeface="+mn-lt"/>
+                    <a:ea typeface="+mn-ea"/>
+                    <a:cs typeface="+mn-cs"/>
+                  </a:defRPr>
+                </a:lvl4pPr>
+                <a:lvl5pPr marL="1828800" algn="l" defTabSz="914400" rtl="0" eaLnBrk="1" latinLnBrk="0" hangingPunct="1">
+                  <a:defRPr sz="1800" kern="1200">
+                    <a:solidFill>
+                      <a:schemeClr val="tx1"/>
+                    </a:solidFill>
+                    <a:latin typeface="+mn-lt"/>
+                    <a:ea typeface="+mn-ea"/>
+                    <a:cs typeface="+mn-cs"/>
+                  </a:defRPr>
+                </a:lvl5pPr>
+                <a:lvl6pPr marL="2286000" algn="l" defTabSz="914400" rtl="0" eaLnBrk="1" latinLnBrk="0" hangingPunct="1">
+                  <a:defRPr sz="1800" kern="1200">
+                    <a:solidFill>
+                      <a:schemeClr val="tx1"/>
+                    </a:solidFill>
+                    <a:latin typeface="+mn-lt"/>
+                    <a:ea typeface="+mn-ea"/>
+                    <a:cs typeface="+mn-cs"/>
+                  </a:defRPr>
+                </a:lvl6pPr>
+                <a:lvl7pPr marL="2743200" algn="l" defTabSz="914400" rtl="0" eaLnBrk="1" latinLnBrk="0" hangingPunct="1">
+                  <a:defRPr sz="1800" kern="1200">
+                    <a:solidFill>
+                      <a:schemeClr val="tx1"/>
+                    </a:solidFill>
+                    <a:latin typeface="+mn-lt"/>
+                    <a:ea typeface="+mn-ea"/>
+                    <a:cs typeface="+mn-cs"/>
+                  </a:defRPr>
+                </a:lvl7pPr>
+                <a:lvl8pPr marL="3200400" algn="l" defTabSz="914400" rtl="0" eaLnBrk="1" latinLnBrk="0" hangingPunct="1">
+                  <a:defRPr sz="1800" kern="1200">
+                    <a:solidFill>
+                      <a:schemeClr val="tx1"/>
+                    </a:solidFill>
+                    <a:latin typeface="+mn-lt"/>
+                    <a:ea typeface="+mn-ea"/>
+                    <a:cs typeface="+mn-cs"/>
+                  </a:defRPr>
+                </a:lvl8pPr>
+                <a:lvl9pPr marL="3657600" algn="l" defTabSz="914400" rtl="0" eaLnBrk="1" latinLnBrk="0" hangingPunct="1">
+                  <a:defRPr sz="1800" kern="1200">
+                    <a:solidFill>
+                      <a:schemeClr val="tx1"/>
+                    </a:solidFill>
+                    <a:latin typeface="+mn-lt"/>
+                    <a:ea typeface="+mn-ea"/>
+                    <a:cs typeface="+mn-cs"/>
+                  </a:defRPr>
+                </a:lvl9pPr>
+              </a:lstStyle>
+              <a:p>
+                <a:endParaRPr lang="en-US">
+                  <a:solidFill>
+                    <a:srgbClr val="5F5F5F"/>
+                  </a:solidFill>
+                  <a:latin typeface="Segoe UI" panose="020B0502040204020203" pitchFamily="34" charset="0"/>
+                  <a:cs typeface="Segoe UI" panose="020B0502040204020203" pitchFamily="34" charset="0"/>
+                </a:endParaRPr>
+              </a:p>
+            </p:txBody>
+          </p:sp>
+          <p:sp>
+            <p:nvSpPr>
+              <p:cNvPr id="13" name="Forward Button" descr="&lt;SmartSettings&gt;&lt;SmartResize anchorLeft=&quot;Absolute&quot; anchorTop=&quot;Absolute&quot; anchorRight=&quot;None&quot; anchorBottom=&quot;None&quot; /&gt;&lt;/SmartSettings&gt;">
+                <a:extLst>
+                  <a:ext uri="{FF2B5EF4-FFF2-40B4-BE49-F238E27FC236}">
+                    <a16:creationId xmlns:a16="http://schemas.microsoft.com/office/drawing/2014/main" id="{EA6C6119-72DC-4F01-8D19-366C4A1B6131}"/>
+                  </a:ext>
+                </a:extLst>
+              </p:cNvPr>
+              <p:cNvSpPr>
+                <a:spLocks noChangeAspect="1" noEditPoints="1"/>
+              </p:cNvSpPr>
+              <p:nvPr>
+                <p:custDataLst>
+                  <p:tags r:id="rId9"/>
+                </p:custDataLst>
+              </p:nvPr>
+            </p:nvSpPr>
+            <p:spPr bwMode="auto">
+              <a:xfrm>
+                <a:off x="892656" y="1501687"/>
+                <a:ext cx="123249" cy="95555"/>
+              </a:xfrm>
+              <a:custGeom>
+                <a:avLst/>
+                <a:gdLst>
+                  <a:gd name="T0" fmla="*/ 265 w 423"/>
+                  <a:gd name="T1" fmla="*/ 0 h 332"/>
+                  <a:gd name="T2" fmla="*/ 423 w 423"/>
+                  <a:gd name="T3" fmla="*/ 166 h 332"/>
+                  <a:gd name="T4" fmla="*/ 265 w 423"/>
+                  <a:gd name="T5" fmla="*/ 332 h 332"/>
+                  <a:gd name="T6" fmla="*/ 408 w 423"/>
+                  <a:gd name="T7" fmla="*/ 166 h 332"/>
+                  <a:gd name="T8" fmla="*/ 0 w 423"/>
+                  <a:gd name="T9" fmla="*/ 166 h 332"/>
+                </a:gdLst>
+                <a:ahLst/>
+                <a:cxnLst>
+                  <a:cxn ang="0">
+                    <a:pos x="T0" y="T1"/>
+                  </a:cxn>
+                  <a:cxn ang="0">
+                    <a:pos x="T2" y="T3"/>
+                  </a:cxn>
+                  <a:cxn ang="0">
+                    <a:pos x="T4" y="T5"/>
+                  </a:cxn>
+                  <a:cxn ang="0">
+                    <a:pos x="T6" y="T7"/>
+                  </a:cxn>
+                  <a:cxn ang="0">
+                    <a:pos x="T8" y="T9"/>
+                  </a:cxn>
+                </a:cxnLst>
+                <a:rect l="0" t="0" r="r" b="b"/>
+                <a:pathLst>
+                  <a:path w="423" h="332">
+                    <a:moveTo>
+                      <a:pt x="265" y="0"/>
+                    </a:moveTo>
+                    <a:lnTo>
+                      <a:pt x="423" y="166"/>
+                    </a:lnTo>
+                    <a:lnTo>
+                      <a:pt x="265" y="332"/>
+                    </a:lnTo>
+                    <a:moveTo>
+                      <a:pt x="408" y="166"/>
+                    </a:moveTo>
+                    <a:lnTo>
+                      <a:pt x="0" y="166"/>
+                    </a:lnTo>
+                  </a:path>
+                </a:pathLst>
+              </a:custGeom>
+              <a:noFill/>
+              <a:ln w="6350" cap="sq">
+                <a:solidFill>
+                  <a:srgbClr val="808080"/>
+                </a:solidFill>
+                <a:prstDash val="solid"/>
+                <a:miter lim="800000"/>
+                <a:headEnd/>
+                <a:tailEnd/>
+              </a:ln>
+              <a:extLst>
+                <a:ext uri="{909E8E84-426E-40DD-AFC4-6F175D3DCCD1}">
+                  <a14:hiddenFill xmlns:a14="http://schemas.microsoft.com/office/drawing/2010/main">
+                    <a:solidFill>
+                      <a:srgbClr val="FFFFFF"/>
+                    </a:solidFill>
+                  </a14:hiddenFill>
+                </a:ext>
+              </a:extLst>
+            </p:spPr>
+            <p:txBody>
+              <a:bodyPr vert="horz" wrap="square" lIns="91440" tIns="45720" rIns="91440" bIns="45720" numCol="1" anchor="t" anchorCtr="0" compatLnSpc="1">
+                <a:prstTxWarp prst="textNoShape">
+                  <a:avLst/>
+                </a:prstTxWarp>
+              </a:bodyPr>
+              <a:lstStyle>
+                <a:defPPr>
+                  <a:defRPr lang="en-US"/>
+                </a:defPPr>
+                <a:lvl1pPr marL="0" algn="l" defTabSz="914400" rtl="0" eaLnBrk="1" latinLnBrk="0" hangingPunct="1">
+                  <a:defRPr sz="1800" kern="1200">
+                    <a:solidFill>
+                      <a:schemeClr val="tx1"/>
+                    </a:solidFill>
+                    <a:latin typeface="+mn-lt"/>
+                    <a:ea typeface="+mn-ea"/>
+                    <a:cs typeface="+mn-cs"/>
+                  </a:defRPr>
+                </a:lvl1pPr>
+                <a:lvl2pPr marL="457200" algn="l" defTabSz="914400" rtl="0" eaLnBrk="1" latinLnBrk="0" hangingPunct="1">
+                  <a:defRPr sz="1800" kern="1200">
+                    <a:solidFill>
+                      <a:schemeClr val="tx1"/>
+                    </a:solidFill>
+                    <a:latin typeface="+mn-lt"/>
+                    <a:ea typeface="+mn-ea"/>
+                    <a:cs typeface="+mn-cs"/>
+                  </a:defRPr>
+                </a:lvl2pPr>
+                <a:lvl3pPr marL="914400" algn="l" defTabSz="914400" rtl="0" eaLnBrk="1" latinLnBrk="0" hangingPunct="1">
+                  <a:defRPr sz="1800" kern="1200">
+                    <a:solidFill>
+                      <a:schemeClr val="tx1"/>
+                    </a:solidFill>
+                    <a:latin typeface="+mn-lt"/>
+                    <a:ea typeface="+mn-ea"/>
+                    <a:cs typeface="+mn-cs"/>
+                  </a:defRPr>
+                </a:lvl3pPr>
+                <a:lvl4pPr marL="1371600" algn="l" defTabSz="914400" rtl="0" eaLnBrk="1" latinLnBrk="0" hangingPunct="1">
+                  <a:defRPr sz="1800" kern="1200">
+                    <a:solidFill>
+                      <a:schemeClr val="tx1"/>
+                    </a:solidFill>
+                    <a:latin typeface="+mn-lt"/>
+                    <a:ea typeface="+mn-ea"/>
+                    <a:cs typeface="+mn-cs"/>
+                  </a:defRPr>
+                </a:lvl4pPr>
+                <a:lvl5pPr marL="1828800" algn="l" defTabSz="914400" rtl="0" eaLnBrk="1" latinLnBrk="0" hangingPunct="1">
+                  <a:defRPr sz="1800" kern="1200">
+                    <a:solidFill>
+                      <a:schemeClr val="tx1"/>
+                    </a:solidFill>
+                    <a:latin typeface="+mn-lt"/>
+                    <a:ea typeface="+mn-ea"/>
+                    <a:cs typeface="+mn-cs"/>
+                  </a:defRPr>
+                </a:lvl5pPr>
+                <a:lvl6pPr marL="2286000" algn="l" defTabSz="914400" rtl="0" eaLnBrk="1" latinLnBrk="0" hangingPunct="1">
+                  <a:defRPr sz="1800" kern="1200">
+                    <a:solidFill>
+                      <a:schemeClr val="tx1"/>
+                    </a:solidFill>
+                    <a:latin typeface="+mn-lt"/>
+                    <a:ea typeface="+mn-ea"/>
+                    <a:cs typeface="+mn-cs"/>
+                  </a:defRPr>
+                </a:lvl6pPr>
+                <a:lvl7pPr marL="2743200" algn="l" defTabSz="914400" rtl="0" eaLnBrk="1" latinLnBrk="0" hangingPunct="1">
+                  <a:defRPr sz="1800" kern="1200">
+                    <a:solidFill>
+                      <a:schemeClr val="tx1"/>
+                    </a:solidFill>
+                    <a:latin typeface="+mn-lt"/>
+                    <a:ea typeface="+mn-ea"/>
+                    <a:cs typeface="+mn-cs"/>
+                  </a:defRPr>
+                </a:lvl7pPr>
+                <a:lvl8pPr marL="3200400" algn="l" defTabSz="914400" rtl="0" eaLnBrk="1" latinLnBrk="0" hangingPunct="1">
+                  <a:defRPr sz="1800" kern="1200">
+                    <a:solidFill>
+                      <a:schemeClr val="tx1"/>
+                    </a:solidFill>
+                    <a:latin typeface="+mn-lt"/>
+                    <a:ea typeface="+mn-ea"/>
+                    <a:cs typeface="+mn-cs"/>
+                  </a:defRPr>
+                </a:lvl8pPr>
+                <a:lvl9pPr marL="3657600" algn="l" defTabSz="914400" rtl="0" eaLnBrk="1" latinLnBrk="0" hangingPunct="1">
+                  <a:defRPr sz="1800" kern="1200">
+                    <a:solidFill>
+                      <a:schemeClr val="tx1"/>
+                    </a:solidFill>
+                    <a:latin typeface="+mn-lt"/>
+                    <a:ea typeface="+mn-ea"/>
+                    <a:cs typeface="+mn-cs"/>
+                  </a:defRPr>
+                </a:lvl9pPr>
+              </a:lstStyle>
+              <a:p>
+                <a:endParaRPr lang="en-US">
+                  <a:solidFill>
+                    <a:srgbClr val="5F5F5F"/>
+                  </a:solidFill>
+                  <a:latin typeface="Segoe UI" panose="020B0502040204020203" pitchFamily="34" charset="0"/>
+                  <a:cs typeface="Segoe UI" panose="020B0502040204020203" pitchFamily="34" charset="0"/>
+                </a:endParaRPr>
+              </a:p>
+            </p:txBody>
+          </p:sp>
+          <p:sp>
+            <p:nvSpPr>
+              <p:cNvPr id="14" name="Reload Button" descr="&lt;SmartSettings&gt;&lt;SmartResize anchorLeft=&quot;Absolute&quot; anchorTop=&quot;Absolute&quot; anchorRight=&quot;None&quot; anchorBottom=&quot;None&quot; /&gt;&lt;/SmartSettings&gt;">
+                <a:extLst>
+                  <a:ext uri="{FF2B5EF4-FFF2-40B4-BE49-F238E27FC236}">
+                    <a16:creationId xmlns:a16="http://schemas.microsoft.com/office/drawing/2014/main" id="{4BDE1EC6-D99A-44AF-84BD-D04A360E5C3C}"/>
+                  </a:ext>
+                </a:extLst>
+              </p:cNvPr>
+              <p:cNvSpPr>
+                <a:spLocks noChangeAspect="1" noEditPoints="1"/>
+              </p:cNvSpPr>
+              <p:nvPr>
+                <p:custDataLst>
+                  <p:tags r:id="rId10"/>
+                </p:custDataLst>
+              </p:nvPr>
+            </p:nvSpPr>
+            <p:spPr bwMode="auto">
+              <a:xfrm>
+                <a:off x="1087801" y="1480941"/>
+                <a:ext cx="128384" cy="137046"/>
+              </a:xfrm>
+              <a:custGeom>
+                <a:avLst/>
+                <a:gdLst>
+                  <a:gd name="T0" fmla="*/ 441 w 441"/>
+                  <a:gd name="T1" fmla="*/ 7 h 474"/>
+                  <a:gd name="T2" fmla="*/ 441 w 441"/>
+                  <a:gd name="T3" fmla="*/ 144 h 474"/>
+                  <a:gd name="T4" fmla="*/ 296 w 441"/>
+                  <a:gd name="T5" fmla="*/ 144 h 474"/>
+                  <a:gd name="T6" fmla="*/ 438 w 441"/>
+                  <a:gd name="T7" fmla="*/ 309 h 474"/>
+                  <a:gd name="T8" fmla="*/ 166 w 441"/>
+                  <a:gd name="T9" fmla="*/ 434 h 474"/>
+                  <a:gd name="T10" fmla="*/ 41 w 441"/>
+                  <a:gd name="T11" fmla="*/ 162 h 474"/>
+                  <a:gd name="T12" fmla="*/ 313 w 441"/>
+                  <a:gd name="T13" fmla="*/ 37 h 474"/>
+                  <a:gd name="T14" fmla="*/ 428 w 441"/>
+                  <a:gd name="T15" fmla="*/ 139 h 474"/>
+                </a:gdLst>
+                <a:ahLst/>
+                <a:cxnLst>
+                  <a:cxn ang="0">
+                    <a:pos x="T0" y="T1"/>
+                  </a:cxn>
+                  <a:cxn ang="0">
+                    <a:pos x="T2" y="T3"/>
+                  </a:cxn>
+                  <a:cxn ang="0">
+                    <a:pos x="T4" y="T5"/>
+                  </a:cxn>
+                  <a:cxn ang="0">
+                    <a:pos x="T6" y="T7"/>
+                  </a:cxn>
+                  <a:cxn ang="0">
+                    <a:pos x="T8" y="T9"/>
+                  </a:cxn>
+                  <a:cxn ang="0">
+                    <a:pos x="T10" y="T11"/>
+                  </a:cxn>
+                  <a:cxn ang="0">
+                    <a:pos x="T12" y="T13"/>
+                  </a:cxn>
+                  <a:cxn ang="0">
+                    <a:pos x="T14" y="T15"/>
+                  </a:cxn>
+                </a:cxnLst>
+                <a:rect l="0" t="0" r="r" b="b"/>
+                <a:pathLst>
+                  <a:path w="441" h="474">
+                    <a:moveTo>
+                      <a:pt x="441" y="7"/>
+                    </a:moveTo>
+                    <a:lnTo>
+                      <a:pt x="441" y="144"/>
+                    </a:lnTo>
+                    <a:lnTo>
+                      <a:pt x="296" y="144"/>
+                    </a:lnTo>
+                    <a:moveTo>
+                      <a:pt x="438" y="309"/>
+                    </a:moveTo>
+                    <a:cubicBezTo>
+                      <a:pt x="397" y="418"/>
+                      <a:pt x="276" y="474"/>
+                      <a:pt x="166" y="434"/>
+                    </a:cubicBezTo>
+                    <a:cubicBezTo>
+                      <a:pt x="56" y="393"/>
+                      <a:pt x="0" y="271"/>
+                      <a:pt x="41" y="162"/>
+                    </a:cubicBezTo>
+                    <a:cubicBezTo>
+                      <a:pt x="82" y="52"/>
+                      <a:pt x="202" y="0"/>
+                      <a:pt x="313" y="37"/>
+                    </a:cubicBezTo>
+                    <a:cubicBezTo>
+                      <a:pt x="357" y="51"/>
+                      <a:pt x="398" y="91"/>
+                      <a:pt x="428" y="139"/>
+                    </a:cubicBezTo>
+                  </a:path>
+                </a:pathLst>
+              </a:custGeom>
+              <a:noFill/>
+              <a:ln w="6350" cap="flat">
+                <a:solidFill>
+                  <a:srgbClr val="808080"/>
+                </a:solidFill>
+                <a:prstDash val="solid"/>
+                <a:miter lim="800000"/>
+                <a:headEnd/>
+                <a:tailEnd/>
+              </a:ln>
+              <a:extLst>
+                <a:ext uri="{909E8E84-426E-40DD-AFC4-6F175D3DCCD1}">
+                  <a14:hiddenFill xmlns:a14="http://schemas.microsoft.com/office/drawing/2010/main">
+                    <a:solidFill>
+                      <a:srgbClr val="FFFFFF"/>
+                    </a:solidFill>
+                  </a14:hiddenFill>
+                </a:ext>
+              </a:extLst>
+            </p:spPr>
+            <p:txBody>
+              <a:bodyPr vert="horz" wrap="square" lIns="91440" tIns="45720" rIns="91440" bIns="45720" numCol="1" anchor="t" anchorCtr="0" compatLnSpc="1">
+                <a:prstTxWarp prst="textNoShape">
+                  <a:avLst/>
+                </a:prstTxWarp>
+              </a:bodyPr>
+              <a:lstStyle>
+                <a:defPPr>
+                  <a:defRPr lang="en-US"/>
+                </a:defPPr>
+                <a:lvl1pPr marL="0" algn="l" defTabSz="914400" rtl="0" eaLnBrk="1" latinLnBrk="0" hangingPunct="1">
+                  <a:defRPr sz="1800" kern="1200">
+                    <a:solidFill>
+                      <a:schemeClr val="tx1"/>
+                    </a:solidFill>
+                    <a:latin typeface="+mn-lt"/>
+                    <a:ea typeface="+mn-ea"/>
+                    <a:cs typeface="+mn-cs"/>
+                  </a:defRPr>
+                </a:lvl1pPr>
+                <a:lvl2pPr marL="457200" algn="l" defTabSz="914400" rtl="0" eaLnBrk="1" latinLnBrk="0" hangingPunct="1">
+                  <a:defRPr sz="1800" kern="1200">
+                    <a:solidFill>
+                      <a:schemeClr val="tx1"/>
+                    </a:solidFill>
+                    <a:latin typeface="+mn-lt"/>
+                    <a:ea typeface="+mn-ea"/>
+                    <a:cs typeface="+mn-cs"/>
+                  </a:defRPr>
+                </a:lvl2pPr>
+                <a:lvl3pPr marL="914400" algn="l" defTabSz="914400" rtl="0" eaLnBrk="1" latinLnBrk="0" hangingPunct="1">
+                  <a:defRPr sz="1800" kern="1200">
+                    <a:solidFill>
+                      <a:schemeClr val="tx1"/>
+                    </a:solidFill>
+                    <a:latin typeface="+mn-lt"/>
+                    <a:ea typeface="+mn-ea"/>
+                    <a:cs typeface="+mn-cs"/>
+                  </a:defRPr>
+                </a:lvl3pPr>
+                <a:lvl4pPr marL="1371600" algn="l" defTabSz="914400" rtl="0" eaLnBrk="1" latinLnBrk="0" hangingPunct="1">
+                  <a:defRPr sz="1800" kern="1200">
+                    <a:solidFill>
+                      <a:schemeClr val="tx1"/>
+                    </a:solidFill>
+                    <a:latin typeface="+mn-lt"/>
+                    <a:ea typeface="+mn-ea"/>
+                    <a:cs typeface="+mn-cs"/>
+                  </a:defRPr>
+                </a:lvl4pPr>
+                <a:lvl5pPr marL="1828800" algn="l" defTabSz="914400" rtl="0" eaLnBrk="1" latinLnBrk="0" hangingPunct="1">
+                  <a:defRPr sz="1800" kern="1200">
+                    <a:solidFill>
+                      <a:schemeClr val="tx1"/>
+                    </a:solidFill>
+                    <a:latin typeface="+mn-lt"/>
+                    <a:ea typeface="+mn-ea"/>
+                    <a:cs typeface="+mn-cs"/>
+                  </a:defRPr>
+                </a:lvl5pPr>
+                <a:lvl6pPr marL="2286000" algn="l" defTabSz="914400" rtl="0" eaLnBrk="1" latinLnBrk="0" hangingPunct="1">
+                  <a:defRPr sz="1800" kern="1200">
+                    <a:solidFill>
+                      <a:schemeClr val="tx1"/>
+                    </a:solidFill>
+                    <a:latin typeface="+mn-lt"/>
+                    <a:ea typeface="+mn-ea"/>
+                    <a:cs typeface="+mn-cs"/>
+                  </a:defRPr>
+                </a:lvl6pPr>
+                <a:lvl7pPr marL="2743200" algn="l" defTabSz="914400" rtl="0" eaLnBrk="1" latinLnBrk="0" hangingPunct="1">
+                  <a:defRPr sz="1800" kern="1200">
+                    <a:solidFill>
+                      <a:schemeClr val="tx1"/>
+                    </a:solidFill>
+                    <a:latin typeface="+mn-lt"/>
+                    <a:ea typeface="+mn-ea"/>
+                    <a:cs typeface="+mn-cs"/>
+                  </a:defRPr>
+                </a:lvl7pPr>
+                <a:lvl8pPr marL="3200400" algn="l" defTabSz="914400" rtl="0" eaLnBrk="1" latinLnBrk="0" hangingPunct="1">
+                  <a:defRPr sz="1800" kern="1200">
+                    <a:solidFill>
+                      <a:schemeClr val="tx1"/>
+                    </a:solidFill>
+                    <a:latin typeface="+mn-lt"/>
+                    <a:ea typeface="+mn-ea"/>
+                    <a:cs typeface="+mn-cs"/>
+                  </a:defRPr>
+                </a:lvl8pPr>
+                <a:lvl9pPr marL="3657600" algn="l" defTabSz="914400" rtl="0" eaLnBrk="1" latinLnBrk="0" hangingPunct="1">
+                  <a:defRPr sz="1800" kern="1200">
+                    <a:solidFill>
+                      <a:schemeClr val="tx1"/>
+                    </a:solidFill>
+                    <a:latin typeface="+mn-lt"/>
+                    <a:ea typeface="+mn-ea"/>
+                    <a:cs typeface="+mn-cs"/>
+                  </a:defRPr>
+                </a:lvl9pPr>
+              </a:lstStyle>
+              <a:p>
+                <a:endParaRPr lang="en-US">
+                  <a:solidFill>
+                    <a:srgbClr val="5F5F5F"/>
+                  </a:solidFill>
+                  <a:latin typeface="Segoe UI" panose="020B0502040204020203" pitchFamily="34" charset="0"/>
+                  <a:cs typeface="Segoe UI" panose="020B0502040204020203" pitchFamily="34" charset="0"/>
+                </a:endParaRPr>
+              </a:p>
+            </p:txBody>
+          </p:sp>
+        </p:grpSp>
+      </p:grpSp>
+      <p:sp>
+        <p:nvSpPr>
+          <p:cNvPr id="15" name="Rectangle 14">
+            <a:extLst>
+              <a:ext uri="{FF2B5EF4-FFF2-40B4-BE49-F238E27FC236}">
+                <a16:creationId xmlns:a16="http://schemas.microsoft.com/office/drawing/2014/main" id="{C21EB486-68B0-4000-A01C-481D28C17C15}"/>
+              </a:ext>
+            </a:extLst>
+          </p:cNvPr>
+          <p:cNvSpPr/>
+          <p:nvPr/>
+        </p:nvSpPr>
+        <p:spPr>
+          <a:xfrm>
+            <a:off x="1627464" y="1233182"/>
+            <a:ext cx="8212822" cy="4974671"/>
+          </a:xfrm>
+          <a:prstGeom prst="rect">
+            <a:avLst/>
+          </a:prstGeom>
+          <a:solidFill>
+            <a:schemeClr val="accent1">
+              <a:lumMod val="50000"/>
+            </a:schemeClr>
+          </a:solidFill>
+        </p:spPr>
+        <p:style>
+          <a:lnRef idx="2">
+            <a:schemeClr val="accent1">
+              <a:shade val="50000"/>
+            </a:schemeClr>
+          </a:lnRef>
+          <a:fillRef idx="1">
+            <a:schemeClr val="accent1"/>
+          </a:fillRef>
+          <a:effectRef idx="0">
+            <a:schemeClr val="accent1"/>
+          </a:effectRef>
+          <a:fontRef idx="minor">
+            <a:schemeClr val="lt1"/>
+          </a:fontRef>
+        </p:style>
+        <p:txBody>
+          <a:bodyPr rtlCol="0" anchor="ctr"/>
+          <a:lstStyle/>
+          <a:p>
+            <a:pPr algn="ctr"/>
+            <a:endParaRPr lang="fr-FR"/>
+          </a:p>
+        </p:txBody>
+      </p:sp>
+      <p:sp>
+        <p:nvSpPr>
+          <p:cNvPr id="16" name="Rectangle 15">
+            <a:extLst>
+              <a:ext uri="{FF2B5EF4-FFF2-40B4-BE49-F238E27FC236}">
+                <a16:creationId xmlns:a16="http://schemas.microsoft.com/office/drawing/2014/main" id="{64BC9A61-A8A6-4F61-93C8-24E3D5E174BD}"/>
+              </a:ext>
+            </a:extLst>
+          </p:cNvPr>
+          <p:cNvSpPr/>
+          <p:nvPr/>
+        </p:nvSpPr>
+        <p:spPr>
+          <a:xfrm>
+            <a:off x="4451512" y="2248249"/>
+            <a:ext cx="2558642" cy="3145872"/>
+          </a:xfrm>
+          <a:prstGeom prst="rect">
+            <a:avLst/>
+          </a:prstGeom>
+          <a:solidFill>
+            <a:schemeClr val="bg1"/>
+          </a:solidFill>
+        </p:spPr>
+        <p:style>
+          <a:lnRef idx="2">
+            <a:schemeClr val="accent1">
+              <a:shade val="50000"/>
+            </a:schemeClr>
+          </a:lnRef>
+          <a:fillRef idx="1">
+            <a:schemeClr val="accent1"/>
+          </a:fillRef>
+          <a:effectRef idx="0">
+            <a:schemeClr val="accent1"/>
+          </a:effectRef>
+          <a:fontRef idx="minor">
+            <a:schemeClr val="lt1"/>
+          </a:fontRef>
+        </p:style>
+        <p:txBody>
+          <a:bodyPr rtlCol="0" anchor="ctr"/>
+          <a:lstStyle/>
+          <a:p>
+            <a:pPr algn="ctr"/>
+            <a:r>
+              <a:rPr lang="fr-FR" dirty="0">
+                <a:solidFill>
+                  <a:schemeClr val="tx1"/>
+                </a:solidFill>
+              </a:rPr>
+              <a:t>Administration</a:t>
+            </a:r>
+          </a:p>
+          <a:p>
+            <a:pPr algn="ctr"/>
+            <a:endParaRPr lang="fr-FR" dirty="0">
+              <a:solidFill>
+                <a:schemeClr val="tx1"/>
+              </a:solidFill>
+            </a:endParaRPr>
+          </a:p>
+          <a:p>
+            <a:r>
+              <a:rPr lang="fr-FR" sz="1400" dirty="0">
+                <a:solidFill>
+                  <a:schemeClr val="tx1"/>
+                </a:solidFill>
+              </a:rPr>
+              <a:t>Email:</a:t>
+            </a:r>
+          </a:p>
+          <a:p>
+            <a:pPr algn="ctr"/>
+            <a:endParaRPr lang="fr-FR" dirty="0">
+              <a:solidFill>
+                <a:schemeClr val="tx1"/>
+              </a:solidFill>
+            </a:endParaRPr>
+          </a:p>
+          <a:p>
+            <a:pPr algn="ctr"/>
+            <a:endParaRPr lang="fr-FR" dirty="0">
+              <a:solidFill>
+                <a:schemeClr val="tx1"/>
+              </a:solidFill>
+            </a:endParaRPr>
+          </a:p>
+          <a:p>
+            <a:r>
+              <a:rPr lang="fr-FR" sz="1400" dirty="0">
+                <a:solidFill>
+                  <a:schemeClr val="tx1"/>
+                </a:solidFill>
+              </a:rPr>
+              <a:t>Mot de passe:</a:t>
+            </a:r>
+          </a:p>
+          <a:p>
+            <a:pPr algn="ctr"/>
+            <a:endParaRPr lang="fr-FR" sz="1400" dirty="0">
+              <a:solidFill>
+                <a:schemeClr val="tx1"/>
+              </a:solidFill>
+            </a:endParaRPr>
+          </a:p>
+          <a:p>
+            <a:pPr algn="ctr"/>
+            <a:endParaRPr lang="fr-FR" dirty="0">
+              <a:solidFill>
+                <a:schemeClr val="tx1"/>
+              </a:solidFill>
+            </a:endParaRPr>
+          </a:p>
+        </p:txBody>
+      </p:sp>
+      <p:sp>
+        <p:nvSpPr>
+          <p:cNvPr id="17" name="Rectangle 16">
+            <a:extLst>
+              <a:ext uri="{FF2B5EF4-FFF2-40B4-BE49-F238E27FC236}">
+                <a16:creationId xmlns:a16="http://schemas.microsoft.com/office/drawing/2014/main" id="{CB66EF4F-86F4-4297-9004-205BF49A4304}"/>
+              </a:ext>
+            </a:extLst>
+          </p:cNvPr>
+          <p:cNvSpPr/>
+          <p:nvPr/>
+        </p:nvSpPr>
+        <p:spPr>
+          <a:xfrm>
+            <a:off x="4586565" y="3595639"/>
+            <a:ext cx="1904301" cy="343949"/>
+          </a:xfrm>
+          <a:prstGeom prst="rect">
+            <a:avLst/>
+          </a:prstGeom>
+          <a:noFill/>
+        </p:spPr>
+        <p:style>
+          <a:lnRef idx="2">
+            <a:schemeClr val="accent1">
+              <a:shade val="50000"/>
+            </a:schemeClr>
+          </a:lnRef>
+          <a:fillRef idx="1">
+            <a:schemeClr val="accent1"/>
+          </a:fillRef>
+          <a:effectRef idx="0">
+            <a:schemeClr val="accent1"/>
+          </a:effectRef>
+          <a:fontRef idx="minor">
+            <a:schemeClr val="lt1"/>
+          </a:fontRef>
+        </p:style>
+        <p:txBody>
+          <a:bodyPr rtlCol="0" anchor="ctr"/>
+          <a:lstStyle/>
+          <a:p>
+            <a:pPr algn="ctr"/>
+            <a:endParaRPr lang="fr-FR">
+              <a:noFill/>
+            </a:endParaRPr>
+          </a:p>
+        </p:txBody>
+      </p:sp>
+      <p:sp>
+        <p:nvSpPr>
+          <p:cNvPr id="19" name="Rectangle 18">
+            <a:extLst>
+              <a:ext uri="{FF2B5EF4-FFF2-40B4-BE49-F238E27FC236}">
+                <a16:creationId xmlns:a16="http://schemas.microsoft.com/office/drawing/2014/main" id="{3E63F0AE-6D35-4E7D-B669-405CCAFB58DF}"/>
+              </a:ext>
+            </a:extLst>
+          </p:cNvPr>
+          <p:cNvSpPr/>
+          <p:nvPr/>
+        </p:nvSpPr>
+        <p:spPr>
+          <a:xfrm>
+            <a:off x="4586564" y="4376400"/>
+            <a:ext cx="1904301" cy="343949"/>
+          </a:xfrm>
+          <a:prstGeom prst="rect">
+            <a:avLst/>
+          </a:prstGeom>
+          <a:noFill/>
+        </p:spPr>
+        <p:style>
+          <a:lnRef idx="2">
+            <a:schemeClr val="accent1">
+              <a:shade val="50000"/>
+            </a:schemeClr>
+          </a:lnRef>
+          <a:fillRef idx="1">
+            <a:schemeClr val="accent1"/>
+          </a:fillRef>
+          <a:effectRef idx="0">
+            <a:schemeClr val="accent1"/>
+          </a:effectRef>
+          <a:fontRef idx="minor">
+            <a:schemeClr val="lt1"/>
+          </a:fontRef>
+        </p:style>
+        <p:txBody>
+          <a:bodyPr rtlCol="0" anchor="ctr"/>
+          <a:lstStyle/>
+          <a:p>
+            <a:pPr algn="ctr"/>
+            <a:endParaRPr lang="fr-FR">
+              <a:noFill/>
+            </a:endParaRPr>
+          </a:p>
+        </p:txBody>
+      </p:sp>
+      <p:sp>
+        <p:nvSpPr>
+          <p:cNvPr id="20" name="Rectangle : coins arrondis 19">
+            <a:extLst>
+              <a:ext uri="{FF2B5EF4-FFF2-40B4-BE49-F238E27FC236}">
+                <a16:creationId xmlns:a16="http://schemas.microsoft.com/office/drawing/2014/main" id="{36B5740A-C43C-45EE-BCC5-274EE8596E8A}"/>
+              </a:ext>
+            </a:extLst>
+          </p:cNvPr>
+          <p:cNvSpPr/>
+          <p:nvPr/>
+        </p:nvSpPr>
+        <p:spPr>
+          <a:xfrm>
+            <a:off x="4586565" y="4987842"/>
+            <a:ext cx="1344451" cy="343949"/>
+          </a:xfrm>
+          <a:prstGeom prst="roundRect">
+            <a:avLst/>
+          </a:prstGeom>
+        </p:spPr>
+        <p:style>
+          <a:lnRef idx="2">
+            <a:schemeClr val="accent1">
+              <a:shade val="50000"/>
+            </a:schemeClr>
+          </a:lnRef>
+          <a:fillRef idx="1">
+            <a:schemeClr val="accent1"/>
+          </a:fillRef>
+          <a:effectRef idx="0">
+            <a:schemeClr val="accent1"/>
+          </a:effectRef>
+          <a:fontRef idx="minor">
+            <a:schemeClr val="lt1"/>
+          </a:fontRef>
+        </p:style>
+        <p:txBody>
+          <a:bodyPr rtlCol="0" anchor="ctr"/>
+          <a:lstStyle/>
+          <a:p>
+            <a:pPr algn="ctr"/>
+            <a:r>
+              <a:rPr lang="fr-FR" dirty="0"/>
+              <a:t>Connexion</a:t>
+            </a:r>
+          </a:p>
+        </p:txBody>
+      </p:sp>
+    </p:spTree>
+    <p:extLst>
+      <p:ext uri="{BB962C8B-B14F-4D97-AF65-F5344CB8AC3E}">
+        <p14:creationId xmlns:p14="http://schemas.microsoft.com/office/powerpoint/2010/main" val="2375507733"/>
+      </p:ext>
+    </p:extLst>
+  </p:cSld>
+  <p:clrMapOvr>
+    <a:masterClrMapping/>
+  </p:clrMapOvr>
+</p:sld>
+</file>
+
+<file path=ppt/slides/slide24.xml><?xml version="1.0" encoding="utf-8"?>
+<p:sld xmlns:a="http://schemas.openxmlformats.org/drawingml/2006/main" xmlns:r="http://schemas.openxmlformats.org/officeDocument/2006/relationships" xmlns:p="http://schemas.openxmlformats.org/presentationml/2006/main">
+  <p:cSld>
+    <p:spTree>
+      <p:nvGrpSpPr>
+        <p:cNvPr id="1" name=""/>
+        <p:cNvGrpSpPr/>
+        <p:nvPr/>
+      </p:nvGrpSpPr>
+      <p:grpSpPr>
+        <a:xfrm>
+          <a:off x="0" y="0"/>
+          <a:ext cx="0" cy="0"/>
+          <a:chOff x="0" y="0"/>
+          <a:chExt cx="0" cy="0"/>
+        </a:xfrm>
+      </p:grpSpPr>
+      <p:grpSp>
+        <p:nvGrpSpPr>
+          <p:cNvPr id="16" name="Browser" descr="&lt;SmartSettings&gt;&lt;SmartResize enabled=&quot;True&quot; minWidth=&quot;140&quot; minHeight=&quot;50&quot; /&gt;&lt;/SmartSettings&gt;">
+            <a:extLst>
+              <a:ext uri="{FF2B5EF4-FFF2-40B4-BE49-F238E27FC236}">
+                <a16:creationId xmlns:a16="http://schemas.microsoft.com/office/drawing/2014/main" id="{95AEB290-DCD0-4DB3-A11E-4CEF11D0154A}"/>
+              </a:ext>
+            </a:extLst>
+          </p:cNvPr>
+          <p:cNvGrpSpPr/>
+          <p:nvPr>
+            <p:custDataLst>
+              <p:tags r:id="rId1"/>
+            </p:custDataLst>
+          </p:nvPr>
+        </p:nvGrpSpPr>
+        <p:grpSpPr>
+          <a:xfrm>
+            <a:off x="1607984" y="694128"/>
+            <a:ext cx="8245698" cy="5495622"/>
+            <a:chOff x="595683" y="1261242"/>
+            <a:chExt cx="6668462" cy="4352544"/>
+          </a:xfrm>
+        </p:grpSpPr>
+        <p:sp>
+          <p:nvSpPr>
+            <p:cNvPr id="17" name="Window Body" descr="&lt;SmartSettings&gt;&lt;SmartResize anchorLeft=&quot;Absolute&quot; anchorTop=&quot;Absolute&quot; anchorRight=&quot;Absolute&quot; anchorBottom=&quot;Absolute&quot; /&gt;&lt;/SmartSettings&gt;">
+              <a:extLst>
+                <a:ext uri="{FF2B5EF4-FFF2-40B4-BE49-F238E27FC236}">
+                  <a16:creationId xmlns:a16="http://schemas.microsoft.com/office/drawing/2014/main" id="{9E4D755F-2A05-4B72-B9B2-9B95AE8A3E63}"/>
+                </a:ext>
+              </a:extLst>
+            </p:cNvPr>
+            <p:cNvSpPr/>
+            <p:nvPr>
+              <p:custDataLst>
+                <p:tags r:id="rId2"/>
+              </p:custDataLst>
+            </p:nvPr>
+          </p:nvSpPr>
+          <p:spPr>
+            <a:xfrm>
+              <a:off x="595683" y="1684951"/>
+              <a:ext cx="6668462" cy="3928835"/>
+            </a:xfrm>
+            <a:prstGeom prst="rect">
+              <a:avLst/>
+            </a:prstGeom>
+            <a:solidFill>
+              <a:srgbClr val="FFFFFF"/>
+            </a:solidFill>
+            <a:ln w="6350">
+              <a:solidFill>
+                <a:srgbClr val="808080"/>
+              </a:solidFill>
+            </a:ln>
+          </p:spPr>
+          <p:style>
+            <a:lnRef idx="2">
+              <a:schemeClr val="accent1">
+                <a:shade val="50000"/>
+              </a:schemeClr>
+            </a:lnRef>
+            <a:fillRef idx="1">
+              <a:schemeClr val="accent1"/>
+            </a:fillRef>
+            <a:effectRef idx="0">
+              <a:schemeClr val="accent1"/>
+            </a:effectRef>
+            <a:fontRef idx="minor">
+              <a:schemeClr val="lt1"/>
+            </a:fontRef>
+          </p:style>
+          <p:txBody>
+            <a:bodyPr rot="0" spcFirstLastPara="0" vert="horz" wrap="square" lIns="91440" tIns="45720" rIns="91440" bIns="45720" numCol="1" spcCol="0" rtlCol="0" fromWordArt="0" anchor="ctr" anchorCtr="0" forceAA="0" compatLnSpc="1">
+              <a:prstTxWarp prst="textNoShape">
+                <a:avLst/>
+              </a:prstTxWarp>
+              <a:noAutofit/>
+            </a:bodyPr>
+            <a:lstStyle>
+              <a:defPPr>
+                <a:defRPr lang="en-US"/>
+              </a:defPPr>
+              <a:lvl1pPr marL="0" algn="l" defTabSz="914400" rtl="0" eaLnBrk="1" latinLnBrk="0" hangingPunct="1">
+                <a:defRPr sz="1800" kern="1200">
+                  <a:solidFill>
+                    <a:schemeClr val="lt1"/>
+                  </a:solidFill>
+                  <a:latin typeface="+mn-lt"/>
+                  <a:ea typeface="+mn-ea"/>
+                  <a:cs typeface="+mn-cs"/>
+                </a:defRPr>
+              </a:lvl1pPr>
+              <a:lvl2pPr marL="457200" algn="l" defTabSz="914400" rtl="0" eaLnBrk="1" latinLnBrk="0" hangingPunct="1">
+                <a:defRPr sz="1800" kern="1200">
+                  <a:solidFill>
+                    <a:schemeClr val="lt1"/>
+                  </a:solidFill>
+                  <a:latin typeface="+mn-lt"/>
+                  <a:ea typeface="+mn-ea"/>
+                  <a:cs typeface="+mn-cs"/>
+                </a:defRPr>
+              </a:lvl2pPr>
+              <a:lvl3pPr marL="914400" algn="l" defTabSz="914400" rtl="0" eaLnBrk="1" latinLnBrk="0" hangingPunct="1">
+                <a:defRPr sz="1800" kern="1200">
+                  <a:solidFill>
+                    <a:schemeClr val="lt1"/>
+                  </a:solidFill>
+                  <a:latin typeface="+mn-lt"/>
+                  <a:ea typeface="+mn-ea"/>
+                  <a:cs typeface="+mn-cs"/>
+                </a:defRPr>
+              </a:lvl3pPr>
+              <a:lvl4pPr marL="1371600" algn="l" defTabSz="914400" rtl="0" eaLnBrk="1" latinLnBrk="0" hangingPunct="1">
+                <a:defRPr sz="1800" kern="1200">
+                  <a:solidFill>
+                    <a:schemeClr val="lt1"/>
+                  </a:solidFill>
+                  <a:latin typeface="+mn-lt"/>
+                  <a:ea typeface="+mn-ea"/>
+                  <a:cs typeface="+mn-cs"/>
+                </a:defRPr>
+              </a:lvl4pPr>
+              <a:lvl5pPr marL="1828800" algn="l" defTabSz="914400" rtl="0" eaLnBrk="1" latinLnBrk="0" hangingPunct="1">
+                <a:defRPr sz="1800" kern="1200">
+                  <a:solidFill>
+                    <a:schemeClr val="lt1"/>
+                  </a:solidFill>
+                  <a:latin typeface="+mn-lt"/>
+                  <a:ea typeface="+mn-ea"/>
+                  <a:cs typeface="+mn-cs"/>
+                </a:defRPr>
+              </a:lvl5pPr>
+              <a:lvl6pPr marL="2286000" algn="l" defTabSz="914400" rtl="0" eaLnBrk="1" latinLnBrk="0" hangingPunct="1">
+                <a:defRPr sz="1800" kern="1200">
+                  <a:solidFill>
+                    <a:schemeClr val="lt1"/>
+                  </a:solidFill>
+                  <a:latin typeface="+mn-lt"/>
+                  <a:ea typeface="+mn-ea"/>
+                  <a:cs typeface="+mn-cs"/>
+                </a:defRPr>
+              </a:lvl6pPr>
+              <a:lvl7pPr marL="2743200" algn="l" defTabSz="914400" rtl="0" eaLnBrk="1" latinLnBrk="0" hangingPunct="1">
+                <a:defRPr sz="1800" kern="1200">
+                  <a:solidFill>
+                    <a:schemeClr val="lt1"/>
+                  </a:solidFill>
+                  <a:latin typeface="+mn-lt"/>
+                  <a:ea typeface="+mn-ea"/>
+                  <a:cs typeface="+mn-cs"/>
+                </a:defRPr>
+              </a:lvl7pPr>
+              <a:lvl8pPr marL="3200400" algn="l" defTabSz="914400" rtl="0" eaLnBrk="1" latinLnBrk="0" hangingPunct="1">
+                <a:defRPr sz="1800" kern="1200">
+                  <a:solidFill>
+                    <a:schemeClr val="lt1"/>
+                  </a:solidFill>
+                  <a:latin typeface="+mn-lt"/>
+                  <a:ea typeface="+mn-ea"/>
+                  <a:cs typeface="+mn-cs"/>
+                </a:defRPr>
+              </a:lvl8pPr>
+              <a:lvl9pPr marL="3657600" algn="l" defTabSz="914400" rtl="0" eaLnBrk="1" latinLnBrk="0" hangingPunct="1">
+                <a:defRPr sz="1800" kern="1200">
+                  <a:solidFill>
+                    <a:schemeClr val="lt1"/>
+                  </a:solidFill>
+                  <a:latin typeface="+mn-lt"/>
+                  <a:ea typeface="+mn-ea"/>
+                  <a:cs typeface="+mn-cs"/>
+                </a:defRPr>
+              </a:lvl9pPr>
+            </a:lstStyle>
+            <a:p>
+              <a:pPr algn="ctr"/>
+              <a:endParaRPr lang="en-US" sz="900" dirty="0">
+                <a:solidFill>
+                  <a:srgbClr val="5F5F5F"/>
+                </a:solidFill>
+                <a:latin typeface="Segoe UI" panose="020B0502040204020203" pitchFamily="34" charset="0"/>
+                <a:cs typeface="Segoe UI" panose="020B0502040204020203" pitchFamily="34" charset="0"/>
+              </a:endParaRPr>
+            </a:p>
+          </p:txBody>
+        </p:sp>
+        <p:sp>
+          <p:nvSpPr>
+            <p:cNvPr id="18" name="Title Bar" descr="&lt;SmartSettings&gt;&lt;SmartResize anchorLeft=&quot;Absolute&quot; anchorTop=&quot;Absolute&quot; anchorRight=&quot;Absolute&quot; anchorBottom=&quot;None&quot; /&gt;&lt;/SmartSettings&gt;">
+              <a:extLst>
+                <a:ext uri="{FF2B5EF4-FFF2-40B4-BE49-F238E27FC236}">
+                  <a16:creationId xmlns:a16="http://schemas.microsoft.com/office/drawing/2014/main" id="{883131B2-9A3C-4591-A811-AAB0FAFB4B4E}"/>
+                </a:ext>
+              </a:extLst>
+            </p:cNvPr>
+            <p:cNvSpPr/>
+            <p:nvPr>
+              <p:custDataLst>
+                <p:tags r:id="rId3"/>
+              </p:custDataLst>
+            </p:nvPr>
+          </p:nvSpPr>
+          <p:spPr>
+            <a:xfrm>
+              <a:off x="595683" y="1261242"/>
+              <a:ext cx="6668462" cy="425367"/>
+            </a:xfrm>
+            <a:prstGeom prst="rect">
+              <a:avLst/>
+            </a:prstGeom>
+            <a:solidFill>
+              <a:srgbClr val="FFFFFF"/>
+            </a:solidFill>
+            <a:ln w="6350">
+              <a:solidFill>
+                <a:srgbClr val="808080"/>
+              </a:solidFill>
+            </a:ln>
+          </p:spPr>
+          <p:style>
+            <a:lnRef idx="2">
+              <a:schemeClr val="accent1">
+                <a:shade val="50000"/>
+              </a:schemeClr>
+            </a:lnRef>
+            <a:fillRef idx="1">
+              <a:schemeClr val="accent1"/>
+            </a:fillRef>
+            <a:effectRef idx="0">
+              <a:schemeClr val="accent1"/>
+            </a:effectRef>
+            <a:fontRef idx="minor">
+              <a:schemeClr val="lt1"/>
+            </a:fontRef>
+          </p:style>
+          <p:txBody>
+            <a:bodyPr rot="0" spcFirstLastPara="0" vert="horz" wrap="square" lIns="91440" tIns="45720" rIns="228600" bIns="45720" numCol="1" spcCol="0" rtlCol="0" fromWordArt="0" anchor="t" anchorCtr="0" forceAA="0" compatLnSpc="1">
+              <a:prstTxWarp prst="textNoShape">
+                <a:avLst/>
+              </a:prstTxWarp>
+              <a:noAutofit/>
+            </a:bodyPr>
+            <a:lstStyle>
+              <a:defPPr>
+                <a:defRPr lang="en-US"/>
+              </a:defPPr>
+              <a:lvl1pPr marL="0" algn="l" defTabSz="914400" rtl="0" eaLnBrk="1" latinLnBrk="0" hangingPunct="1">
+                <a:defRPr sz="1800" kern="1200">
+                  <a:solidFill>
+                    <a:schemeClr val="lt1"/>
+                  </a:solidFill>
+                  <a:latin typeface="+mn-lt"/>
+                  <a:ea typeface="+mn-ea"/>
+                  <a:cs typeface="+mn-cs"/>
+                </a:defRPr>
+              </a:lvl1pPr>
+              <a:lvl2pPr marL="457200" algn="l" defTabSz="914400" rtl="0" eaLnBrk="1" latinLnBrk="0" hangingPunct="1">
+                <a:defRPr sz="1800" kern="1200">
+                  <a:solidFill>
+                    <a:schemeClr val="lt1"/>
+                  </a:solidFill>
+                  <a:latin typeface="+mn-lt"/>
+                  <a:ea typeface="+mn-ea"/>
+                  <a:cs typeface="+mn-cs"/>
+                </a:defRPr>
+              </a:lvl2pPr>
+              <a:lvl3pPr marL="914400" algn="l" defTabSz="914400" rtl="0" eaLnBrk="1" latinLnBrk="0" hangingPunct="1">
+                <a:defRPr sz="1800" kern="1200">
+                  <a:solidFill>
+                    <a:schemeClr val="lt1"/>
+                  </a:solidFill>
+                  <a:latin typeface="+mn-lt"/>
+                  <a:ea typeface="+mn-ea"/>
+                  <a:cs typeface="+mn-cs"/>
+                </a:defRPr>
+              </a:lvl3pPr>
+              <a:lvl4pPr marL="1371600" algn="l" defTabSz="914400" rtl="0" eaLnBrk="1" latinLnBrk="0" hangingPunct="1">
+                <a:defRPr sz="1800" kern="1200">
+                  <a:solidFill>
+                    <a:schemeClr val="lt1"/>
+                  </a:solidFill>
+                  <a:latin typeface="+mn-lt"/>
+                  <a:ea typeface="+mn-ea"/>
+                  <a:cs typeface="+mn-cs"/>
+                </a:defRPr>
+              </a:lvl4pPr>
+              <a:lvl5pPr marL="1828800" algn="l" defTabSz="914400" rtl="0" eaLnBrk="1" latinLnBrk="0" hangingPunct="1">
+                <a:defRPr sz="1800" kern="1200">
+                  <a:solidFill>
+                    <a:schemeClr val="lt1"/>
+                  </a:solidFill>
+                  <a:latin typeface="+mn-lt"/>
+                  <a:ea typeface="+mn-ea"/>
+                  <a:cs typeface="+mn-cs"/>
+                </a:defRPr>
+              </a:lvl5pPr>
+              <a:lvl6pPr marL="2286000" algn="l" defTabSz="914400" rtl="0" eaLnBrk="1" latinLnBrk="0" hangingPunct="1">
+                <a:defRPr sz="1800" kern="1200">
+                  <a:solidFill>
+                    <a:schemeClr val="lt1"/>
+                  </a:solidFill>
+                  <a:latin typeface="+mn-lt"/>
+                  <a:ea typeface="+mn-ea"/>
+                  <a:cs typeface="+mn-cs"/>
+                </a:defRPr>
+              </a:lvl6pPr>
+              <a:lvl7pPr marL="2743200" algn="l" defTabSz="914400" rtl="0" eaLnBrk="1" latinLnBrk="0" hangingPunct="1">
+                <a:defRPr sz="1800" kern="1200">
+                  <a:solidFill>
+                    <a:schemeClr val="lt1"/>
+                  </a:solidFill>
+                  <a:latin typeface="+mn-lt"/>
+                  <a:ea typeface="+mn-ea"/>
+                  <a:cs typeface="+mn-cs"/>
+                </a:defRPr>
+              </a:lvl7pPr>
+              <a:lvl8pPr marL="3200400" algn="l" defTabSz="914400" rtl="0" eaLnBrk="1" latinLnBrk="0" hangingPunct="1">
+                <a:defRPr sz="1800" kern="1200">
+                  <a:solidFill>
+                    <a:schemeClr val="lt1"/>
+                  </a:solidFill>
+                  <a:latin typeface="+mn-lt"/>
+                  <a:ea typeface="+mn-ea"/>
+                  <a:cs typeface="+mn-cs"/>
+                </a:defRPr>
+              </a:lvl8pPr>
+              <a:lvl9pPr marL="3657600" algn="l" defTabSz="914400" rtl="0" eaLnBrk="1" latinLnBrk="0" hangingPunct="1">
+                <a:defRPr sz="1800" kern="1200">
+                  <a:solidFill>
+                    <a:schemeClr val="lt1"/>
+                  </a:solidFill>
+                  <a:latin typeface="+mn-lt"/>
+                  <a:ea typeface="+mn-ea"/>
+                  <a:cs typeface="+mn-cs"/>
+                </a:defRPr>
+              </a:lvl9pPr>
+            </a:lstStyle>
+            <a:p>
+              <a:r>
+                <a:rPr lang="en-US" sz="900" dirty="0">
+                  <a:solidFill>
+                    <a:srgbClr val="5F5F5F"/>
+                  </a:solidFill>
+                  <a:latin typeface="Segoe UI" panose="020B0502040204020203" pitchFamily="34" charset="0"/>
+                  <a:cs typeface="Segoe UI" panose="020B0502040204020203" pitchFamily="34" charset="0"/>
+                </a:rPr>
+                <a:t>Browser</a:t>
+              </a:r>
+            </a:p>
+          </p:txBody>
+        </p:sp>
+        <p:sp>
+          <p:nvSpPr>
+            <p:cNvPr id="19" name="Menu Button" descr="&lt;SmartSettings&gt;&lt;SmartResize anchorLeft=&quot;None&quot; anchorTop=&quot;Absolute&quot; anchorRight=&quot;Absolute&quot; anchorBottom=&quot;None&quot; /&gt;&lt;/SmartSettings&gt;">
+              <a:extLst>
+                <a:ext uri="{FF2B5EF4-FFF2-40B4-BE49-F238E27FC236}">
+                  <a16:creationId xmlns:a16="http://schemas.microsoft.com/office/drawing/2014/main" id="{627F77A3-041C-4333-9B2A-FFBF81351783}"/>
+                </a:ext>
+              </a:extLst>
+            </p:cNvPr>
+            <p:cNvSpPr>
+              <a:spLocks noChangeAspect="1" noEditPoints="1"/>
+            </p:cNvSpPr>
+            <p:nvPr>
+              <p:custDataLst>
+                <p:tags r:id="rId4"/>
+              </p:custDataLst>
+            </p:nvPr>
+          </p:nvSpPr>
+          <p:spPr bwMode="auto">
+            <a:xfrm>
+              <a:off x="7071766" y="1504830"/>
+              <a:ext cx="120681" cy="89269"/>
+            </a:xfrm>
+            <a:custGeom>
+              <a:avLst/>
+              <a:gdLst>
+                <a:gd name="T0" fmla="*/ 0 w 415"/>
+                <a:gd name="T1" fmla="*/ 309 h 309"/>
+                <a:gd name="T2" fmla="*/ 415 w 415"/>
+                <a:gd name="T3" fmla="*/ 309 h 309"/>
+                <a:gd name="T4" fmla="*/ 0 w 415"/>
+                <a:gd name="T5" fmla="*/ 155 h 309"/>
+                <a:gd name="T6" fmla="*/ 415 w 415"/>
+                <a:gd name="T7" fmla="*/ 155 h 309"/>
+                <a:gd name="T8" fmla="*/ 0 w 415"/>
+                <a:gd name="T9" fmla="*/ 0 h 309"/>
+                <a:gd name="T10" fmla="*/ 415 w 415"/>
+                <a:gd name="T11" fmla="*/ 0 h 309"/>
+              </a:gdLst>
+              <a:ahLst/>
+              <a:cxnLst>
+                <a:cxn ang="0">
+                  <a:pos x="T0" y="T1"/>
+                </a:cxn>
+                <a:cxn ang="0">
+                  <a:pos x="T2" y="T3"/>
+                </a:cxn>
+                <a:cxn ang="0">
+                  <a:pos x="T4" y="T5"/>
+                </a:cxn>
+                <a:cxn ang="0">
+                  <a:pos x="T6" y="T7"/>
+                </a:cxn>
+                <a:cxn ang="0">
+                  <a:pos x="T8" y="T9"/>
+                </a:cxn>
+                <a:cxn ang="0">
+                  <a:pos x="T10" y="T11"/>
+                </a:cxn>
+              </a:cxnLst>
+              <a:rect l="0" t="0" r="r" b="b"/>
+              <a:pathLst>
+                <a:path w="415" h="309">
+                  <a:moveTo>
+                    <a:pt x="0" y="309"/>
+                  </a:moveTo>
+                  <a:lnTo>
+                    <a:pt x="415" y="309"/>
+                  </a:lnTo>
+                  <a:moveTo>
+                    <a:pt x="0" y="155"/>
+                  </a:moveTo>
+                  <a:lnTo>
+                    <a:pt x="415" y="155"/>
+                  </a:lnTo>
+                  <a:moveTo>
+                    <a:pt x="0" y="0"/>
+                  </a:moveTo>
+                  <a:lnTo>
+                    <a:pt x="415" y="0"/>
+                  </a:lnTo>
+                </a:path>
+              </a:pathLst>
+            </a:custGeom>
+            <a:noFill/>
+            <a:ln w="6350" cap="flat">
+              <a:solidFill>
+                <a:srgbClr val="808080"/>
+              </a:solidFill>
+              <a:prstDash val="solid"/>
+              <a:miter lim="800000"/>
+              <a:headEnd/>
+              <a:tailEnd/>
+            </a:ln>
+            <a:extLst>
+              <a:ext uri="{909E8E84-426E-40DD-AFC4-6F175D3DCCD1}">
+                <a14:hiddenFill xmlns:a14="http://schemas.microsoft.com/office/drawing/2010/main">
+                  <a:solidFill>
+                    <a:srgbClr val="FFFFFF"/>
+                  </a:solidFill>
+                </a14:hiddenFill>
+              </a:ext>
+            </a:extLst>
+          </p:spPr>
+          <p:txBody>
+            <a:bodyPr vert="horz" wrap="square" lIns="91440" tIns="45720" rIns="91440" bIns="45720" numCol="1" anchor="t" anchorCtr="0" compatLnSpc="1">
+              <a:prstTxWarp prst="textNoShape">
+                <a:avLst/>
+              </a:prstTxWarp>
+            </a:bodyPr>
+            <a:lstStyle>
+              <a:defPPr>
+                <a:defRPr lang="en-US"/>
+              </a:defPPr>
+              <a:lvl1pPr marL="0" algn="l" defTabSz="914400" rtl="0" eaLnBrk="1" latinLnBrk="0" hangingPunct="1">
+                <a:defRPr sz="1800" kern="1200">
+                  <a:solidFill>
+                    <a:schemeClr val="tx1"/>
+                  </a:solidFill>
+                  <a:latin typeface="+mn-lt"/>
+                  <a:ea typeface="+mn-ea"/>
+                  <a:cs typeface="+mn-cs"/>
+                </a:defRPr>
+              </a:lvl1pPr>
+              <a:lvl2pPr marL="457200" algn="l" defTabSz="914400" rtl="0" eaLnBrk="1" latinLnBrk="0" hangingPunct="1">
+                <a:defRPr sz="1800" kern="1200">
+                  <a:solidFill>
+                    <a:schemeClr val="tx1"/>
+                  </a:solidFill>
+                  <a:latin typeface="+mn-lt"/>
+                  <a:ea typeface="+mn-ea"/>
+                  <a:cs typeface="+mn-cs"/>
+                </a:defRPr>
+              </a:lvl2pPr>
+              <a:lvl3pPr marL="914400" algn="l" defTabSz="914400" rtl="0" eaLnBrk="1" latinLnBrk="0" hangingPunct="1">
+                <a:defRPr sz="1800" kern="1200">
+                  <a:solidFill>
+                    <a:schemeClr val="tx1"/>
+                  </a:solidFill>
+                  <a:latin typeface="+mn-lt"/>
+                  <a:ea typeface="+mn-ea"/>
+                  <a:cs typeface="+mn-cs"/>
+                </a:defRPr>
+              </a:lvl3pPr>
+              <a:lvl4pPr marL="1371600" algn="l" defTabSz="914400" rtl="0" eaLnBrk="1" latinLnBrk="0" hangingPunct="1">
+                <a:defRPr sz="1800" kern="1200">
+                  <a:solidFill>
+                    <a:schemeClr val="tx1"/>
+                  </a:solidFill>
+                  <a:latin typeface="+mn-lt"/>
+                  <a:ea typeface="+mn-ea"/>
+                  <a:cs typeface="+mn-cs"/>
+                </a:defRPr>
+              </a:lvl4pPr>
+              <a:lvl5pPr marL="1828800" algn="l" defTabSz="914400" rtl="0" eaLnBrk="1" latinLnBrk="0" hangingPunct="1">
+                <a:defRPr sz="1800" kern="1200">
+                  <a:solidFill>
+                    <a:schemeClr val="tx1"/>
+                  </a:solidFill>
+                  <a:latin typeface="+mn-lt"/>
+                  <a:ea typeface="+mn-ea"/>
+                  <a:cs typeface="+mn-cs"/>
+                </a:defRPr>
+              </a:lvl5pPr>
+              <a:lvl6pPr marL="2286000" algn="l" defTabSz="914400" rtl="0" eaLnBrk="1" latinLnBrk="0" hangingPunct="1">
+                <a:defRPr sz="1800" kern="1200">
+                  <a:solidFill>
+                    <a:schemeClr val="tx1"/>
+                  </a:solidFill>
+                  <a:latin typeface="+mn-lt"/>
+                  <a:ea typeface="+mn-ea"/>
+                  <a:cs typeface="+mn-cs"/>
+                </a:defRPr>
+              </a:lvl6pPr>
+              <a:lvl7pPr marL="2743200" algn="l" defTabSz="914400" rtl="0" eaLnBrk="1" latinLnBrk="0" hangingPunct="1">
+                <a:defRPr sz="1800" kern="1200">
+                  <a:solidFill>
+                    <a:schemeClr val="tx1"/>
+                  </a:solidFill>
+                  <a:latin typeface="+mn-lt"/>
+                  <a:ea typeface="+mn-ea"/>
+                  <a:cs typeface="+mn-cs"/>
+                </a:defRPr>
+              </a:lvl7pPr>
+              <a:lvl8pPr marL="3200400" algn="l" defTabSz="914400" rtl="0" eaLnBrk="1" latinLnBrk="0" hangingPunct="1">
+                <a:defRPr sz="1800" kern="1200">
+                  <a:solidFill>
+                    <a:schemeClr val="tx1"/>
+                  </a:solidFill>
+                  <a:latin typeface="+mn-lt"/>
+                  <a:ea typeface="+mn-ea"/>
+                  <a:cs typeface="+mn-cs"/>
+                </a:defRPr>
+              </a:lvl8pPr>
+              <a:lvl9pPr marL="3657600" algn="l" defTabSz="914400" rtl="0" eaLnBrk="1" latinLnBrk="0" hangingPunct="1">
+                <a:defRPr sz="1800" kern="1200">
+                  <a:solidFill>
+                    <a:schemeClr val="tx1"/>
+                  </a:solidFill>
+                  <a:latin typeface="+mn-lt"/>
+                  <a:ea typeface="+mn-ea"/>
+                  <a:cs typeface="+mn-cs"/>
+                </a:defRPr>
+              </a:lvl9pPr>
+            </a:lstStyle>
+            <a:p>
+              <a:endParaRPr lang="en-US">
+                <a:solidFill>
+                  <a:srgbClr val="5F5F5F"/>
+                </a:solidFill>
+                <a:latin typeface="Segoe UI" panose="020B0502040204020203" pitchFamily="34" charset="0"/>
+                <a:cs typeface="Segoe UI" panose="020B0502040204020203" pitchFamily="34" charset="0"/>
+              </a:endParaRPr>
+            </a:p>
+          </p:txBody>
+        </p:sp>
+        <p:sp>
+          <p:nvSpPr>
+            <p:cNvPr id="20" name="Close Button" descr="&lt;SmartSettings&gt;&lt;SmartResize anchorLeft=&quot;None&quot; anchorTop=&quot;Absolute&quot; anchorRight=&quot;Absolute&quot; anchorBottom=&quot;None&quot; /&gt;&lt;/SmartSettings&gt;">
+              <a:extLst>
+                <a:ext uri="{FF2B5EF4-FFF2-40B4-BE49-F238E27FC236}">
+                  <a16:creationId xmlns:a16="http://schemas.microsoft.com/office/drawing/2014/main" id="{BC8352A3-7146-4FE1-8FCB-45AE3DA1EB8E}"/>
+                </a:ext>
+              </a:extLst>
+            </p:cNvPr>
+            <p:cNvSpPr>
+              <a:spLocks noEditPoints="1"/>
+            </p:cNvSpPr>
+            <p:nvPr>
+              <p:custDataLst>
+                <p:tags r:id="rId5"/>
+              </p:custDataLst>
+            </p:nvPr>
+          </p:nvSpPr>
+          <p:spPr bwMode="auto">
+            <a:xfrm>
+              <a:off x="7093599" y="1317670"/>
+              <a:ext cx="79598" cy="75438"/>
+            </a:xfrm>
+            <a:custGeom>
+              <a:avLst/>
+              <a:gdLst>
+                <a:gd name="T0" fmla="*/ 254 w 254"/>
+                <a:gd name="T1" fmla="*/ 0 h 254"/>
+                <a:gd name="T2" fmla="*/ 0 w 254"/>
+                <a:gd name="T3" fmla="*/ 254 h 254"/>
+                <a:gd name="T4" fmla="*/ 0 w 254"/>
+                <a:gd name="T5" fmla="*/ 0 h 254"/>
+                <a:gd name="T6" fmla="*/ 254 w 254"/>
+                <a:gd name="T7" fmla="*/ 254 h 254"/>
+              </a:gdLst>
+              <a:ahLst/>
+              <a:cxnLst>
+                <a:cxn ang="0">
+                  <a:pos x="T0" y="T1"/>
+                </a:cxn>
+                <a:cxn ang="0">
+                  <a:pos x="T2" y="T3"/>
+                </a:cxn>
+                <a:cxn ang="0">
+                  <a:pos x="T4" y="T5"/>
+                </a:cxn>
+                <a:cxn ang="0">
+                  <a:pos x="T6" y="T7"/>
+                </a:cxn>
+              </a:cxnLst>
+              <a:rect l="0" t="0" r="r" b="b"/>
+              <a:pathLst>
+                <a:path w="254" h="254">
+                  <a:moveTo>
+                    <a:pt x="254" y="0"/>
+                  </a:moveTo>
+                  <a:lnTo>
+                    <a:pt x="0" y="254"/>
+                  </a:lnTo>
+                  <a:moveTo>
+                    <a:pt x="0" y="0"/>
+                  </a:moveTo>
+                  <a:lnTo>
+                    <a:pt x="254" y="254"/>
+                  </a:lnTo>
+                </a:path>
+              </a:pathLst>
+            </a:custGeom>
+            <a:noFill/>
+            <a:ln w="9525" cap="flat">
+              <a:solidFill>
+                <a:srgbClr val="808080"/>
+              </a:solidFill>
+              <a:prstDash val="solid"/>
+              <a:miter lim="800000"/>
+              <a:headEnd/>
+              <a:tailEnd/>
+            </a:ln>
+            <a:extLst>
+              <a:ext uri="{909E8E84-426E-40DD-AFC4-6F175D3DCCD1}">
+                <a14:hiddenFill xmlns:a14="http://schemas.microsoft.com/office/drawing/2010/main">
+                  <a:solidFill>
+                    <a:srgbClr val="FFFFFF"/>
+                  </a:solidFill>
+                </a14:hiddenFill>
+              </a:ext>
+            </a:extLst>
+          </p:spPr>
+          <p:txBody>
+            <a:bodyPr vert="horz" wrap="square" lIns="91440" tIns="45720" rIns="91440" bIns="45720" numCol="1" anchor="t" anchorCtr="0" compatLnSpc="1">
+              <a:prstTxWarp prst="textNoShape">
+                <a:avLst/>
+              </a:prstTxWarp>
+            </a:bodyPr>
+            <a:lstStyle>
+              <a:defPPr>
+                <a:defRPr lang="en-US"/>
+              </a:defPPr>
+              <a:lvl1pPr marL="0" algn="l" defTabSz="914400" rtl="0" eaLnBrk="1" latinLnBrk="0" hangingPunct="1">
+                <a:defRPr sz="1800" kern="1200">
+                  <a:solidFill>
+                    <a:schemeClr val="tx1"/>
+                  </a:solidFill>
+                  <a:latin typeface="+mn-lt"/>
+                  <a:ea typeface="+mn-ea"/>
+                  <a:cs typeface="+mn-cs"/>
+                </a:defRPr>
+              </a:lvl1pPr>
+              <a:lvl2pPr marL="457200" algn="l" defTabSz="914400" rtl="0" eaLnBrk="1" latinLnBrk="0" hangingPunct="1">
+                <a:defRPr sz="1800" kern="1200">
+                  <a:solidFill>
+                    <a:schemeClr val="tx1"/>
+                  </a:solidFill>
+                  <a:latin typeface="+mn-lt"/>
+                  <a:ea typeface="+mn-ea"/>
+                  <a:cs typeface="+mn-cs"/>
+                </a:defRPr>
+              </a:lvl2pPr>
+              <a:lvl3pPr marL="914400" algn="l" defTabSz="914400" rtl="0" eaLnBrk="1" latinLnBrk="0" hangingPunct="1">
+                <a:defRPr sz="1800" kern="1200">
+                  <a:solidFill>
+                    <a:schemeClr val="tx1"/>
+                  </a:solidFill>
+                  <a:latin typeface="+mn-lt"/>
+                  <a:ea typeface="+mn-ea"/>
+                  <a:cs typeface="+mn-cs"/>
+                </a:defRPr>
+              </a:lvl3pPr>
+              <a:lvl4pPr marL="1371600" algn="l" defTabSz="914400" rtl="0" eaLnBrk="1" latinLnBrk="0" hangingPunct="1">
+                <a:defRPr sz="1800" kern="1200">
+                  <a:solidFill>
+                    <a:schemeClr val="tx1"/>
+                  </a:solidFill>
+                  <a:latin typeface="+mn-lt"/>
+                  <a:ea typeface="+mn-ea"/>
+                  <a:cs typeface="+mn-cs"/>
+                </a:defRPr>
+              </a:lvl4pPr>
+              <a:lvl5pPr marL="1828800" algn="l" defTabSz="914400" rtl="0" eaLnBrk="1" latinLnBrk="0" hangingPunct="1">
+                <a:defRPr sz="1800" kern="1200">
+                  <a:solidFill>
+                    <a:schemeClr val="tx1"/>
+                  </a:solidFill>
+                  <a:latin typeface="+mn-lt"/>
+                  <a:ea typeface="+mn-ea"/>
+                  <a:cs typeface="+mn-cs"/>
+                </a:defRPr>
+              </a:lvl5pPr>
+              <a:lvl6pPr marL="2286000" algn="l" defTabSz="914400" rtl="0" eaLnBrk="1" latinLnBrk="0" hangingPunct="1">
+                <a:defRPr sz="1800" kern="1200">
+                  <a:solidFill>
+                    <a:schemeClr val="tx1"/>
+                  </a:solidFill>
+                  <a:latin typeface="+mn-lt"/>
+                  <a:ea typeface="+mn-ea"/>
+                  <a:cs typeface="+mn-cs"/>
+                </a:defRPr>
+              </a:lvl6pPr>
+              <a:lvl7pPr marL="2743200" algn="l" defTabSz="914400" rtl="0" eaLnBrk="1" latinLnBrk="0" hangingPunct="1">
+                <a:defRPr sz="1800" kern="1200">
+                  <a:solidFill>
+                    <a:schemeClr val="tx1"/>
+                  </a:solidFill>
+                  <a:latin typeface="+mn-lt"/>
+                  <a:ea typeface="+mn-ea"/>
+                  <a:cs typeface="+mn-cs"/>
+                </a:defRPr>
+              </a:lvl7pPr>
+              <a:lvl8pPr marL="3200400" algn="l" defTabSz="914400" rtl="0" eaLnBrk="1" latinLnBrk="0" hangingPunct="1">
+                <a:defRPr sz="1800" kern="1200">
+                  <a:solidFill>
+                    <a:schemeClr val="tx1"/>
+                  </a:solidFill>
+                  <a:latin typeface="+mn-lt"/>
+                  <a:ea typeface="+mn-ea"/>
+                  <a:cs typeface="+mn-cs"/>
+                </a:defRPr>
+              </a:lvl8pPr>
+              <a:lvl9pPr marL="3657600" algn="l" defTabSz="914400" rtl="0" eaLnBrk="1" latinLnBrk="0" hangingPunct="1">
+                <a:defRPr sz="1800" kern="1200">
+                  <a:solidFill>
+                    <a:schemeClr val="tx1"/>
+                  </a:solidFill>
+                  <a:latin typeface="+mn-lt"/>
+                  <a:ea typeface="+mn-ea"/>
+                  <a:cs typeface="+mn-cs"/>
+                </a:defRPr>
+              </a:lvl9pPr>
+            </a:lstStyle>
+            <a:p>
+              <a:endParaRPr lang="en-US">
+                <a:solidFill>
+                  <a:srgbClr val="5F5F5F"/>
+                </a:solidFill>
+                <a:latin typeface="Segoe UI" panose="020B0502040204020203" pitchFamily="34" charset="0"/>
+                <a:cs typeface="Segoe UI" panose="020B0502040204020203" pitchFamily="34" charset="0"/>
+              </a:endParaRPr>
+            </a:p>
+          </p:txBody>
+        </p:sp>
+        <p:sp>
+          <p:nvSpPr>
+            <p:cNvPr id="21" name="Address Box" descr="&lt;SmartSettings&gt;&lt;SmartResize anchorLeft=&quot;Absolute&quot; anchorTop=&quot;Absolute&quot; anchorRight=&quot;Absolute&quot; anchorBottom=&quot;None&quot; /&gt;&lt;/SmartSettings&gt;">
+              <a:extLst>
+                <a:ext uri="{FF2B5EF4-FFF2-40B4-BE49-F238E27FC236}">
+                  <a16:creationId xmlns:a16="http://schemas.microsoft.com/office/drawing/2014/main" id="{7FF767B7-CA99-4C4A-AC99-C54B52353FE1}"/>
+                </a:ext>
+              </a:extLst>
+            </p:cNvPr>
+            <p:cNvSpPr/>
+            <p:nvPr>
+              <p:custDataLst>
+                <p:tags r:id="rId6"/>
+              </p:custDataLst>
+            </p:nvPr>
+          </p:nvSpPr>
+          <p:spPr>
+            <a:xfrm>
+              <a:off x="1325889" y="1455317"/>
+              <a:ext cx="5674177" cy="188294"/>
+            </a:xfrm>
+            <a:prstGeom prst="rect">
+              <a:avLst/>
+            </a:prstGeom>
+            <a:solidFill>
+              <a:srgbClr val="FFFFFF"/>
+            </a:solidFill>
+            <a:ln w="6350">
+              <a:solidFill>
+                <a:srgbClr val="808080"/>
+              </a:solidFill>
+            </a:ln>
+          </p:spPr>
+          <p:style>
+            <a:lnRef idx="2">
+              <a:schemeClr val="accent1">
+                <a:shade val="50000"/>
+              </a:schemeClr>
+            </a:lnRef>
+            <a:fillRef idx="1">
+              <a:schemeClr val="accent1"/>
+            </a:fillRef>
+            <a:effectRef idx="0">
+              <a:schemeClr val="accent1"/>
+            </a:effectRef>
+            <a:fontRef idx="minor">
+              <a:schemeClr val="lt1"/>
+            </a:fontRef>
+          </p:style>
+          <p:txBody>
+            <a:bodyPr rot="0" spcFirstLastPara="0" vert="horz" wrap="square" lIns="237744" tIns="45720" rIns="91440" bIns="45720" numCol="1" spcCol="0" rtlCol="0" fromWordArt="0" anchor="ctr" anchorCtr="0" forceAA="0" compatLnSpc="1">
+              <a:prstTxWarp prst="textNoShape">
+                <a:avLst/>
+              </a:prstTxWarp>
+              <a:noAutofit/>
+            </a:bodyPr>
+            <a:lstStyle>
+              <a:defPPr>
+                <a:defRPr lang="en-US"/>
+              </a:defPPr>
+              <a:lvl1pPr marL="0" algn="l" defTabSz="914400" rtl="0" eaLnBrk="1" latinLnBrk="0" hangingPunct="1">
+                <a:defRPr sz="1800" kern="1200">
+                  <a:solidFill>
+                    <a:schemeClr val="lt1"/>
+                  </a:solidFill>
+                  <a:latin typeface="+mn-lt"/>
+                  <a:ea typeface="+mn-ea"/>
+                  <a:cs typeface="+mn-cs"/>
+                </a:defRPr>
+              </a:lvl1pPr>
+              <a:lvl2pPr marL="457200" algn="l" defTabSz="914400" rtl="0" eaLnBrk="1" latinLnBrk="0" hangingPunct="1">
+                <a:defRPr sz="1800" kern="1200">
+                  <a:solidFill>
+                    <a:schemeClr val="lt1"/>
+                  </a:solidFill>
+                  <a:latin typeface="+mn-lt"/>
+                  <a:ea typeface="+mn-ea"/>
+                  <a:cs typeface="+mn-cs"/>
+                </a:defRPr>
+              </a:lvl2pPr>
+              <a:lvl3pPr marL="914400" algn="l" defTabSz="914400" rtl="0" eaLnBrk="1" latinLnBrk="0" hangingPunct="1">
+                <a:defRPr sz="1800" kern="1200">
+                  <a:solidFill>
+                    <a:schemeClr val="lt1"/>
+                  </a:solidFill>
+                  <a:latin typeface="+mn-lt"/>
+                  <a:ea typeface="+mn-ea"/>
+                  <a:cs typeface="+mn-cs"/>
+                </a:defRPr>
+              </a:lvl3pPr>
+              <a:lvl4pPr marL="1371600" algn="l" defTabSz="914400" rtl="0" eaLnBrk="1" latinLnBrk="0" hangingPunct="1">
+                <a:defRPr sz="1800" kern="1200">
+                  <a:solidFill>
+                    <a:schemeClr val="lt1"/>
+                  </a:solidFill>
+                  <a:latin typeface="+mn-lt"/>
+                  <a:ea typeface="+mn-ea"/>
+                  <a:cs typeface="+mn-cs"/>
+                </a:defRPr>
+              </a:lvl4pPr>
+              <a:lvl5pPr marL="1828800" algn="l" defTabSz="914400" rtl="0" eaLnBrk="1" latinLnBrk="0" hangingPunct="1">
+                <a:defRPr sz="1800" kern="1200">
+                  <a:solidFill>
+                    <a:schemeClr val="lt1"/>
+                  </a:solidFill>
+                  <a:latin typeface="+mn-lt"/>
+                  <a:ea typeface="+mn-ea"/>
+                  <a:cs typeface="+mn-cs"/>
+                </a:defRPr>
+              </a:lvl5pPr>
+              <a:lvl6pPr marL="2286000" algn="l" defTabSz="914400" rtl="0" eaLnBrk="1" latinLnBrk="0" hangingPunct="1">
+                <a:defRPr sz="1800" kern="1200">
+                  <a:solidFill>
+                    <a:schemeClr val="lt1"/>
+                  </a:solidFill>
+                  <a:latin typeface="+mn-lt"/>
+                  <a:ea typeface="+mn-ea"/>
+                  <a:cs typeface="+mn-cs"/>
+                </a:defRPr>
+              </a:lvl6pPr>
+              <a:lvl7pPr marL="2743200" algn="l" defTabSz="914400" rtl="0" eaLnBrk="1" latinLnBrk="0" hangingPunct="1">
+                <a:defRPr sz="1800" kern="1200">
+                  <a:solidFill>
+                    <a:schemeClr val="lt1"/>
+                  </a:solidFill>
+                  <a:latin typeface="+mn-lt"/>
+                  <a:ea typeface="+mn-ea"/>
+                  <a:cs typeface="+mn-cs"/>
+                </a:defRPr>
+              </a:lvl7pPr>
+              <a:lvl8pPr marL="3200400" algn="l" defTabSz="914400" rtl="0" eaLnBrk="1" latinLnBrk="0" hangingPunct="1">
+                <a:defRPr sz="1800" kern="1200">
+                  <a:solidFill>
+                    <a:schemeClr val="lt1"/>
+                  </a:solidFill>
+                  <a:latin typeface="+mn-lt"/>
+                  <a:ea typeface="+mn-ea"/>
+                  <a:cs typeface="+mn-cs"/>
+                </a:defRPr>
+              </a:lvl8pPr>
+              <a:lvl9pPr marL="3657600" algn="l" defTabSz="914400" rtl="0" eaLnBrk="1" latinLnBrk="0" hangingPunct="1">
+                <a:defRPr sz="1800" kern="1200">
+                  <a:solidFill>
+                    <a:schemeClr val="lt1"/>
+                  </a:solidFill>
+                  <a:latin typeface="+mn-lt"/>
+                  <a:ea typeface="+mn-ea"/>
+                  <a:cs typeface="+mn-cs"/>
+                </a:defRPr>
+              </a:lvl9pPr>
+            </a:lstStyle>
+            <a:p>
+              <a:r>
+                <a:rPr lang="en-US" sz="900" noProof="1">
+                  <a:solidFill>
+                    <a:srgbClr val="5F5F5F"/>
+                  </a:solidFill>
+                  <a:latin typeface="Segoe UI" panose="020B0502040204020203" pitchFamily="34" charset="0"/>
+                  <a:cs typeface="Segoe UI" panose="020B0502040204020203" pitchFamily="34" charset="0"/>
+                </a:rPr>
+                <a:t>www.example.com</a:t>
+              </a:r>
+            </a:p>
+          </p:txBody>
+        </p:sp>
+        <p:sp>
+          <p:nvSpPr>
+            <p:cNvPr id="22" name="Document Icon" descr="&lt;SmartSettings&gt;&lt;SmartResize anchorLeft=&quot;Absolute&quot; anchorTop=&quot;Absolute&quot; anchorRight=&quot;None&quot; anchorBottom=&quot;None&quot; /&gt;&lt;/SmartSettings&gt;">
+              <a:extLst>
+                <a:ext uri="{FF2B5EF4-FFF2-40B4-BE49-F238E27FC236}">
+                  <a16:creationId xmlns:a16="http://schemas.microsoft.com/office/drawing/2014/main" id="{5B66773D-E361-43CD-A256-055518834CAC}"/>
+                </a:ext>
+              </a:extLst>
+            </p:cNvPr>
+            <p:cNvSpPr>
+              <a:spLocks noChangeAspect="1" noEditPoints="1"/>
+            </p:cNvSpPr>
+            <p:nvPr>
+              <p:custDataLst>
+                <p:tags r:id="rId7"/>
+              </p:custDataLst>
+            </p:nvPr>
+          </p:nvSpPr>
+          <p:spPr bwMode="auto">
+            <a:xfrm>
+              <a:off x="1387452" y="1496656"/>
+              <a:ext cx="75747" cy="105613"/>
+            </a:xfrm>
+            <a:custGeom>
+              <a:avLst/>
+              <a:gdLst>
+                <a:gd name="T0" fmla="*/ 153 w 260"/>
+                <a:gd name="T1" fmla="*/ 7 h 367"/>
+                <a:gd name="T2" fmla="*/ 153 w 260"/>
+                <a:gd name="T3" fmla="*/ 108 h 367"/>
+                <a:gd name="T4" fmla="*/ 253 w 260"/>
+                <a:gd name="T5" fmla="*/ 108 h 367"/>
+                <a:gd name="T6" fmla="*/ 0 w 260"/>
+                <a:gd name="T7" fmla="*/ 0 h 367"/>
+                <a:gd name="T8" fmla="*/ 0 w 260"/>
+                <a:gd name="T9" fmla="*/ 367 h 367"/>
+                <a:gd name="T10" fmla="*/ 260 w 260"/>
+                <a:gd name="T11" fmla="*/ 367 h 367"/>
+                <a:gd name="T12" fmla="*/ 260 w 260"/>
+                <a:gd name="T13" fmla="*/ 100 h 367"/>
+                <a:gd name="T14" fmla="*/ 161 w 260"/>
+                <a:gd name="T15" fmla="*/ 1 h 367"/>
+                <a:gd name="T16" fmla="*/ 0 w 260"/>
+                <a:gd name="T17" fmla="*/ 0 h 367"/>
+              </a:gdLst>
+              <a:ahLst/>
+              <a:cxnLst>
+                <a:cxn ang="0">
+                  <a:pos x="T0" y="T1"/>
+                </a:cxn>
+                <a:cxn ang="0">
+                  <a:pos x="T2" y="T3"/>
+                </a:cxn>
+                <a:cxn ang="0">
+                  <a:pos x="T4" y="T5"/>
+                </a:cxn>
+                <a:cxn ang="0">
+                  <a:pos x="T6" y="T7"/>
+                </a:cxn>
+                <a:cxn ang="0">
+                  <a:pos x="T8" y="T9"/>
+                </a:cxn>
+                <a:cxn ang="0">
+                  <a:pos x="T10" y="T11"/>
+                </a:cxn>
+                <a:cxn ang="0">
+                  <a:pos x="T12" y="T13"/>
+                </a:cxn>
+                <a:cxn ang="0">
+                  <a:pos x="T14" y="T15"/>
+                </a:cxn>
+                <a:cxn ang="0">
+                  <a:pos x="T16" y="T17"/>
+                </a:cxn>
+              </a:cxnLst>
+              <a:rect l="0" t="0" r="r" b="b"/>
+              <a:pathLst>
+                <a:path w="260" h="367">
+                  <a:moveTo>
+                    <a:pt x="153" y="7"/>
+                  </a:moveTo>
+                  <a:lnTo>
+                    <a:pt x="153" y="108"/>
+                  </a:lnTo>
+                  <a:lnTo>
+                    <a:pt x="253" y="108"/>
+                  </a:lnTo>
+                  <a:moveTo>
+                    <a:pt x="0" y="0"/>
+                  </a:moveTo>
+                  <a:lnTo>
+                    <a:pt x="0" y="367"/>
+                  </a:lnTo>
+                  <a:lnTo>
+                    <a:pt x="260" y="367"/>
+                  </a:lnTo>
+                  <a:lnTo>
+                    <a:pt x="260" y="100"/>
+                  </a:lnTo>
+                  <a:lnTo>
+                    <a:pt x="161" y="1"/>
+                  </a:lnTo>
+                  <a:lnTo>
+                    <a:pt x="0" y="0"/>
+                  </a:lnTo>
+                  <a:close/>
+                </a:path>
+              </a:pathLst>
+            </a:custGeom>
+            <a:noFill/>
+            <a:ln w="6350" cap="flat">
+              <a:solidFill>
+                <a:srgbClr val="808080"/>
+              </a:solidFill>
+              <a:prstDash val="solid"/>
+              <a:miter lim="800000"/>
+              <a:headEnd/>
+              <a:tailEnd/>
+            </a:ln>
+            <a:extLst>
+              <a:ext uri="{909E8E84-426E-40DD-AFC4-6F175D3DCCD1}">
+                <a14:hiddenFill xmlns:a14="http://schemas.microsoft.com/office/drawing/2010/main">
+                  <a:solidFill>
+                    <a:srgbClr val="FFFFFF"/>
+                  </a:solidFill>
+                </a14:hiddenFill>
+              </a:ext>
+            </a:extLst>
+          </p:spPr>
+          <p:txBody>
+            <a:bodyPr vert="horz" wrap="square" lIns="91440" tIns="45720" rIns="91440" bIns="45720" numCol="1" anchor="t" anchorCtr="0" compatLnSpc="1">
+              <a:prstTxWarp prst="textNoShape">
+                <a:avLst/>
+              </a:prstTxWarp>
+            </a:bodyPr>
+            <a:lstStyle>
+              <a:defPPr>
+                <a:defRPr lang="en-US"/>
+              </a:defPPr>
+              <a:lvl1pPr marL="0" algn="l" defTabSz="914400" rtl="0" eaLnBrk="1" latinLnBrk="0" hangingPunct="1">
+                <a:defRPr sz="1800" kern="1200">
+                  <a:solidFill>
+                    <a:schemeClr val="tx1"/>
+                  </a:solidFill>
+                  <a:latin typeface="+mn-lt"/>
+                  <a:ea typeface="+mn-ea"/>
+                  <a:cs typeface="+mn-cs"/>
+                </a:defRPr>
+              </a:lvl1pPr>
+              <a:lvl2pPr marL="457200" algn="l" defTabSz="914400" rtl="0" eaLnBrk="1" latinLnBrk="0" hangingPunct="1">
+                <a:defRPr sz="1800" kern="1200">
+                  <a:solidFill>
+                    <a:schemeClr val="tx1"/>
+                  </a:solidFill>
+                  <a:latin typeface="+mn-lt"/>
+                  <a:ea typeface="+mn-ea"/>
+                  <a:cs typeface="+mn-cs"/>
+                </a:defRPr>
+              </a:lvl2pPr>
+              <a:lvl3pPr marL="914400" algn="l" defTabSz="914400" rtl="0" eaLnBrk="1" latinLnBrk="0" hangingPunct="1">
+                <a:defRPr sz="1800" kern="1200">
+                  <a:solidFill>
+                    <a:schemeClr val="tx1"/>
+                  </a:solidFill>
+                  <a:latin typeface="+mn-lt"/>
+                  <a:ea typeface="+mn-ea"/>
+                  <a:cs typeface="+mn-cs"/>
+                </a:defRPr>
+              </a:lvl3pPr>
+              <a:lvl4pPr marL="1371600" algn="l" defTabSz="914400" rtl="0" eaLnBrk="1" latinLnBrk="0" hangingPunct="1">
+                <a:defRPr sz="1800" kern="1200">
+                  <a:solidFill>
+                    <a:schemeClr val="tx1"/>
+                  </a:solidFill>
+                  <a:latin typeface="+mn-lt"/>
+                  <a:ea typeface="+mn-ea"/>
+                  <a:cs typeface="+mn-cs"/>
+                </a:defRPr>
+              </a:lvl4pPr>
+              <a:lvl5pPr marL="1828800" algn="l" defTabSz="914400" rtl="0" eaLnBrk="1" latinLnBrk="0" hangingPunct="1">
+                <a:defRPr sz="1800" kern="1200">
+                  <a:solidFill>
+                    <a:schemeClr val="tx1"/>
+                  </a:solidFill>
+                  <a:latin typeface="+mn-lt"/>
+                  <a:ea typeface="+mn-ea"/>
+                  <a:cs typeface="+mn-cs"/>
+                </a:defRPr>
+              </a:lvl5pPr>
+              <a:lvl6pPr marL="2286000" algn="l" defTabSz="914400" rtl="0" eaLnBrk="1" latinLnBrk="0" hangingPunct="1">
+                <a:defRPr sz="1800" kern="1200">
+                  <a:solidFill>
+                    <a:schemeClr val="tx1"/>
+                  </a:solidFill>
+                  <a:latin typeface="+mn-lt"/>
+                  <a:ea typeface="+mn-ea"/>
+                  <a:cs typeface="+mn-cs"/>
+                </a:defRPr>
+              </a:lvl6pPr>
+              <a:lvl7pPr marL="2743200" algn="l" defTabSz="914400" rtl="0" eaLnBrk="1" latinLnBrk="0" hangingPunct="1">
+                <a:defRPr sz="1800" kern="1200">
+                  <a:solidFill>
+                    <a:schemeClr val="tx1"/>
+                  </a:solidFill>
+                  <a:latin typeface="+mn-lt"/>
+                  <a:ea typeface="+mn-ea"/>
+                  <a:cs typeface="+mn-cs"/>
+                </a:defRPr>
+              </a:lvl7pPr>
+              <a:lvl8pPr marL="3200400" algn="l" defTabSz="914400" rtl="0" eaLnBrk="1" latinLnBrk="0" hangingPunct="1">
+                <a:defRPr sz="1800" kern="1200">
+                  <a:solidFill>
+                    <a:schemeClr val="tx1"/>
+                  </a:solidFill>
+                  <a:latin typeface="+mn-lt"/>
+                  <a:ea typeface="+mn-ea"/>
+                  <a:cs typeface="+mn-cs"/>
+                </a:defRPr>
+              </a:lvl8pPr>
+              <a:lvl9pPr marL="3657600" algn="l" defTabSz="914400" rtl="0" eaLnBrk="1" latinLnBrk="0" hangingPunct="1">
+                <a:defRPr sz="1800" kern="1200">
+                  <a:solidFill>
+                    <a:schemeClr val="tx1"/>
+                  </a:solidFill>
+                  <a:latin typeface="+mn-lt"/>
+                  <a:ea typeface="+mn-ea"/>
+                  <a:cs typeface="+mn-cs"/>
+                </a:defRPr>
+              </a:lvl9pPr>
+            </a:lstStyle>
+            <a:p>
+              <a:endParaRPr lang="en-US">
+                <a:solidFill>
+                  <a:srgbClr val="5F5F5F"/>
+                </a:solidFill>
+                <a:latin typeface="Segoe UI" panose="020B0502040204020203" pitchFamily="34" charset="0"/>
+                <a:cs typeface="Segoe UI" panose="020B0502040204020203" pitchFamily="34" charset="0"/>
+              </a:endParaRPr>
+            </a:p>
+          </p:txBody>
+        </p:sp>
+        <p:grpSp>
+          <p:nvGrpSpPr>
+            <p:cNvPr id="23" name="Navigation Buttons">
+              <a:extLst>
+                <a:ext uri="{FF2B5EF4-FFF2-40B4-BE49-F238E27FC236}">
+                  <a16:creationId xmlns:a16="http://schemas.microsoft.com/office/drawing/2014/main" id="{E89A798A-65E1-44A5-AF44-7C8838B26D05}"/>
+                </a:ext>
+              </a:extLst>
+            </p:cNvPr>
+            <p:cNvGrpSpPr/>
+            <p:nvPr/>
+          </p:nvGrpSpPr>
+          <p:grpSpPr>
+            <a:xfrm>
+              <a:off x="697512" y="1480941"/>
+              <a:ext cx="518673" cy="137046"/>
+              <a:chOff x="697512" y="1480941"/>
+              <a:chExt cx="518673" cy="137046"/>
+            </a:xfrm>
+          </p:grpSpPr>
+          <p:sp>
+            <p:nvSpPr>
+              <p:cNvPr id="24" name="Back Button" descr="&lt;SmartSettings&gt;&lt;SmartResize anchorLeft=&quot;Absolute&quot; anchorTop=&quot;Absolute&quot; anchorRight=&quot;None&quot; anchorBottom=&quot;None&quot; /&gt;&lt;/SmartSettings&gt;">
+                <a:extLst>
+                  <a:ext uri="{FF2B5EF4-FFF2-40B4-BE49-F238E27FC236}">
+                    <a16:creationId xmlns:a16="http://schemas.microsoft.com/office/drawing/2014/main" id="{9F8A63AE-E6AD-4508-A321-447C25FBEB1D}"/>
+                  </a:ext>
+                </a:extLst>
+              </p:cNvPr>
+              <p:cNvSpPr>
+                <a:spLocks noChangeAspect="1" noEditPoints="1"/>
+              </p:cNvSpPr>
+              <p:nvPr>
+                <p:custDataLst>
+                  <p:tags r:id="rId8"/>
+                </p:custDataLst>
+              </p:nvPr>
+            </p:nvSpPr>
+            <p:spPr bwMode="auto">
+              <a:xfrm>
+                <a:off x="697512" y="1501687"/>
+                <a:ext cx="123249" cy="95555"/>
+              </a:xfrm>
+              <a:custGeom>
+                <a:avLst/>
+                <a:gdLst>
+                  <a:gd name="T0" fmla="*/ 159 w 423"/>
+                  <a:gd name="T1" fmla="*/ 332 h 332"/>
+                  <a:gd name="T2" fmla="*/ 0 w 423"/>
+                  <a:gd name="T3" fmla="*/ 166 h 332"/>
+                  <a:gd name="T4" fmla="*/ 159 w 423"/>
+                  <a:gd name="T5" fmla="*/ 0 h 332"/>
+                  <a:gd name="T6" fmla="*/ 15 w 423"/>
+                  <a:gd name="T7" fmla="*/ 166 h 332"/>
+                  <a:gd name="T8" fmla="*/ 423 w 423"/>
+                  <a:gd name="T9" fmla="*/ 166 h 332"/>
+                </a:gdLst>
+                <a:ahLst/>
+                <a:cxnLst>
+                  <a:cxn ang="0">
+                    <a:pos x="T0" y="T1"/>
+                  </a:cxn>
+                  <a:cxn ang="0">
+                    <a:pos x="T2" y="T3"/>
+                  </a:cxn>
+                  <a:cxn ang="0">
+                    <a:pos x="T4" y="T5"/>
+                  </a:cxn>
+                  <a:cxn ang="0">
+                    <a:pos x="T6" y="T7"/>
+                  </a:cxn>
+                  <a:cxn ang="0">
+                    <a:pos x="T8" y="T9"/>
+                  </a:cxn>
+                </a:cxnLst>
+                <a:rect l="0" t="0" r="r" b="b"/>
+                <a:pathLst>
+                  <a:path w="423" h="332">
+                    <a:moveTo>
+                      <a:pt x="159" y="332"/>
+                    </a:moveTo>
+                    <a:lnTo>
+                      <a:pt x="0" y="166"/>
+                    </a:lnTo>
+                    <a:lnTo>
+                      <a:pt x="159" y="0"/>
+                    </a:lnTo>
+                    <a:moveTo>
+                      <a:pt x="15" y="166"/>
+                    </a:moveTo>
+                    <a:lnTo>
+                      <a:pt x="423" y="166"/>
+                    </a:lnTo>
+                  </a:path>
+                </a:pathLst>
+              </a:custGeom>
+              <a:noFill/>
+              <a:ln w="6350" cap="sq">
+                <a:solidFill>
+                  <a:srgbClr val="808080"/>
+                </a:solidFill>
+                <a:prstDash val="solid"/>
+                <a:miter lim="800000"/>
+                <a:headEnd/>
+                <a:tailEnd/>
+              </a:ln>
+              <a:extLst>
+                <a:ext uri="{909E8E84-426E-40DD-AFC4-6F175D3DCCD1}">
+                  <a14:hiddenFill xmlns:a14="http://schemas.microsoft.com/office/drawing/2010/main">
+                    <a:solidFill>
+                      <a:srgbClr val="FFFFFF"/>
+                    </a:solidFill>
+                  </a14:hiddenFill>
+                </a:ext>
+              </a:extLst>
+            </p:spPr>
+            <p:txBody>
+              <a:bodyPr vert="horz" wrap="square" lIns="91440" tIns="45720" rIns="91440" bIns="45720" numCol="1" anchor="t" anchorCtr="0" compatLnSpc="1">
+                <a:prstTxWarp prst="textNoShape">
+                  <a:avLst/>
+                </a:prstTxWarp>
+              </a:bodyPr>
+              <a:lstStyle>
+                <a:defPPr>
+                  <a:defRPr lang="en-US"/>
+                </a:defPPr>
+                <a:lvl1pPr marL="0" algn="l" defTabSz="914400" rtl="0" eaLnBrk="1" latinLnBrk="0" hangingPunct="1">
+                  <a:defRPr sz="1800" kern="1200">
+                    <a:solidFill>
+                      <a:schemeClr val="tx1"/>
+                    </a:solidFill>
+                    <a:latin typeface="+mn-lt"/>
+                    <a:ea typeface="+mn-ea"/>
+                    <a:cs typeface="+mn-cs"/>
+                  </a:defRPr>
+                </a:lvl1pPr>
+                <a:lvl2pPr marL="457200" algn="l" defTabSz="914400" rtl="0" eaLnBrk="1" latinLnBrk="0" hangingPunct="1">
+                  <a:defRPr sz="1800" kern="1200">
+                    <a:solidFill>
+                      <a:schemeClr val="tx1"/>
+                    </a:solidFill>
+                    <a:latin typeface="+mn-lt"/>
+                    <a:ea typeface="+mn-ea"/>
+                    <a:cs typeface="+mn-cs"/>
+                  </a:defRPr>
+                </a:lvl2pPr>
+                <a:lvl3pPr marL="914400" algn="l" defTabSz="914400" rtl="0" eaLnBrk="1" latinLnBrk="0" hangingPunct="1">
+                  <a:defRPr sz="1800" kern="1200">
+                    <a:solidFill>
+                      <a:schemeClr val="tx1"/>
+                    </a:solidFill>
+                    <a:latin typeface="+mn-lt"/>
+                    <a:ea typeface="+mn-ea"/>
+                    <a:cs typeface="+mn-cs"/>
+                  </a:defRPr>
+                </a:lvl3pPr>
+                <a:lvl4pPr marL="1371600" algn="l" defTabSz="914400" rtl="0" eaLnBrk="1" latinLnBrk="0" hangingPunct="1">
+                  <a:defRPr sz="1800" kern="1200">
+                    <a:solidFill>
+                      <a:schemeClr val="tx1"/>
+                    </a:solidFill>
+                    <a:latin typeface="+mn-lt"/>
+                    <a:ea typeface="+mn-ea"/>
+                    <a:cs typeface="+mn-cs"/>
+                  </a:defRPr>
+                </a:lvl4pPr>
+                <a:lvl5pPr marL="1828800" algn="l" defTabSz="914400" rtl="0" eaLnBrk="1" latinLnBrk="0" hangingPunct="1">
+                  <a:defRPr sz="1800" kern="1200">
+                    <a:solidFill>
+                      <a:schemeClr val="tx1"/>
+                    </a:solidFill>
+                    <a:latin typeface="+mn-lt"/>
+                    <a:ea typeface="+mn-ea"/>
+                    <a:cs typeface="+mn-cs"/>
+                  </a:defRPr>
+                </a:lvl5pPr>
+                <a:lvl6pPr marL="2286000" algn="l" defTabSz="914400" rtl="0" eaLnBrk="1" latinLnBrk="0" hangingPunct="1">
+                  <a:defRPr sz="1800" kern="1200">
+                    <a:solidFill>
+                      <a:schemeClr val="tx1"/>
+                    </a:solidFill>
+                    <a:latin typeface="+mn-lt"/>
+                    <a:ea typeface="+mn-ea"/>
+                    <a:cs typeface="+mn-cs"/>
+                  </a:defRPr>
+                </a:lvl6pPr>
+                <a:lvl7pPr marL="2743200" algn="l" defTabSz="914400" rtl="0" eaLnBrk="1" latinLnBrk="0" hangingPunct="1">
+                  <a:defRPr sz="1800" kern="1200">
+                    <a:solidFill>
+                      <a:schemeClr val="tx1"/>
+                    </a:solidFill>
+                    <a:latin typeface="+mn-lt"/>
+                    <a:ea typeface="+mn-ea"/>
+                    <a:cs typeface="+mn-cs"/>
+                  </a:defRPr>
+                </a:lvl7pPr>
+                <a:lvl8pPr marL="3200400" algn="l" defTabSz="914400" rtl="0" eaLnBrk="1" latinLnBrk="0" hangingPunct="1">
+                  <a:defRPr sz="1800" kern="1200">
+                    <a:solidFill>
+                      <a:schemeClr val="tx1"/>
+                    </a:solidFill>
+                    <a:latin typeface="+mn-lt"/>
+                    <a:ea typeface="+mn-ea"/>
+                    <a:cs typeface="+mn-cs"/>
+                  </a:defRPr>
+                </a:lvl8pPr>
+                <a:lvl9pPr marL="3657600" algn="l" defTabSz="914400" rtl="0" eaLnBrk="1" latinLnBrk="0" hangingPunct="1">
+                  <a:defRPr sz="1800" kern="1200">
+                    <a:solidFill>
+                      <a:schemeClr val="tx1"/>
+                    </a:solidFill>
+                    <a:latin typeface="+mn-lt"/>
+                    <a:ea typeface="+mn-ea"/>
+                    <a:cs typeface="+mn-cs"/>
+                  </a:defRPr>
+                </a:lvl9pPr>
+              </a:lstStyle>
+              <a:p>
+                <a:endParaRPr lang="en-US">
+                  <a:solidFill>
+                    <a:srgbClr val="5F5F5F"/>
+                  </a:solidFill>
+                  <a:latin typeface="Segoe UI" panose="020B0502040204020203" pitchFamily="34" charset="0"/>
+                  <a:cs typeface="Segoe UI" panose="020B0502040204020203" pitchFamily="34" charset="0"/>
+                </a:endParaRPr>
+              </a:p>
+            </p:txBody>
+          </p:sp>
+          <p:sp>
+            <p:nvSpPr>
+              <p:cNvPr id="25" name="Forward Button" descr="&lt;SmartSettings&gt;&lt;SmartResize anchorLeft=&quot;Absolute&quot; anchorTop=&quot;Absolute&quot; anchorRight=&quot;None&quot; anchorBottom=&quot;None&quot; /&gt;&lt;/SmartSettings&gt;">
+                <a:extLst>
+                  <a:ext uri="{FF2B5EF4-FFF2-40B4-BE49-F238E27FC236}">
+                    <a16:creationId xmlns:a16="http://schemas.microsoft.com/office/drawing/2014/main" id="{1A87DE73-C548-435F-920E-4BCB147D8FC2}"/>
+                  </a:ext>
+                </a:extLst>
+              </p:cNvPr>
+              <p:cNvSpPr>
+                <a:spLocks noChangeAspect="1" noEditPoints="1"/>
+              </p:cNvSpPr>
+              <p:nvPr>
+                <p:custDataLst>
+                  <p:tags r:id="rId9"/>
+                </p:custDataLst>
+              </p:nvPr>
+            </p:nvSpPr>
+            <p:spPr bwMode="auto">
+              <a:xfrm>
+                <a:off x="892656" y="1501687"/>
+                <a:ext cx="123249" cy="95555"/>
+              </a:xfrm>
+              <a:custGeom>
+                <a:avLst/>
+                <a:gdLst>
+                  <a:gd name="T0" fmla="*/ 265 w 423"/>
+                  <a:gd name="T1" fmla="*/ 0 h 332"/>
+                  <a:gd name="T2" fmla="*/ 423 w 423"/>
+                  <a:gd name="T3" fmla="*/ 166 h 332"/>
+                  <a:gd name="T4" fmla="*/ 265 w 423"/>
+                  <a:gd name="T5" fmla="*/ 332 h 332"/>
+                  <a:gd name="T6" fmla="*/ 408 w 423"/>
+                  <a:gd name="T7" fmla="*/ 166 h 332"/>
+                  <a:gd name="T8" fmla="*/ 0 w 423"/>
+                  <a:gd name="T9" fmla="*/ 166 h 332"/>
+                </a:gdLst>
+                <a:ahLst/>
+                <a:cxnLst>
+                  <a:cxn ang="0">
+                    <a:pos x="T0" y="T1"/>
+                  </a:cxn>
+                  <a:cxn ang="0">
+                    <a:pos x="T2" y="T3"/>
+                  </a:cxn>
+                  <a:cxn ang="0">
+                    <a:pos x="T4" y="T5"/>
+                  </a:cxn>
+                  <a:cxn ang="0">
+                    <a:pos x="T6" y="T7"/>
+                  </a:cxn>
+                  <a:cxn ang="0">
+                    <a:pos x="T8" y="T9"/>
+                  </a:cxn>
+                </a:cxnLst>
+                <a:rect l="0" t="0" r="r" b="b"/>
+                <a:pathLst>
+                  <a:path w="423" h="332">
+                    <a:moveTo>
+                      <a:pt x="265" y="0"/>
+                    </a:moveTo>
+                    <a:lnTo>
+                      <a:pt x="423" y="166"/>
+                    </a:lnTo>
+                    <a:lnTo>
+                      <a:pt x="265" y="332"/>
+                    </a:lnTo>
+                    <a:moveTo>
+                      <a:pt x="408" y="166"/>
+                    </a:moveTo>
+                    <a:lnTo>
+                      <a:pt x="0" y="166"/>
+                    </a:lnTo>
+                  </a:path>
+                </a:pathLst>
+              </a:custGeom>
+              <a:noFill/>
+              <a:ln w="6350" cap="sq">
+                <a:solidFill>
+                  <a:srgbClr val="808080"/>
+                </a:solidFill>
+                <a:prstDash val="solid"/>
+                <a:miter lim="800000"/>
+                <a:headEnd/>
+                <a:tailEnd/>
+              </a:ln>
+              <a:extLst>
+                <a:ext uri="{909E8E84-426E-40DD-AFC4-6F175D3DCCD1}">
+                  <a14:hiddenFill xmlns:a14="http://schemas.microsoft.com/office/drawing/2010/main">
+                    <a:solidFill>
+                      <a:srgbClr val="FFFFFF"/>
+                    </a:solidFill>
+                  </a14:hiddenFill>
+                </a:ext>
+              </a:extLst>
+            </p:spPr>
+            <p:txBody>
+              <a:bodyPr vert="horz" wrap="square" lIns="91440" tIns="45720" rIns="91440" bIns="45720" numCol="1" anchor="t" anchorCtr="0" compatLnSpc="1">
+                <a:prstTxWarp prst="textNoShape">
+                  <a:avLst/>
+                </a:prstTxWarp>
+              </a:bodyPr>
+              <a:lstStyle>
+                <a:defPPr>
+                  <a:defRPr lang="en-US"/>
+                </a:defPPr>
+                <a:lvl1pPr marL="0" algn="l" defTabSz="914400" rtl="0" eaLnBrk="1" latinLnBrk="0" hangingPunct="1">
+                  <a:defRPr sz="1800" kern="1200">
+                    <a:solidFill>
+                      <a:schemeClr val="tx1"/>
+                    </a:solidFill>
+                    <a:latin typeface="+mn-lt"/>
+                    <a:ea typeface="+mn-ea"/>
+                    <a:cs typeface="+mn-cs"/>
+                  </a:defRPr>
+                </a:lvl1pPr>
+                <a:lvl2pPr marL="457200" algn="l" defTabSz="914400" rtl="0" eaLnBrk="1" latinLnBrk="0" hangingPunct="1">
+                  <a:defRPr sz="1800" kern="1200">
+                    <a:solidFill>
+                      <a:schemeClr val="tx1"/>
+                    </a:solidFill>
+                    <a:latin typeface="+mn-lt"/>
+                    <a:ea typeface="+mn-ea"/>
+                    <a:cs typeface="+mn-cs"/>
+                  </a:defRPr>
+                </a:lvl2pPr>
+                <a:lvl3pPr marL="914400" algn="l" defTabSz="914400" rtl="0" eaLnBrk="1" latinLnBrk="0" hangingPunct="1">
+                  <a:defRPr sz="1800" kern="1200">
+                    <a:solidFill>
+                      <a:schemeClr val="tx1"/>
+                    </a:solidFill>
+                    <a:latin typeface="+mn-lt"/>
+                    <a:ea typeface="+mn-ea"/>
+                    <a:cs typeface="+mn-cs"/>
+                  </a:defRPr>
+                </a:lvl3pPr>
+                <a:lvl4pPr marL="1371600" algn="l" defTabSz="914400" rtl="0" eaLnBrk="1" latinLnBrk="0" hangingPunct="1">
+                  <a:defRPr sz="1800" kern="1200">
+                    <a:solidFill>
+                      <a:schemeClr val="tx1"/>
+                    </a:solidFill>
+                    <a:latin typeface="+mn-lt"/>
+                    <a:ea typeface="+mn-ea"/>
+                    <a:cs typeface="+mn-cs"/>
+                  </a:defRPr>
+                </a:lvl4pPr>
+                <a:lvl5pPr marL="1828800" algn="l" defTabSz="914400" rtl="0" eaLnBrk="1" latinLnBrk="0" hangingPunct="1">
+                  <a:defRPr sz="1800" kern="1200">
+                    <a:solidFill>
+                      <a:schemeClr val="tx1"/>
+                    </a:solidFill>
+                    <a:latin typeface="+mn-lt"/>
+                    <a:ea typeface="+mn-ea"/>
+                    <a:cs typeface="+mn-cs"/>
+                  </a:defRPr>
+                </a:lvl5pPr>
+                <a:lvl6pPr marL="2286000" algn="l" defTabSz="914400" rtl="0" eaLnBrk="1" latinLnBrk="0" hangingPunct="1">
+                  <a:defRPr sz="1800" kern="1200">
+                    <a:solidFill>
+                      <a:schemeClr val="tx1"/>
+                    </a:solidFill>
+                    <a:latin typeface="+mn-lt"/>
+                    <a:ea typeface="+mn-ea"/>
+                    <a:cs typeface="+mn-cs"/>
+                  </a:defRPr>
+                </a:lvl6pPr>
+                <a:lvl7pPr marL="2743200" algn="l" defTabSz="914400" rtl="0" eaLnBrk="1" latinLnBrk="0" hangingPunct="1">
+                  <a:defRPr sz="1800" kern="1200">
+                    <a:solidFill>
+                      <a:schemeClr val="tx1"/>
+                    </a:solidFill>
+                    <a:latin typeface="+mn-lt"/>
+                    <a:ea typeface="+mn-ea"/>
+                    <a:cs typeface="+mn-cs"/>
+                  </a:defRPr>
+                </a:lvl7pPr>
+                <a:lvl8pPr marL="3200400" algn="l" defTabSz="914400" rtl="0" eaLnBrk="1" latinLnBrk="0" hangingPunct="1">
+                  <a:defRPr sz="1800" kern="1200">
+                    <a:solidFill>
+                      <a:schemeClr val="tx1"/>
+                    </a:solidFill>
+                    <a:latin typeface="+mn-lt"/>
+                    <a:ea typeface="+mn-ea"/>
+                    <a:cs typeface="+mn-cs"/>
+                  </a:defRPr>
+                </a:lvl8pPr>
+                <a:lvl9pPr marL="3657600" algn="l" defTabSz="914400" rtl="0" eaLnBrk="1" latinLnBrk="0" hangingPunct="1">
+                  <a:defRPr sz="1800" kern="1200">
+                    <a:solidFill>
+                      <a:schemeClr val="tx1"/>
+                    </a:solidFill>
+                    <a:latin typeface="+mn-lt"/>
+                    <a:ea typeface="+mn-ea"/>
+                    <a:cs typeface="+mn-cs"/>
+                  </a:defRPr>
+                </a:lvl9pPr>
+              </a:lstStyle>
+              <a:p>
+                <a:endParaRPr lang="en-US">
+                  <a:solidFill>
+                    <a:srgbClr val="5F5F5F"/>
+                  </a:solidFill>
+                  <a:latin typeface="Segoe UI" panose="020B0502040204020203" pitchFamily="34" charset="0"/>
+                  <a:cs typeface="Segoe UI" panose="020B0502040204020203" pitchFamily="34" charset="0"/>
+                </a:endParaRPr>
+              </a:p>
+            </p:txBody>
+          </p:sp>
+          <p:sp>
+            <p:nvSpPr>
+              <p:cNvPr id="26" name="Reload Button" descr="&lt;SmartSettings&gt;&lt;SmartResize anchorLeft=&quot;Absolute&quot; anchorTop=&quot;Absolute&quot; anchorRight=&quot;None&quot; anchorBottom=&quot;None&quot; /&gt;&lt;/SmartSettings&gt;">
+                <a:extLst>
+                  <a:ext uri="{FF2B5EF4-FFF2-40B4-BE49-F238E27FC236}">
+                    <a16:creationId xmlns:a16="http://schemas.microsoft.com/office/drawing/2014/main" id="{79908CCA-161A-4E43-BA07-832DF02B948C}"/>
+                  </a:ext>
+                </a:extLst>
+              </p:cNvPr>
+              <p:cNvSpPr>
+                <a:spLocks noChangeAspect="1" noEditPoints="1"/>
+              </p:cNvSpPr>
+              <p:nvPr>
+                <p:custDataLst>
+                  <p:tags r:id="rId10"/>
+                </p:custDataLst>
+              </p:nvPr>
+            </p:nvSpPr>
+            <p:spPr bwMode="auto">
+              <a:xfrm>
+                <a:off x="1087801" y="1480941"/>
+                <a:ext cx="128384" cy="137046"/>
+              </a:xfrm>
+              <a:custGeom>
+                <a:avLst/>
+                <a:gdLst>
+                  <a:gd name="T0" fmla="*/ 441 w 441"/>
+                  <a:gd name="T1" fmla="*/ 7 h 474"/>
+                  <a:gd name="T2" fmla="*/ 441 w 441"/>
+                  <a:gd name="T3" fmla="*/ 144 h 474"/>
+                  <a:gd name="T4" fmla="*/ 296 w 441"/>
+                  <a:gd name="T5" fmla="*/ 144 h 474"/>
+                  <a:gd name="T6" fmla="*/ 438 w 441"/>
+                  <a:gd name="T7" fmla="*/ 309 h 474"/>
+                  <a:gd name="T8" fmla="*/ 166 w 441"/>
+                  <a:gd name="T9" fmla="*/ 434 h 474"/>
+                  <a:gd name="T10" fmla="*/ 41 w 441"/>
+                  <a:gd name="T11" fmla="*/ 162 h 474"/>
+                  <a:gd name="T12" fmla="*/ 313 w 441"/>
+                  <a:gd name="T13" fmla="*/ 37 h 474"/>
+                  <a:gd name="T14" fmla="*/ 428 w 441"/>
+                  <a:gd name="T15" fmla="*/ 139 h 474"/>
+                </a:gdLst>
+                <a:ahLst/>
+                <a:cxnLst>
+                  <a:cxn ang="0">
+                    <a:pos x="T0" y="T1"/>
+                  </a:cxn>
+                  <a:cxn ang="0">
+                    <a:pos x="T2" y="T3"/>
+                  </a:cxn>
+                  <a:cxn ang="0">
+                    <a:pos x="T4" y="T5"/>
+                  </a:cxn>
+                  <a:cxn ang="0">
+                    <a:pos x="T6" y="T7"/>
+                  </a:cxn>
+                  <a:cxn ang="0">
+                    <a:pos x="T8" y="T9"/>
+                  </a:cxn>
+                  <a:cxn ang="0">
+                    <a:pos x="T10" y="T11"/>
+                  </a:cxn>
+                  <a:cxn ang="0">
+                    <a:pos x="T12" y="T13"/>
+                  </a:cxn>
+                  <a:cxn ang="0">
+                    <a:pos x="T14" y="T15"/>
+                  </a:cxn>
+                </a:cxnLst>
+                <a:rect l="0" t="0" r="r" b="b"/>
+                <a:pathLst>
+                  <a:path w="441" h="474">
+                    <a:moveTo>
+                      <a:pt x="441" y="7"/>
+                    </a:moveTo>
+                    <a:lnTo>
+                      <a:pt x="441" y="144"/>
+                    </a:lnTo>
+                    <a:lnTo>
+                      <a:pt x="296" y="144"/>
+                    </a:lnTo>
+                    <a:moveTo>
+                      <a:pt x="438" y="309"/>
+                    </a:moveTo>
+                    <a:cubicBezTo>
+                      <a:pt x="397" y="418"/>
+                      <a:pt x="276" y="474"/>
+                      <a:pt x="166" y="434"/>
+                    </a:cubicBezTo>
+                    <a:cubicBezTo>
+                      <a:pt x="56" y="393"/>
+                      <a:pt x="0" y="271"/>
+                      <a:pt x="41" y="162"/>
+                    </a:cubicBezTo>
+                    <a:cubicBezTo>
+                      <a:pt x="82" y="52"/>
+                      <a:pt x="202" y="0"/>
+                      <a:pt x="313" y="37"/>
+                    </a:cubicBezTo>
+                    <a:cubicBezTo>
+                      <a:pt x="357" y="51"/>
+                      <a:pt x="398" y="91"/>
+                      <a:pt x="428" y="139"/>
+                    </a:cubicBezTo>
+                  </a:path>
+                </a:pathLst>
+              </a:custGeom>
+              <a:noFill/>
+              <a:ln w="6350" cap="flat">
+                <a:solidFill>
+                  <a:srgbClr val="808080"/>
+                </a:solidFill>
+                <a:prstDash val="solid"/>
+                <a:miter lim="800000"/>
+                <a:headEnd/>
+                <a:tailEnd/>
+              </a:ln>
+              <a:extLst>
+                <a:ext uri="{909E8E84-426E-40DD-AFC4-6F175D3DCCD1}">
+                  <a14:hiddenFill xmlns:a14="http://schemas.microsoft.com/office/drawing/2010/main">
+                    <a:solidFill>
+                      <a:srgbClr val="FFFFFF"/>
+                    </a:solidFill>
+                  </a14:hiddenFill>
+                </a:ext>
+              </a:extLst>
+            </p:spPr>
+            <p:txBody>
+              <a:bodyPr vert="horz" wrap="square" lIns="91440" tIns="45720" rIns="91440" bIns="45720" numCol="1" anchor="t" anchorCtr="0" compatLnSpc="1">
+                <a:prstTxWarp prst="textNoShape">
+                  <a:avLst/>
+                </a:prstTxWarp>
+              </a:bodyPr>
+              <a:lstStyle>
+                <a:defPPr>
+                  <a:defRPr lang="en-US"/>
+                </a:defPPr>
+                <a:lvl1pPr marL="0" algn="l" defTabSz="914400" rtl="0" eaLnBrk="1" latinLnBrk="0" hangingPunct="1">
+                  <a:defRPr sz="1800" kern="1200">
+                    <a:solidFill>
+                      <a:schemeClr val="tx1"/>
+                    </a:solidFill>
+                    <a:latin typeface="+mn-lt"/>
+                    <a:ea typeface="+mn-ea"/>
+                    <a:cs typeface="+mn-cs"/>
+                  </a:defRPr>
+                </a:lvl1pPr>
+                <a:lvl2pPr marL="457200" algn="l" defTabSz="914400" rtl="0" eaLnBrk="1" latinLnBrk="0" hangingPunct="1">
+                  <a:defRPr sz="1800" kern="1200">
+                    <a:solidFill>
+                      <a:schemeClr val="tx1"/>
+                    </a:solidFill>
+                    <a:latin typeface="+mn-lt"/>
+                    <a:ea typeface="+mn-ea"/>
+                    <a:cs typeface="+mn-cs"/>
+                  </a:defRPr>
+                </a:lvl2pPr>
+                <a:lvl3pPr marL="914400" algn="l" defTabSz="914400" rtl="0" eaLnBrk="1" latinLnBrk="0" hangingPunct="1">
+                  <a:defRPr sz="1800" kern="1200">
+                    <a:solidFill>
+                      <a:schemeClr val="tx1"/>
+                    </a:solidFill>
+                    <a:latin typeface="+mn-lt"/>
+                    <a:ea typeface="+mn-ea"/>
+                    <a:cs typeface="+mn-cs"/>
+                  </a:defRPr>
+                </a:lvl3pPr>
+                <a:lvl4pPr marL="1371600" algn="l" defTabSz="914400" rtl="0" eaLnBrk="1" latinLnBrk="0" hangingPunct="1">
+                  <a:defRPr sz="1800" kern="1200">
+                    <a:solidFill>
+                      <a:schemeClr val="tx1"/>
+                    </a:solidFill>
+                    <a:latin typeface="+mn-lt"/>
+                    <a:ea typeface="+mn-ea"/>
+                    <a:cs typeface="+mn-cs"/>
+                  </a:defRPr>
+                </a:lvl4pPr>
+                <a:lvl5pPr marL="1828800" algn="l" defTabSz="914400" rtl="0" eaLnBrk="1" latinLnBrk="0" hangingPunct="1">
+                  <a:defRPr sz="1800" kern="1200">
+                    <a:solidFill>
+                      <a:schemeClr val="tx1"/>
+                    </a:solidFill>
+                    <a:latin typeface="+mn-lt"/>
+                    <a:ea typeface="+mn-ea"/>
+                    <a:cs typeface="+mn-cs"/>
+                  </a:defRPr>
+                </a:lvl5pPr>
+                <a:lvl6pPr marL="2286000" algn="l" defTabSz="914400" rtl="0" eaLnBrk="1" latinLnBrk="0" hangingPunct="1">
+                  <a:defRPr sz="1800" kern="1200">
+                    <a:solidFill>
+                      <a:schemeClr val="tx1"/>
+                    </a:solidFill>
+                    <a:latin typeface="+mn-lt"/>
+                    <a:ea typeface="+mn-ea"/>
+                    <a:cs typeface="+mn-cs"/>
+                  </a:defRPr>
+                </a:lvl6pPr>
+                <a:lvl7pPr marL="2743200" algn="l" defTabSz="914400" rtl="0" eaLnBrk="1" latinLnBrk="0" hangingPunct="1">
+                  <a:defRPr sz="1800" kern="1200">
+                    <a:solidFill>
+                      <a:schemeClr val="tx1"/>
+                    </a:solidFill>
+                    <a:latin typeface="+mn-lt"/>
+                    <a:ea typeface="+mn-ea"/>
+                    <a:cs typeface="+mn-cs"/>
+                  </a:defRPr>
+                </a:lvl7pPr>
+                <a:lvl8pPr marL="3200400" algn="l" defTabSz="914400" rtl="0" eaLnBrk="1" latinLnBrk="0" hangingPunct="1">
+                  <a:defRPr sz="1800" kern="1200">
+                    <a:solidFill>
+                      <a:schemeClr val="tx1"/>
+                    </a:solidFill>
+                    <a:latin typeface="+mn-lt"/>
+                    <a:ea typeface="+mn-ea"/>
+                    <a:cs typeface="+mn-cs"/>
+                  </a:defRPr>
+                </a:lvl8pPr>
+                <a:lvl9pPr marL="3657600" algn="l" defTabSz="914400" rtl="0" eaLnBrk="1" latinLnBrk="0" hangingPunct="1">
+                  <a:defRPr sz="1800" kern="1200">
+                    <a:solidFill>
+                      <a:schemeClr val="tx1"/>
+                    </a:solidFill>
+                    <a:latin typeface="+mn-lt"/>
+                    <a:ea typeface="+mn-ea"/>
+                    <a:cs typeface="+mn-cs"/>
+                  </a:defRPr>
+                </a:lvl9pPr>
+              </a:lstStyle>
+              <a:p>
+                <a:endParaRPr lang="en-US">
+                  <a:solidFill>
+                    <a:srgbClr val="5F5F5F"/>
+                  </a:solidFill>
+                  <a:latin typeface="Segoe UI" panose="020B0502040204020203" pitchFamily="34" charset="0"/>
+                  <a:cs typeface="Segoe UI" panose="020B0502040204020203" pitchFamily="34" charset="0"/>
+                </a:endParaRPr>
+              </a:p>
+            </p:txBody>
+          </p:sp>
+        </p:grpSp>
+      </p:grpSp>
+      <p:sp>
+        <p:nvSpPr>
+          <p:cNvPr id="27" name="Rectangle 26">
+            <a:extLst>
+              <a:ext uri="{FF2B5EF4-FFF2-40B4-BE49-F238E27FC236}">
+                <a16:creationId xmlns:a16="http://schemas.microsoft.com/office/drawing/2014/main" id="{DABEAD4B-EE24-421F-AFDB-779B8AA99EFE}"/>
+              </a:ext>
+            </a:extLst>
+          </p:cNvPr>
+          <p:cNvSpPr/>
+          <p:nvPr/>
+        </p:nvSpPr>
+        <p:spPr>
+          <a:xfrm>
+            <a:off x="1627464" y="1233182"/>
+            <a:ext cx="1140903" cy="4974671"/>
+          </a:xfrm>
+          <a:prstGeom prst="rect">
+            <a:avLst/>
+          </a:prstGeom>
+          <a:solidFill>
+            <a:schemeClr val="accent1">
+              <a:lumMod val="50000"/>
+            </a:schemeClr>
+          </a:solidFill>
+        </p:spPr>
+        <p:style>
+          <a:lnRef idx="2">
+            <a:schemeClr val="accent1">
+              <a:shade val="50000"/>
+            </a:schemeClr>
+          </a:lnRef>
+          <a:fillRef idx="1">
+            <a:schemeClr val="accent1"/>
+          </a:fillRef>
+          <a:effectRef idx="0">
+            <a:schemeClr val="accent1"/>
+          </a:effectRef>
+          <a:fontRef idx="minor">
+            <a:schemeClr val="lt1"/>
+          </a:fontRef>
+        </p:style>
+        <p:txBody>
+          <a:bodyPr rtlCol="0" anchor="ctr"/>
+          <a:lstStyle/>
+          <a:p>
+            <a:pPr algn="ctr"/>
+            <a:endParaRPr lang="fr-FR"/>
+          </a:p>
+        </p:txBody>
+      </p:sp>
+      <p:sp>
+        <p:nvSpPr>
+          <p:cNvPr id="28" name="Rectangle 27">
+            <a:extLst>
+              <a:ext uri="{FF2B5EF4-FFF2-40B4-BE49-F238E27FC236}">
+                <a16:creationId xmlns:a16="http://schemas.microsoft.com/office/drawing/2014/main" id="{0F93C9CB-5EC1-4777-AC78-961DCCF59A9C}"/>
+              </a:ext>
+            </a:extLst>
+          </p:cNvPr>
+          <p:cNvSpPr/>
+          <p:nvPr/>
+        </p:nvSpPr>
+        <p:spPr>
+          <a:xfrm>
+            <a:off x="2869035" y="1308683"/>
+            <a:ext cx="1820411" cy="234891"/>
+          </a:xfrm>
+          <a:prstGeom prst="rect">
+            <a:avLst/>
+          </a:prstGeom>
+          <a:noFill/>
+        </p:spPr>
+        <p:style>
+          <a:lnRef idx="2">
+            <a:schemeClr val="accent1">
+              <a:shade val="50000"/>
+            </a:schemeClr>
+          </a:lnRef>
+          <a:fillRef idx="1">
+            <a:schemeClr val="accent1"/>
+          </a:fillRef>
+          <a:effectRef idx="0">
+            <a:schemeClr val="accent1"/>
+          </a:effectRef>
+          <a:fontRef idx="minor">
+            <a:schemeClr val="lt1"/>
+          </a:fontRef>
+        </p:style>
+        <p:txBody>
+          <a:bodyPr rtlCol="0" anchor="ctr"/>
+          <a:lstStyle/>
+          <a:p>
+            <a:pPr algn="ctr"/>
+            <a:endParaRPr lang="fr-FR"/>
+          </a:p>
+        </p:txBody>
+      </p:sp>
+      <p:sp>
+        <p:nvSpPr>
+          <p:cNvPr id="29" name="ZoneTexte 28">
+            <a:extLst>
+              <a:ext uri="{FF2B5EF4-FFF2-40B4-BE49-F238E27FC236}">
+                <a16:creationId xmlns:a16="http://schemas.microsoft.com/office/drawing/2014/main" id="{128156E1-0B91-446B-B63E-086551C8860B}"/>
+              </a:ext>
+            </a:extLst>
+          </p:cNvPr>
+          <p:cNvSpPr txBox="1"/>
+          <p:nvPr/>
+        </p:nvSpPr>
+        <p:spPr>
+          <a:xfrm>
+            <a:off x="2852257" y="1266575"/>
+            <a:ext cx="1820411" cy="276999"/>
+          </a:xfrm>
+          <a:prstGeom prst="rect">
+            <a:avLst/>
+          </a:prstGeom>
+          <a:noFill/>
+        </p:spPr>
+        <p:txBody>
+          <a:bodyPr wrap="square" rtlCol="0">
+            <a:spAutoFit/>
+          </a:bodyPr>
+          <a:lstStyle/>
+          <a:p>
+            <a:r>
+              <a:rPr lang="fr-FR" sz="1200" dirty="0"/>
+              <a:t>Recherche…</a:t>
+            </a:r>
+          </a:p>
+        </p:txBody>
+      </p:sp>
+      <p:sp>
+        <p:nvSpPr>
+          <p:cNvPr id="30" name="Rectangle 29">
+            <a:extLst>
+              <a:ext uri="{FF2B5EF4-FFF2-40B4-BE49-F238E27FC236}">
+                <a16:creationId xmlns:a16="http://schemas.microsoft.com/office/drawing/2014/main" id="{F0DEBADE-88D5-4F9A-8417-4432DCEC28F7}"/>
+              </a:ext>
+            </a:extLst>
+          </p:cNvPr>
+          <p:cNvSpPr/>
+          <p:nvPr/>
+        </p:nvSpPr>
+        <p:spPr>
+          <a:xfrm>
+            <a:off x="4404220" y="1308683"/>
+            <a:ext cx="268448" cy="234891"/>
+          </a:xfrm>
+          <a:prstGeom prst="rect">
+            <a:avLst/>
+          </a:prstGeom>
+          <a:solidFill>
+            <a:srgbClr val="002060"/>
+          </a:solidFill>
+        </p:spPr>
+        <p:style>
+          <a:lnRef idx="2">
+            <a:schemeClr val="accent1">
+              <a:shade val="50000"/>
+            </a:schemeClr>
+          </a:lnRef>
+          <a:fillRef idx="1">
+            <a:schemeClr val="accent1"/>
+          </a:fillRef>
+          <a:effectRef idx="0">
+            <a:schemeClr val="accent1"/>
+          </a:effectRef>
+          <a:fontRef idx="minor">
+            <a:schemeClr val="lt1"/>
+          </a:fontRef>
+        </p:style>
+        <p:txBody>
+          <a:bodyPr rtlCol="0" anchor="ctr"/>
+          <a:lstStyle/>
+          <a:p>
+            <a:pPr algn="ctr"/>
+            <a:endParaRPr lang="fr-FR"/>
+          </a:p>
+        </p:txBody>
+      </p:sp>
+      <p:cxnSp>
+        <p:nvCxnSpPr>
+          <p:cNvPr id="32" name="Connecteur droit 31">
+            <a:extLst>
+              <a:ext uri="{FF2B5EF4-FFF2-40B4-BE49-F238E27FC236}">
+                <a16:creationId xmlns:a16="http://schemas.microsoft.com/office/drawing/2014/main" id="{6851F495-4394-4416-B0DD-F2B4A9B85377}"/>
+              </a:ext>
+            </a:extLst>
+          </p:cNvPr>
+          <p:cNvCxnSpPr/>
+          <p:nvPr/>
+        </p:nvCxnSpPr>
+        <p:spPr>
+          <a:xfrm>
+            <a:off x="2768367" y="1728132"/>
+            <a:ext cx="7105475" cy="0"/>
+          </a:xfrm>
+          <a:prstGeom prst="line">
+            <a:avLst/>
+          </a:prstGeom>
+        </p:spPr>
+        <p:style>
+          <a:lnRef idx="1">
+            <a:schemeClr val="accent1"/>
+          </a:lnRef>
+          <a:fillRef idx="0">
+            <a:schemeClr val="accent1"/>
+          </a:fillRef>
+          <a:effectRef idx="0">
+            <a:schemeClr val="accent1"/>
+          </a:effectRef>
+          <a:fontRef idx="minor">
+            <a:schemeClr val="tx1"/>
+          </a:fontRef>
+        </p:style>
+      </p:cxnSp>
+      <p:graphicFrame>
+        <p:nvGraphicFramePr>
+          <p:cNvPr id="33" name="Tableau 33">
+            <a:extLst>
+              <a:ext uri="{FF2B5EF4-FFF2-40B4-BE49-F238E27FC236}">
+                <a16:creationId xmlns:a16="http://schemas.microsoft.com/office/drawing/2014/main" id="{A83CA33D-D8B1-4C4D-A13F-ABE437DBC681}"/>
+              </a:ext>
+            </a:extLst>
+          </p:cNvPr>
+          <p:cNvGraphicFramePr>
+            <a:graphicFrameLocks noGrp="1"/>
+          </p:cNvGraphicFramePr>
+          <p:nvPr>
+            <p:extLst>
+              <p:ext uri="{D42A27DB-BD31-4B8C-83A1-F6EECF244321}">
+                <p14:modId xmlns:p14="http://schemas.microsoft.com/office/powerpoint/2010/main" val="3650338604"/>
+              </p:ext>
+            </p:extLst>
+          </p:nvPr>
+        </p:nvGraphicFramePr>
+        <p:xfrm>
+          <a:off x="2852257" y="2377408"/>
+          <a:ext cx="6912768" cy="1483360"/>
+        </p:xfrm>
+        <a:graphic>
+          <a:graphicData uri="http://schemas.openxmlformats.org/drawingml/2006/table">
+            <a:tbl>
+              <a:tblPr firstRow="1" bandRow="1">
+                <a:tableStyleId>{5C22544A-7EE6-4342-B048-85BDC9FD1C3A}</a:tableStyleId>
+              </a:tblPr>
+              <a:tblGrid>
+                <a:gridCol w="1152128">
+                  <a:extLst>
+                    <a:ext uri="{9D8B030D-6E8A-4147-A177-3AD203B41FA5}">
+                      <a16:colId xmlns:a16="http://schemas.microsoft.com/office/drawing/2014/main" val="2239679492"/>
+                    </a:ext>
+                  </a:extLst>
+                </a:gridCol>
+                <a:gridCol w="1152128">
+                  <a:extLst>
+                    <a:ext uri="{9D8B030D-6E8A-4147-A177-3AD203B41FA5}">
+                      <a16:colId xmlns:a16="http://schemas.microsoft.com/office/drawing/2014/main" val="3118052023"/>
+                    </a:ext>
+                  </a:extLst>
+                </a:gridCol>
+                <a:gridCol w="1152128">
+                  <a:extLst>
+                    <a:ext uri="{9D8B030D-6E8A-4147-A177-3AD203B41FA5}">
+                      <a16:colId xmlns:a16="http://schemas.microsoft.com/office/drawing/2014/main" val="3893547844"/>
+                    </a:ext>
+                  </a:extLst>
+                </a:gridCol>
+                <a:gridCol w="1152128">
+                  <a:extLst>
+                    <a:ext uri="{9D8B030D-6E8A-4147-A177-3AD203B41FA5}">
+                      <a16:colId xmlns:a16="http://schemas.microsoft.com/office/drawing/2014/main" val="1523685418"/>
+                    </a:ext>
+                  </a:extLst>
+                </a:gridCol>
+                <a:gridCol w="1152128">
+                  <a:extLst>
+                    <a:ext uri="{9D8B030D-6E8A-4147-A177-3AD203B41FA5}">
+                      <a16:colId xmlns:a16="http://schemas.microsoft.com/office/drawing/2014/main" val="1537434977"/>
+                    </a:ext>
+                  </a:extLst>
+                </a:gridCol>
+                <a:gridCol w="1152128">
+                  <a:extLst>
+                    <a:ext uri="{9D8B030D-6E8A-4147-A177-3AD203B41FA5}">
+                      <a16:colId xmlns:a16="http://schemas.microsoft.com/office/drawing/2014/main" val="861266514"/>
+                    </a:ext>
+                  </a:extLst>
+                </a:gridCol>
+              </a:tblGrid>
+              <a:tr h="370840">
+                <a:tc>
+                  <a:txBody>
+                    <a:bodyPr/>
+                    <a:lstStyle/>
+                    <a:p>
+                      <a:pPr algn="ctr"/>
+                      <a:r>
+                        <a:rPr lang="fr-FR" dirty="0"/>
+                        <a:t>Nom</a:t>
+                      </a:r>
+                    </a:p>
+                  </a:txBody>
+                  <a:tcPr/>
+                </a:tc>
+                <a:tc>
+                  <a:txBody>
+                    <a:bodyPr/>
+                    <a:lstStyle/>
+                    <a:p>
+                      <a:pPr algn="ctr"/>
+                      <a:r>
+                        <a:rPr lang="fr-FR" dirty="0"/>
+                        <a:t>Date</a:t>
+                      </a:r>
+                    </a:p>
+                  </a:txBody>
+                  <a:tcPr/>
+                </a:tc>
+                <a:tc>
+                  <a:txBody>
+                    <a:bodyPr/>
+                    <a:lstStyle/>
+                    <a:p>
+                      <a:pPr algn="ctr"/>
+                      <a:r>
+                        <a:rPr lang="fr-FR" dirty="0"/>
+                        <a:t>Mail</a:t>
+                      </a:r>
+                    </a:p>
+                  </a:txBody>
+                  <a:tcPr/>
+                </a:tc>
+                <a:tc>
+                  <a:txBody>
+                    <a:bodyPr/>
+                    <a:lstStyle/>
+                    <a:p>
+                      <a:pPr algn="ctr"/>
+                      <a:r>
+                        <a:rPr lang="fr-FR" dirty="0"/>
+                        <a:t>Sujet</a:t>
+                      </a:r>
+                    </a:p>
+                  </a:txBody>
+                  <a:tcPr/>
+                </a:tc>
+                <a:tc>
+                  <a:txBody>
+                    <a:bodyPr/>
+                    <a:lstStyle/>
+                    <a:p>
+                      <a:pPr algn="ctr"/>
+                      <a:r>
+                        <a:rPr lang="fr-FR" dirty="0"/>
+                        <a:t>Message</a:t>
+                      </a:r>
+                    </a:p>
+                  </a:txBody>
+                  <a:tcPr/>
+                </a:tc>
+                <a:tc>
+                  <a:txBody>
+                    <a:bodyPr/>
+                    <a:lstStyle/>
+                    <a:p>
+                      <a:pPr algn="ctr"/>
+                      <a:r>
+                        <a:rPr lang="fr-FR" dirty="0"/>
+                        <a:t>Action</a:t>
+                      </a:r>
+                    </a:p>
+                  </a:txBody>
+                  <a:tcPr/>
+                </a:tc>
+                <a:extLst>
+                  <a:ext uri="{0D108BD9-81ED-4DB2-BD59-A6C34878D82A}">
+                    <a16:rowId xmlns:a16="http://schemas.microsoft.com/office/drawing/2014/main" val="2826838041"/>
+                  </a:ext>
+                </a:extLst>
+              </a:tr>
+              <a:tr h="370840">
+                <a:tc>
+                  <a:txBody>
+                    <a:bodyPr/>
+                    <a:lstStyle/>
+                    <a:p>
+                      <a:endParaRPr lang="fr-FR"/>
+                    </a:p>
+                  </a:txBody>
+                  <a:tcPr/>
+                </a:tc>
+                <a:tc>
+                  <a:txBody>
+                    <a:bodyPr/>
+                    <a:lstStyle/>
+                    <a:p>
+                      <a:endParaRPr lang="fr-FR"/>
+                    </a:p>
+                  </a:txBody>
+                  <a:tcPr/>
+                </a:tc>
+                <a:tc>
+                  <a:txBody>
+                    <a:bodyPr/>
+                    <a:lstStyle/>
+                    <a:p>
+                      <a:endParaRPr lang="fr-FR"/>
+                    </a:p>
+                  </a:txBody>
+                  <a:tcPr/>
+                </a:tc>
+                <a:tc>
+                  <a:txBody>
+                    <a:bodyPr/>
+                    <a:lstStyle/>
+                    <a:p>
+                      <a:endParaRPr lang="fr-FR"/>
+                    </a:p>
+                  </a:txBody>
+                  <a:tcPr/>
+                </a:tc>
+                <a:tc>
+                  <a:txBody>
+                    <a:bodyPr/>
+                    <a:lstStyle/>
+                    <a:p>
+                      <a:endParaRPr lang="fr-FR"/>
+                    </a:p>
+                  </a:txBody>
+                  <a:tcPr/>
+                </a:tc>
+                <a:tc>
+                  <a:txBody>
+                    <a:bodyPr/>
+                    <a:lstStyle/>
+                    <a:p>
+                      <a:endParaRPr lang="fr-FR"/>
+                    </a:p>
+                  </a:txBody>
+                  <a:tcPr/>
+                </a:tc>
+                <a:extLst>
+                  <a:ext uri="{0D108BD9-81ED-4DB2-BD59-A6C34878D82A}">
+                    <a16:rowId xmlns:a16="http://schemas.microsoft.com/office/drawing/2014/main" val="1920692755"/>
+                  </a:ext>
+                </a:extLst>
+              </a:tr>
+              <a:tr h="370840">
+                <a:tc>
+                  <a:txBody>
+                    <a:bodyPr/>
+                    <a:lstStyle/>
+                    <a:p>
+                      <a:endParaRPr lang="fr-FR"/>
+                    </a:p>
+                  </a:txBody>
+                  <a:tcPr/>
+                </a:tc>
+                <a:tc>
+                  <a:txBody>
+                    <a:bodyPr/>
+                    <a:lstStyle/>
+                    <a:p>
+                      <a:endParaRPr lang="fr-FR"/>
+                    </a:p>
+                  </a:txBody>
+                  <a:tcPr/>
+                </a:tc>
+                <a:tc>
+                  <a:txBody>
+                    <a:bodyPr/>
+                    <a:lstStyle/>
+                    <a:p>
+                      <a:endParaRPr lang="fr-FR"/>
+                    </a:p>
+                  </a:txBody>
+                  <a:tcPr/>
+                </a:tc>
+                <a:tc>
+                  <a:txBody>
+                    <a:bodyPr/>
+                    <a:lstStyle/>
+                    <a:p>
+                      <a:endParaRPr lang="fr-FR"/>
+                    </a:p>
+                  </a:txBody>
+                  <a:tcPr/>
+                </a:tc>
+                <a:tc>
+                  <a:txBody>
+                    <a:bodyPr/>
+                    <a:lstStyle/>
+                    <a:p>
+                      <a:endParaRPr lang="fr-FR"/>
+                    </a:p>
+                  </a:txBody>
+                  <a:tcPr/>
+                </a:tc>
+                <a:tc>
+                  <a:txBody>
+                    <a:bodyPr/>
+                    <a:lstStyle/>
+                    <a:p>
+                      <a:endParaRPr lang="fr-FR"/>
+                    </a:p>
+                  </a:txBody>
+                  <a:tcPr/>
+                </a:tc>
+                <a:extLst>
+                  <a:ext uri="{0D108BD9-81ED-4DB2-BD59-A6C34878D82A}">
+                    <a16:rowId xmlns:a16="http://schemas.microsoft.com/office/drawing/2014/main" val="2116992647"/>
+                  </a:ext>
+                </a:extLst>
+              </a:tr>
+              <a:tr h="370840">
+                <a:tc>
+                  <a:txBody>
+                    <a:bodyPr/>
+                    <a:lstStyle/>
+                    <a:p>
+                      <a:endParaRPr lang="fr-FR"/>
+                    </a:p>
+                  </a:txBody>
+                  <a:tcPr/>
+                </a:tc>
+                <a:tc>
+                  <a:txBody>
+                    <a:bodyPr/>
+                    <a:lstStyle/>
+                    <a:p>
+                      <a:endParaRPr lang="fr-FR"/>
+                    </a:p>
+                  </a:txBody>
+                  <a:tcPr/>
+                </a:tc>
+                <a:tc>
+                  <a:txBody>
+                    <a:bodyPr/>
+                    <a:lstStyle/>
+                    <a:p>
+                      <a:endParaRPr lang="fr-FR"/>
+                    </a:p>
+                  </a:txBody>
+                  <a:tcPr/>
+                </a:tc>
+                <a:tc>
+                  <a:txBody>
+                    <a:bodyPr/>
+                    <a:lstStyle/>
+                    <a:p>
+                      <a:endParaRPr lang="fr-FR"/>
+                    </a:p>
+                  </a:txBody>
+                  <a:tcPr/>
+                </a:tc>
+                <a:tc>
+                  <a:txBody>
+                    <a:bodyPr/>
+                    <a:lstStyle/>
+                    <a:p>
+                      <a:endParaRPr lang="fr-FR"/>
+                    </a:p>
+                  </a:txBody>
+                  <a:tcPr/>
+                </a:tc>
+                <a:tc>
+                  <a:txBody>
+                    <a:bodyPr/>
+                    <a:lstStyle/>
+                    <a:p>
+                      <a:endParaRPr lang="fr-FR" dirty="0"/>
+                    </a:p>
+                  </a:txBody>
+                  <a:tcPr/>
+                </a:tc>
+                <a:extLst>
+                  <a:ext uri="{0D108BD9-81ED-4DB2-BD59-A6C34878D82A}">
+                    <a16:rowId xmlns:a16="http://schemas.microsoft.com/office/drawing/2014/main" val="3808404083"/>
+                  </a:ext>
+                </a:extLst>
+              </a:tr>
+            </a:tbl>
+          </a:graphicData>
+        </a:graphic>
+      </p:graphicFrame>
+      <p:sp>
+        <p:nvSpPr>
+          <p:cNvPr id="34" name="ZoneTexte 33">
+            <a:extLst>
+              <a:ext uri="{FF2B5EF4-FFF2-40B4-BE49-F238E27FC236}">
+                <a16:creationId xmlns:a16="http://schemas.microsoft.com/office/drawing/2014/main" id="{FE29EB34-DFBB-4B0A-9EC8-D7702DB4197D}"/>
+              </a:ext>
+            </a:extLst>
+          </p:cNvPr>
+          <p:cNvSpPr txBox="1"/>
+          <p:nvPr/>
+        </p:nvSpPr>
+        <p:spPr>
+          <a:xfrm>
+            <a:off x="7474591" y="1308683"/>
+            <a:ext cx="2290434" cy="276999"/>
+          </a:xfrm>
+          <a:prstGeom prst="rect">
+            <a:avLst/>
+          </a:prstGeom>
+          <a:noFill/>
+        </p:spPr>
+        <p:txBody>
+          <a:bodyPr wrap="square" rtlCol="0">
+            <a:spAutoFit/>
+          </a:bodyPr>
+          <a:lstStyle/>
+          <a:p>
+            <a:r>
+              <a:rPr lang="fr-FR" sz="1200" dirty="0"/>
+              <a:t>       Retour au site    Déconnexion</a:t>
+            </a:r>
+          </a:p>
+        </p:txBody>
+      </p:sp>
+      <p:sp>
+        <p:nvSpPr>
+          <p:cNvPr id="35" name="ZoneTexte 34">
+            <a:extLst>
+              <a:ext uri="{FF2B5EF4-FFF2-40B4-BE49-F238E27FC236}">
+                <a16:creationId xmlns:a16="http://schemas.microsoft.com/office/drawing/2014/main" id="{3DA05540-822C-4BD8-A9F1-059C32FC9F16}"/>
+              </a:ext>
+            </a:extLst>
+          </p:cNvPr>
+          <p:cNvSpPr txBox="1"/>
+          <p:nvPr/>
+        </p:nvSpPr>
+        <p:spPr>
+          <a:xfrm>
+            <a:off x="1627464" y="2518180"/>
+            <a:ext cx="1136135" cy="830997"/>
+          </a:xfrm>
+          <a:prstGeom prst="rect">
+            <a:avLst/>
+          </a:prstGeom>
+          <a:noFill/>
+        </p:spPr>
+        <p:txBody>
+          <a:bodyPr wrap="square" rtlCol="0">
+            <a:spAutoFit/>
+          </a:bodyPr>
+          <a:lstStyle/>
+          <a:p>
+            <a:pPr algn="ctr"/>
+            <a:r>
+              <a:rPr lang="fr-FR" sz="1200" dirty="0">
+                <a:solidFill>
+                  <a:schemeClr val="bg1"/>
+                </a:solidFill>
+              </a:rPr>
+              <a:t>Boîte de réception</a:t>
+            </a:r>
+          </a:p>
+          <a:p>
+            <a:pPr algn="ctr"/>
+            <a:r>
+              <a:rPr lang="fr-FR" sz="1200" dirty="0">
+                <a:solidFill>
+                  <a:schemeClr val="bg1"/>
+                </a:solidFill>
+              </a:rPr>
+              <a:t>Envoyés</a:t>
+            </a:r>
+          </a:p>
+          <a:p>
+            <a:pPr algn="ctr"/>
+            <a:r>
+              <a:rPr lang="fr-FR" sz="1200" dirty="0">
+                <a:solidFill>
+                  <a:schemeClr val="bg1"/>
+                </a:solidFill>
+              </a:rPr>
+              <a:t>Corbeille</a:t>
+            </a:r>
+          </a:p>
+        </p:txBody>
+      </p:sp>
+      <p:cxnSp>
+        <p:nvCxnSpPr>
+          <p:cNvPr id="36" name="Connecteur droit 35">
+            <a:extLst>
+              <a:ext uri="{FF2B5EF4-FFF2-40B4-BE49-F238E27FC236}">
+                <a16:creationId xmlns:a16="http://schemas.microsoft.com/office/drawing/2014/main" id="{08C6E132-DDC6-49F1-A5E6-B2849A7E8AAE}"/>
+              </a:ext>
+            </a:extLst>
+          </p:cNvPr>
+          <p:cNvCxnSpPr/>
+          <p:nvPr/>
+        </p:nvCxnSpPr>
+        <p:spPr>
+          <a:xfrm>
+            <a:off x="2763599" y="5512965"/>
+            <a:ext cx="7105475" cy="0"/>
+          </a:xfrm>
+          <a:prstGeom prst="line">
+            <a:avLst/>
+          </a:prstGeom>
+          <a:ln>
+            <a:solidFill>
+              <a:schemeClr val="bg2"/>
+            </a:solidFill>
+          </a:ln>
+        </p:spPr>
+        <p:style>
+          <a:lnRef idx="1">
+            <a:schemeClr val="accent1"/>
+          </a:lnRef>
+          <a:fillRef idx="0">
+            <a:schemeClr val="accent1"/>
+          </a:fillRef>
+          <a:effectRef idx="0">
+            <a:schemeClr val="accent1"/>
+          </a:effectRef>
+          <a:fontRef idx="minor">
+            <a:schemeClr val="tx1"/>
+          </a:fontRef>
+        </p:style>
+      </p:cxnSp>
+      <p:sp>
+        <p:nvSpPr>
+          <p:cNvPr id="37" name="ZoneTexte 36">
+            <a:extLst>
+              <a:ext uri="{FF2B5EF4-FFF2-40B4-BE49-F238E27FC236}">
+                <a16:creationId xmlns:a16="http://schemas.microsoft.com/office/drawing/2014/main" id="{6C7B8672-7288-46DE-AF49-6FEC0A1F2408}"/>
+              </a:ext>
+            </a:extLst>
+          </p:cNvPr>
+          <p:cNvSpPr txBox="1"/>
+          <p:nvPr/>
+        </p:nvSpPr>
+        <p:spPr>
+          <a:xfrm>
+            <a:off x="5410899" y="5712903"/>
+            <a:ext cx="2172749" cy="276999"/>
+          </a:xfrm>
+          <a:prstGeom prst="rect">
+            <a:avLst/>
+          </a:prstGeom>
+          <a:noFill/>
+        </p:spPr>
+        <p:txBody>
+          <a:bodyPr wrap="square" rtlCol="0">
+            <a:spAutoFit/>
+          </a:bodyPr>
+          <a:lstStyle/>
+          <a:p>
+            <a:r>
+              <a:rPr lang="fr-FR" sz="1200" dirty="0"/>
+              <a:t>Copyright </a:t>
+            </a:r>
+            <a:r>
+              <a:rPr lang="fr-FR" sz="1200" dirty="0" err="1"/>
+              <a:t>Areliann</a:t>
+            </a:r>
+            <a:r>
+              <a:rPr lang="fr-FR" sz="1200" dirty="0"/>
+              <a:t> 2020</a:t>
+            </a:r>
+          </a:p>
+        </p:txBody>
+      </p:sp>
+      <p:sp>
+        <p:nvSpPr>
+          <p:cNvPr id="38" name="ZoneTexte 37">
+            <a:extLst>
+              <a:ext uri="{FF2B5EF4-FFF2-40B4-BE49-F238E27FC236}">
+                <a16:creationId xmlns:a16="http://schemas.microsoft.com/office/drawing/2014/main" id="{5E883142-C8C0-4AAD-B691-BDD9F0192708}"/>
+              </a:ext>
+            </a:extLst>
+          </p:cNvPr>
+          <p:cNvSpPr txBox="1"/>
+          <p:nvPr/>
+        </p:nvSpPr>
+        <p:spPr>
+          <a:xfrm>
+            <a:off x="2869035" y="1912690"/>
+            <a:ext cx="2659310" cy="369332"/>
+          </a:xfrm>
+          <a:prstGeom prst="rect">
+            <a:avLst/>
+          </a:prstGeom>
+          <a:noFill/>
+        </p:spPr>
+        <p:txBody>
+          <a:bodyPr wrap="square" rtlCol="0">
+            <a:spAutoFit/>
+          </a:bodyPr>
+          <a:lstStyle/>
+          <a:p>
+            <a:r>
+              <a:rPr lang="fr-FR" dirty="0"/>
+              <a:t>Message Reçus</a:t>
+            </a:r>
+          </a:p>
+        </p:txBody>
+      </p:sp>
+    </p:spTree>
+    <p:extLst>
+      <p:ext uri="{BB962C8B-B14F-4D97-AF65-F5344CB8AC3E}">
+        <p14:creationId xmlns:p14="http://schemas.microsoft.com/office/powerpoint/2010/main" val="4003434670"/>
+      </p:ext>
+    </p:extLst>
+  </p:cSld>
+  <p:clrMapOvr>
+    <a:masterClrMapping/>
+  </p:clrMapOvr>
+</p:sld>
+</file>
+
+<file path=ppt/slides/slide25.xml><?xml version="1.0" encoding="utf-8"?>
+<p:sld xmlns:a="http://schemas.openxmlformats.org/drawingml/2006/main" xmlns:r="http://schemas.openxmlformats.org/officeDocument/2006/relationships" xmlns:p="http://schemas.openxmlformats.org/presentationml/2006/main">
+  <p:cSld>
+    <p:spTree>
+      <p:nvGrpSpPr>
+        <p:cNvPr id="1" name=""/>
+        <p:cNvGrpSpPr/>
+        <p:nvPr/>
+      </p:nvGrpSpPr>
+      <p:grpSpPr>
+        <a:xfrm>
+          <a:off x="0" y="0"/>
+          <a:ext cx="0" cy="0"/>
+          <a:chOff x="0" y="0"/>
+          <a:chExt cx="0" cy="0"/>
+        </a:xfrm>
+      </p:grpSpPr>
+      <p:grpSp>
+        <p:nvGrpSpPr>
+          <p:cNvPr id="16" name="Browser" descr="&lt;SmartSettings&gt;&lt;SmartResize enabled=&quot;True&quot; minWidth=&quot;140&quot; minHeight=&quot;50&quot; /&gt;&lt;/SmartSettings&gt;">
+            <a:extLst>
+              <a:ext uri="{FF2B5EF4-FFF2-40B4-BE49-F238E27FC236}">
+                <a16:creationId xmlns:a16="http://schemas.microsoft.com/office/drawing/2014/main" id="{95AEB290-DCD0-4DB3-A11E-4CEF11D0154A}"/>
+              </a:ext>
+            </a:extLst>
+          </p:cNvPr>
+          <p:cNvGrpSpPr/>
+          <p:nvPr>
+            <p:custDataLst>
+              <p:tags r:id="rId1"/>
+            </p:custDataLst>
+          </p:nvPr>
+        </p:nvGrpSpPr>
+        <p:grpSpPr>
+          <a:xfrm>
+            <a:off x="1607984" y="694128"/>
+            <a:ext cx="8245698" cy="5495622"/>
+            <a:chOff x="595683" y="1261242"/>
+            <a:chExt cx="6668462" cy="4352544"/>
+          </a:xfrm>
+        </p:grpSpPr>
+        <p:sp>
+          <p:nvSpPr>
+            <p:cNvPr id="17" name="Window Body" descr="&lt;SmartSettings&gt;&lt;SmartResize anchorLeft=&quot;Absolute&quot; anchorTop=&quot;Absolute&quot; anchorRight=&quot;Absolute&quot; anchorBottom=&quot;Absolute&quot; /&gt;&lt;/SmartSettings&gt;">
+              <a:extLst>
+                <a:ext uri="{FF2B5EF4-FFF2-40B4-BE49-F238E27FC236}">
+                  <a16:creationId xmlns:a16="http://schemas.microsoft.com/office/drawing/2014/main" id="{9E4D755F-2A05-4B72-B9B2-9B95AE8A3E63}"/>
+                </a:ext>
+              </a:extLst>
+            </p:cNvPr>
+            <p:cNvSpPr/>
+            <p:nvPr>
+              <p:custDataLst>
+                <p:tags r:id="rId2"/>
+              </p:custDataLst>
+            </p:nvPr>
+          </p:nvSpPr>
+          <p:spPr>
+            <a:xfrm>
+              <a:off x="595683" y="1684951"/>
+              <a:ext cx="6668462" cy="3928835"/>
+            </a:xfrm>
+            <a:prstGeom prst="rect">
+              <a:avLst/>
+            </a:prstGeom>
+            <a:solidFill>
+              <a:srgbClr val="FFFFFF"/>
+            </a:solidFill>
+            <a:ln w="6350">
+              <a:solidFill>
+                <a:srgbClr val="808080"/>
+              </a:solidFill>
+            </a:ln>
+          </p:spPr>
+          <p:style>
+            <a:lnRef idx="2">
+              <a:schemeClr val="accent1">
+                <a:shade val="50000"/>
+              </a:schemeClr>
+            </a:lnRef>
+            <a:fillRef idx="1">
+              <a:schemeClr val="accent1"/>
+            </a:fillRef>
+            <a:effectRef idx="0">
+              <a:schemeClr val="accent1"/>
+            </a:effectRef>
+            <a:fontRef idx="minor">
+              <a:schemeClr val="lt1"/>
+            </a:fontRef>
+          </p:style>
+          <p:txBody>
+            <a:bodyPr rot="0" spcFirstLastPara="0" vert="horz" wrap="square" lIns="91440" tIns="45720" rIns="91440" bIns="45720" numCol="1" spcCol="0" rtlCol="0" fromWordArt="0" anchor="ctr" anchorCtr="0" forceAA="0" compatLnSpc="1">
+              <a:prstTxWarp prst="textNoShape">
+                <a:avLst/>
+              </a:prstTxWarp>
+              <a:noAutofit/>
+            </a:bodyPr>
+            <a:lstStyle>
+              <a:defPPr>
+                <a:defRPr lang="en-US"/>
+              </a:defPPr>
+              <a:lvl1pPr marL="0" algn="l" defTabSz="914400" rtl="0" eaLnBrk="1" latinLnBrk="0" hangingPunct="1">
+                <a:defRPr sz="1800" kern="1200">
+                  <a:solidFill>
+                    <a:schemeClr val="lt1"/>
+                  </a:solidFill>
+                  <a:latin typeface="+mn-lt"/>
+                  <a:ea typeface="+mn-ea"/>
+                  <a:cs typeface="+mn-cs"/>
+                </a:defRPr>
+              </a:lvl1pPr>
+              <a:lvl2pPr marL="457200" algn="l" defTabSz="914400" rtl="0" eaLnBrk="1" latinLnBrk="0" hangingPunct="1">
+                <a:defRPr sz="1800" kern="1200">
+                  <a:solidFill>
+                    <a:schemeClr val="lt1"/>
+                  </a:solidFill>
+                  <a:latin typeface="+mn-lt"/>
+                  <a:ea typeface="+mn-ea"/>
+                  <a:cs typeface="+mn-cs"/>
+                </a:defRPr>
+              </a:lvl2pPr>
+              <a:lvl3pPr marL="914400" algn="l" defTabSz="914400" rtl="0" eaLnBrk="1" latinLnBrk="0" hangingPunct="1">
+                <a:defRPr sz="1800" kern="1200">
+                  <a:solidFill>
+                    <a:schemeClr val="lt1"/>
+                  </a:solidFill>
+                  <a:latin typeface="+mn-lt"/>
+                  <a:ea typeface="+mn-ea"/>
+                  <a:cs typeface="+mn-cs"/>
+                </a:defRPr>
+              </a:lvl3pPr>
+              <a:lvl4pPr marL="1371600" algn="l" defTabSz="914400" rtl="0" eaLnBrk="1" latinLnBrk="0" hangingPunct="1">
+                <a:defRPr sz="1800" kern="1200">
+                  <a:solidFill>
+                    <a:schemeClr val="lt1"/>
+                  </a:solidFill>
+                  <a:latin typeface="+mn-lt"/>
+                  <a:ea typeface="+mn-ea"/>
+                  <a:cs typeface="+mn-cs"/>
+                </a:defRPr>
+              </a:lvl4pPr>
+              <a:lvl5pPr marL="1828800" algn="l" defTabSz="914400" rtl="0" eaLnBrk="1" latinLnBrk="0" hangingPunct="1">
+                <a:defRPr sz="1800" kern="1200">
+                  <a:solidFill>
+                    <a:schemeClr val="lt1"/>
+                  </a:solidFill>
+                  <a:latin typeface="+mn-lt"/>
+                  <a:ea typeface="+mn-ea"/>
+                  <a:cs typeface="+mn-cs"/>
+                </a:defRPr>
+              </a:lvl5pPr>
+              <a:lvl6pPr marL="2286000" algn="l" defTabSz="914400" rtl="0" eaLnBrk="1" latinLnBrk="0" hangingPunct="1">
+                <a:defRPr sz="1800" kern="1200">
+                  <a:solidFill>
+                    <a:schemeClr val="lt1"/>
+                  </a:solidFill>
+                  <a:latin typeface="+mn-lt"/>
+                  <a:ea typeface="+mn-ea"/>
+                  <a:cs typeface="+mn-cs"/>
+                </a:defRPr>
+              </a:lvl6pPr>
+              <a:lvl7pPr marL="2743200" algn="l" defTabSz="914400" rtl="0" eaLnBrk="1" latinLnBrk="0" hangingPunct="1">
+                <a:defRPr sz="1800" kern="1200">
+                  <a:solidFill>
+                    <a:schemeClr val="lt1"/>
+                  </a:solidFill>
+                  <a:latin typeface="+mn-lt"/>
+                  <a:ea typeface="+mn-ea"/>
+                  <a:cs typeface="+mn-cs"/>
+                </a:defRPr>
+              </a:lvl7pPr>
+              <a:lvl8pPr marL="3200400" algn="l" defTabSz="914400" rtl="0" eaLnBrk="1" latinLnBrk="0" hangingPunct="1">
+                <a:defRPr sz="1800" kern="1200">
+                  <a:solidFill>
+                    <a:schemeClr val="lt1"/>
+                  </a:solidFill>
+                  <a:latin typeface="+mn-lt"/>
+                  <a:ea typeface="+mn-ea"/>
+                  <a:cs typeface="+mn-cs"/>
+                </a:defRPr>
+              </a:lvl8pPr>
+              <a:lvl9pPr marL="3657600" algn="l" defTabSz="914400" rtl="0" eaLnBrk="1" latinLnBrk="0" hangingPunct="1">
+                <a:defRPr sz="1800" kern="1200">
+                  <a:solidFill>
+                    <a:schemeClr val="lt1"/>
+                  </a:solidFill>
+                  <a:latin typeface="+mn-lt"/>
+                  <a:ea typeface="+mn-ea"/>
+                  <a:cs typeface="+mn-cs"/>
+                </a:defRPr>
+              </a:lvl9pPr>
+            </a:lstStyle>
+            <a:p>
+              <a:pPr algn="ctr"/>
+              <a:endParaRPr lang="en-US" sz="900" dirty="0">
+                <a:solidFill>
+                  <a:srgbClr val="5F5F5F"/>
+                </a:solidFill>
+                <a:latin typeface="Segoe UI" panose="020B0502040204020203" pitchFamily="34" charset="0"/>
+                <a:cs typeface="Segoe UI" panose="020B0502040204020203" pitchFamily="34" charset="0"/>
+              </a:endParaRPr>
+            </a:p>
+          </p:txBody>
+        </p:sp>
+        <p:sp>
+          <p:nvSpPr>
+            <p:cNvPr id="18" name="Title Bar" descr="&lt;SmartSettings&gt;&lt;SmartResize anchorLeft=&quot;Absolute&quot; anchorTop=&quot;Absolute&quot; anchorRight=&quot;Absolute&quot; anchorBottom=&quot;None&quot; /&gt;&lt;/SmartSettings&gt;">
+              <a:extLst>
+                <a:ext uri="{FF2B5EF4-FFF2-40B4-BE49-F238E27FC236}">
+                  <a16:creationId xmlns:a16="http://schemas.microsoft.com/office/drawing/2014/main" id="{883131B2-9A3C-4591-A811-AAB0FAFB4B4E}"/>
+                </a:ext>
+              </a:extLst>
+            </p:cNvPr>
+            <p:cNvSpPr/>
+            <p:nvPr>
+              <p:custDataLst>
+                <p:tags r:id="rId3"/>
+              </p:custDataLst>
+            </p:nvPr>
+          </p:nvSpPr>
+          <p:spPr>
+            <a:xfrm>
+              <a:off x="595683" y="1261242"/>
+              <a:ext cx="6668462" cy="425367"/>
+            </a:xfrm>
+            <a:prstGeom prst="rect">
+              <a:avLst/>
+            </a:prstGeom>
+            <a:solidFill>
+              <a:srgbClr val="FFFFFF"/>
+            </a:solidFill>
+            <a:ln w="6350">
+              <a:solidFill>
+                <a:srgbClr val="808080"/>
+              </a:solidFill>
+            </a:ln>
+          </p:spPr>
+          <p:style>
+            <a:lnRef idx="2">
+              <a:schemeClr val="accent1">
+                <a:shade val="50000"/>
+              </a:schemeClr>
+            </a:lnRef>
+            <a:fillRef idx="1">
+              <a:schemeClr val="accent1"/>
+            </a:fillRef>
+            <a:effectRef idx="0">
+              <a:schemeClr val="accent1"/>
+            </a:effectRef>
+            <a:fontRef idx="minor">
+              <a:schemeClr val="lt1"/>
+            </a:fontRef>
+          </p:style>
+          <p:txBody>
+            <a:bodyPr rot="0" spcFirstLastPara="0" vert="horz" wrap="square" lIns="91440" tIns="45720" rIns="228600" bIns="45720" numCol="1" spcCol="0" rtlCol="0" fromWordArt="0" anchor="t" anchorCtr="0" forceAA="0" compatLnSpc="1">
+              <a:prstTxWarp prst="textNoShape">
+                <a:avLst/>
+              </a:prstTxWarp>
+              <a:noAutofit/>
+            </a:bodyPr>
+            <a:lstStyle>
+              <a:defPPr>
+                <a:defRPr lang="en-US"/>
+              </a:defPPr>
+              <a:lvl1pPr marL="0" algn="l" defTabSz="914400" rtl="0" eaLnBrk="1" latinLnBrk="0" hangingPunct="1">
+                <a:defRPr sz="1800" kern="1200">
+                  <a:solidFill>
+                    <a:schemeClr val="lt1"/>
+                  </a:solidFill>
+                  <a:latin typeface="+mn-lt"/>
+                  <a:ea typeface="+mn-ea"/>
+                  <a:cs typeface="+mn-cs"/>
+                </a:defRPr>
+              </a:lvl1pPr>
+              <a:lvl2pPr marL="457200" algn="l" defTabSz="914400" rtl="0" eaLnBrk="1" latinLnBrk="0" hangingPunct="1">
+                <a:defRPr sz="1800" kern="1200">
+                  <a:solidFill>
+                    <a:schemeClr val="lt1"/>
+                  </a:solidFill>
+                  <a:latin typeface="+mn-lt"/>
+                  <a:ea typeface="+mn-ea"/>
+                  <a:cs typeface="+mn-cs"/>
+                </a:defRPr>
+              </a:lvl2pPr>
+              <a:lvl3pPr marL="914400" algn="l" defTabSz="914400" rtl="0" eaLnBrk="1" latinLnBrk="0" hangingPunct="1">
+                <a:defRPr sz="1800" kern="1200">
+                  <a:solidFill>
+                    <a:schemeClr val="lt1"/>
+                  </a:solidFill>
+                  <a:latin typeface="+mn-lt"/>
+                  <a:ea typeface="+mn-ea"/>
+                  <a:cs typeface="+mn-cs"/>
+                </a:defRPr>
+              </a:lvl3pPr>
+              <a:lvl4pPr marL="1371600" algn="l" defTabSz="914400" rtl="0" eaLnBrk="1" latinLnBrk="0" hangingPunct="1">
+                <a:defRPr sz="1800" kern="1200">
+                  <a:solidFill>
+                    <a:schemeClr val="lt1"/>
+                  </a:solidFill>
+                  <a:latin typeface="+mn-lt"/>
+                  <a:ea typeface="+mn-ea"/>
+                  <a:cs typeface="+mn-cs"/>
+                </a:defRPr>
+              </a:lvl4pPr>
+              <a:lvl5pPr marL="1828800" algn="l" defTabSz="914400" rtl="0" eaLnBrk="1" latinLnBrk="0" hangingPunct="1">
+                <a:defRPr sz="1800" kern="1200">
+                  <a:solidFill>
+                    <a:schemeClr val="lt1"/>
+                  </a:solidFill>
+                  <a:latin typeface="+mn-lt"/>
+                  <a:ea typeface="+mn-ea"/>
+                  <a:cs typeface="+mn-cs"/>
+                </a:defRPr>
+              </a:lvl5pPr>
+              <a:lvl6pPr marL="2286000" algn="l" defTabSz="914400" rtl="0" eaLnBrk="1" latinLnBrk="0" hangingPunct="1">
+                <a:defRPr sz="1800" kern="1200">
+                  <a:solidFill>
+                    <a:schemeClr val="lt1"/>
+                  </a:solidFill>
+                  <a:latin typeface="+mn-lt"/>
+                  <a:ea typeface="+mn-ea"/>
+                  <a:cs typeface="+mn-cs"/>
+                </a:defRPr>
+              </a:lvl6pPr>
+              <a:lvl7pPr marL="2743200" algn="l" defTabSz="914400" rtl="0" eaLnBrk="1" latinLnBrk="0" hangingPunct="1">
+                <a:defRPr sz="1800" kern="1200">
+                  <a:solidFill>
+                    <a:schemeClr val="lt1"/>
+                  </a:solidFill>
+                  <a:latin typeface="+mn-lt"/>
+                  <a:ea typeface="+mn-ea"/>
+                  <a:cs typeface="+mn-cs"/>
+                </a:defRPr>
+              </a:lvl7pPr>
+              <a:lvl8pPr marL="3200400" algn="l" defTabSz="914400" rtl="0" eaLnBrk="1" latinLnBrk="0" hangingPunct="1">
+                <a:defRPr sz="1800" kern="1200">
+                  <a:solidFill>
+                    <a:schemeClr val="lt1"/>
+                  </a:solidFill>
+                  <a:latin typeface="+mn-lt"/>
+                  <a:ea typeface="+mn-ea"/>
+                  <a:cs typeface="+mn-cs"/>
+                </a:defRPr>
+              </a:lvl8pPr>
+              <a:lvl9pPr marL="3657600" algn="l" defTabSz="914400" rtl="0" eaLnBrk="1" latinLnBrk="0" hangingPunct="1">
+                <a:defRPr sz="1800" kern="1200">
+                  <a:solidFill>
+                    <a:schemeClr val="lt1"/>
+                  </a:solidFill>
+                  <a:latin typeface="+mn-lt"/>
+                  <a:ea typeface="+mn-ea"/>
+                  <a:cs typeface="+mn-cs"/>
+                </a:defRPr>
+              </a:lvl9pPr>
+            </a:lstStyle>
+            <a:p>
+              <a:r>
+                <a:rPr lang="en-US" sz="900" dirty="0">
+                  <a:solidFill>
+                    <a:srgbClr val="5F5F5F"/>
+                  </a:solidFill>
+                  <a:latin typeface="Segoe UI" panose="020B0502040204020203" pitchFamily="34" charset="0"/>
+                  <a:cs typeface="Segoe UI" panose="020B0502040204020203" pitchFamily="34" charset="0"/>
+                </a:rPr>
+                <a:t>Browser</a:t>
+              </a:r>
+            </a:p>
+          </p:txBody>
+        </p:sp>
+        <p:sp>
+          <p:nvSpPr>
+            <p:cNvPr id="19" name="Menu Button" descr="&lt;SmartSettings&gt;&lt;SmartResize anchorLeft=&quot;None&quot; anchorTop=&quot;Absolute&quot; anchorRight=&quot;Absolute&quot; anchorBottom=&quot;None&quot; /&gt;&lt;/SmartSettings&gt;">
+              <a:extLst>
+                <a:ext uri="{FF2B5EF4-FFF2-40B4-BE49-F238E27FC236}">
+                  <a16:creationId xmlns:a16="http://schemas.microsoft.com/office/drawing/2014/main" id="{627F77A3-041C-4333-9B2A-FFBF81351783}"/>
+                </a:ext>
+              </a:extLst>
+            </p:cNvPr>
+            <p:cNvSpPr>
+              <a:spLocks noChangeAspect="1" noEditPoints="1"/>
+            </p:cNvSpPr>
+            <p:nvPr>
+              <p:custDataLst>
+                <p:tags r:id="rId4"/>
+              </p:custDataLst>
+            </p:nvPr>
+          </p:nvSpPr>
+          <p:spPr bwMode="auto">
+            <a:xfrm>
+              <a:off x="7071766" y="1504830"/>
+              <a:ext cx="120681" cy="89269"/>
+            </a:xfrm>
+            <a:custGeom>
+              <a:avLst/>
+              <a:gdLst>
+                <a:gd name="T0" fmla="*/ 0 w 415"/>
+                <a:gd name="T1" fmla="*/ 309 h 309"/>
+                <a:gd name="T2" fmla="*/ 415 w 415"/>
+                <a:gd name="T3" fmla="*/ 309 h 309"/>
+                <a:gd name="T4" fmla="*/ 0 w 415"/>
+                <a:gd name="T5" fmla="*/ 155 h 309"/>
+                <a:gd name="T6" fmla="*/ 415 w 415"/>
+                <a:gd name="T7" fmla="*/ 155 h 309"/>
+                <a:gd name="T8" fmla="*/ 0 w 415"/>
+                <a:gd name="T9" fmla="*/ 0 h 309"/>
+                <a:gd name="T10" fmla="*/ 415 w 415"/>
+                <a:gd name="T11" fmla="*/ 0 h 309"/>
+              </a:gdLst>
+              <a:ahLst/>
+              <a:cxnLst>
+                <a:cxn ang="0">
+                  <a:pos x="T0" y="T1"/>
+                </a:cxn>
+                <a:cxn ang="0">
+                  <a:pos x="T2" y="T3"/>
+                </a:cxn>
+                <a:cxn ang="0">
+                  <a:pos x="T4" y="T5"/>
+                </a:cxn>
+                <a:cxn ang="0">
+                  <a:pos x="T6" y="T7"/>
+                </a:cxn>
+                <a:cxn ang="0">
+                  <a:pos x="T8" y="T9"/>
+                </a:cxn>
+                <a:cxn ang="0">
+                  <a:pos x="T10" y="T11"/>
+                </a:cxn>
+              </a:cxnLst>
+              <a:rect l="0" t="0" r="r" b="b"/>
+              <a:pathLst>
+                <a:path w="415" h="309">
+                  <a:moveTo>
+                    <a:pt x="0" y="309"/>
+                  </a:moveTo>
+                  <a:lnTo>
+                    <a:pt x="415" y="309"/>
+                  </a:lnTo>
+                  <a:moveTo>
+                    <a:pt x="0" y="155"/>
+                  </a:moveTo>
+                  <a:lnTo>
+                    <a:pt x="415" y="155"/>
+                  </a:lnTo>
+                  <a:moveTo>
+                    <a:pt x="0" y="0"/>
+                  </a:moveTo>
+                  <a:lnTo>
+                    <a:pt x="415" y="0"/>
+                  </a:lnTo>
+                </a:path>
+              </a:pathLst>
+            </a:custGeom>
+            <a:noFill/>
+            <a:ln w="6350" cap="flat">
+              <a:solidFill>
+                <a:srgbClr val="808080"/>
+              </a:solidFill>
+              <a:prstDash val="solid"/>
+              <a:miter lim="800000"/>
+              <a:headEnd/>
+              <a:tailEnd/>
+            </a:ln>
+            <a:extLst>
+              <a:ext uri="{909E8E84-426E-40DD-AFC4-6F175D3DCCD1}">
+                <a14:hiddenFill xmlns:a14="http://schemas.microsoft.com/office/drawing/2010/main">
+                  <a:solidFill>
+                    <a:srgbClr val="FFFFFF"/>
+                  </a:solidFill>
+                </a14:hiddenFill>
+              </a:ext>
+            </a:extLst>
+          </p:spPr>
+          <p:txBody>
+            <a:bodyPr vert="horz" wrap="square" lIns="91440" tIns="45720" rIns="91440" bIns="45720" numCol="1" anchor="t" anchorCtr="0" compatLnSpc="1">
+              <a:prstTxWarp prst="textNoShape">
+                <a:avLst/>
+              </a:prstTxWarp>
+            </a:bodyPr>
+            <a:lstStyle>
+              <a:defPPr>
+                <a:defRPr lang="en-US"/>
+              </a:defPPr>
+              <a:lvl1pPr marL="0" algn="l" defTabSz="914400" rtl="0" eaLnBrk="1" latinLnBrk="0" hangingPunct="1">
+                <a:defRPr sz="1800" kern="1200">
+                  <a:solidFill>
+                    <a:schemeClr val="tx1"/>
+                  </a:solidFill>
+                  <a:latin typeface="+mn-lt"/>
+                  <a:ea typeface="+mn-ea"/>
+                  <a:cs typeface="+mn-cs"/>
+                </a:defRPr>
+              </a:lvl1pPr>
+              <a:lvl2pPr marL="457200" algn="l" defTabSz="914400" rtl="0" eaLnBrk="1" latinLnBrk="0" hangingPunct="1">
+                <a:defRPr sz="1800" kern="1200">
+                  <a:solidFill>
+                    <a:schemeClr val="tx1"/>
+                  </a:solidFill>
+                  <a:latin typeface="+mn-lt"/>
+                  <a:ea typeface="+mn-ea"/>
+                  <a:cs typeface="+mn-cs"/>
+                </a:defRPr>
+              </a:lvl2pPr>
+              <a:lvl3pPr marL="914400" algn="l" defTabSz="914400" rtl="0" eaLnBrk="1" latinLnBrk="0" hangingPunct="1">
+                <a:defRPr sz="1800" kern="1200">
+                  <a:solidFill>
+                    <a:schemeClr val="tx1"/>
+                  </a:solidFill>
+                  <a:latin typeface="+mn-lt"/>
+                  <a:ea typeface="+mn-ea"/>
+                  <a:cs typeface="+mn-cs"/>
+                </a:defRPr>
+              </a:lvl3pPr>
+              <a:lvl4pPr marL="1371600" algn="l" defTabSz="914400" rtl="0" eaLnBrk="1" latinLnBrk="0" hangingPunct="1">
+                <a:defRPr sz="1800" kern="1200">
+                  <a:solidFill>
+                    <a:schemeClr val="tx1"/>
+                  </a:solidFill>
+                  <a:latin typeface="+mn-lt"/>
+                  <a:ea typeface="+mn-ea"/>
+                  <a:cs typeface="+mn-cs"/>
+                </a:defRPr>
+              </a:lvl4pPr>
+              <a:lvl5pPr marL="1828800" algn="l" defTabSz="914400" rtl="0" eaLnBrk="1" latinLnBrk="0" hangingPunct="1">
+                <a:defRPr sz="1800" kern="1200">
+                  <a:solidFill>
+                    <a:schemeClr val="tx1"/>
+                  </a:solidFill>
+                  <a:latin typeface="+mn-lt"/>
+                  <a:ea typeface="+mn-ea"/>
+                  <a:cs typeface="+mn-cs"/>
+                </a:defRPr>
+              </a:lvl5pPr>
+              <a:lvl6pPr marL="2286000" algn="l" defTabSz="914400" rtl="0" eaLnBrk="1" latinLnBrk="0" hangingPunct="1">
+                <a:defRPr sz="1800" kern="1200">
+                  <a:solidFill>
+                    <a:schemeClr val="tx1"/>
+                  </a:solidFill>
+                  <a:latin typeface="+mn-lt"/>
+                  <a:ea typeface="+mn-ea"/>
+                  <a:cs typeface="+mn-cs"/>
+                </a:defRPr>
+              </a:lvl6pPr>
+              <a:lvl7pPr marL="2743200" algn="l" defTabSz="914400" rtl="0" eaLnBrk="1" latinLnBrk="0" hangingPunct="1">
+                <a:defRPr sz="1800" kern="1200">
+                  <a:solidFill>
+                    <a:schemeClr val="tx1"/>
+                  </a:solidFill>
+                  <a:latin typeface="+mn-lt"/>
+                  <a:ea typeface="+mn-ea"/>
+                  <a:cs typeface="+mn-cs"/>
+                </a:defRPr>
+              </a:lvl7pPr>
+              <a:lvl8pPr marL="3200400" algn="l" defTabSz="914400" rtl="0" eaLnBrk="1" latinLnBrk="0" hangingPunct="1">
+                <a:defRPr sz="1800" kern="1200">
+                  <a:solidFill>
+                    <a:schemeClr val="tx1"/>
+                  </a:solidFill>
+                  <a:latin typeface="+mn-lt"/>
+                  <a:ea typeface="+mn-ea"/>
+                  <a:cs typeface="+mn-cs"/>
+                </a:defRPr>
+              </a:lvl8pPr>
+              <a:lvl9pPr marL="3657600" algn="l" defTabSz="914400" rtl="0" eaLnBrk="1" latinLnBrk="0" hangingPunct="1">
+                <a:defRPr sz="1800" kern="1200">
+                  <a:solidFill>
+                    <a:schemeClr val="tx1"/>
+                  </a:solidFill>
+                  <a:latin typeface="+mn-lt"/>
+                  <a:ea typeface="+mn-ea"/>
+                  <a:cs typeface="+mn-cs"/>
+                </a:defRPr>
+              </a:lvl9pPr>
+            </a:lstStyle>
+            <a:p>
+              <a:endParaRPr lang="en-US">
+                <a:solidFill>
+                  <a:srgbClr val="5F5F5F"/>
+                </a:solidFill>
+                <a:latin typeface="Segoe UI" panose="020B0502040204020203" pitchFamily="34" charset="0"/>
+                <a:cs typeface="Segoe UI" panose="020B0502040204020203" pitchFamily="34" charset="0"/>
+              </a:endParaRPr>
+            </a:p>
+          </p:txBody>
+        </p:sp>
+        <p:sp>
+          <p:nvSpPr>
+            <p:cNvPr id="20" name="Close Button" descr="&lt;SmartSettings&gt;&lt;SmartResize anchorLeft=&quot;None&quot; anchorTop=&quot;Absolute&quot; anchorRight=&quot;Absolute&quot; anchorBottom=&quot;None&quot; /&gt;&lt;/SmartSettings&gt;">
+              <a:extLst>
+                <a:ext uri="{FF2B5EF4-FFF2-40B4-BE49-F238E27FC236}">
+                  <a16:creationId xmlns:a16="http://schemas.microsoft.com/office/drawing/2014/main" id="{BC8352A3-7146-4FE1-8FCB-45AE3DA1EB8E}"/>
+                </a:ext>
+              </a:extLst>
+            </p:cNvPr>
+            <p:cNvSpPr>
+              <a:spLocks noEditPoints="1"/>
+            </p:cNvSpPr>
+            <p:nvPr>
+              <p:custDataLst>
+                <p:tags r:id="rId5"/>
+              </p:custDataLst>
+            </p:nvPr>
+          </p:nvSpPr>
+          <p:spPr bwMode="auto">
+            <a:xfrm>
+              <a:off x="7093599" y="1317670"/>
+              <a:ext cx="79598" cy="75438"/>
+            </a:xfrm>
+            <a:custGeom>
+              <a:avLst/>
+              <a:gdLst>
+                <a:gd name="T0" fmla="*/ 254 w 254"/>
+                <a:gd name="T1" fmla="*/ 0 h 254"/>
+                <a:gd name="T2" fmla="*/ 0 w 254"/>
+                <a:gd name="T3" fmla="*/ 254 h 254"/>
+                <a:gd name="T4" fmla="*/ 0 w 254"/>
+                <a:gd name="T5" fmla="*/ 0 h 254"/>
+                <a:gd name="T6" fmla="*/ 254 w 254"/>
+                <a:gd name="T7" fmla="*/ 254 h 254"/>
+              </a:gdLst>
+              <a:ahLst/>
+              <a:cxnLst>
+                <a:cxn ang="0">
+                  <a:pos x="T0" y="T1"/>
+                </a:cxn>
+                <a:cxn ang="0">
+                  <a:pos x="T2" y="T3"/>
+                </a:cxn>
+                <a:cxn ang="0">
+                  <a:pos x="T4" y="T5"/>
+                </a:cxn>
+                <a:cxn ang="0">
+                  <a:pos x="T6" y="T7"/>
+                </a:cxn>
+              </a:cxnLst>
+              <a:rect l="0" t="0" r="r" b="b"/>
+              <a:pathLst>
+                <a:path w="254" h="254">
+                  <a:moveTo>
+                    <a:pt x="254" y="0"/>
+                  </a:moveTo>
+                  <a:lnTo>
+                    <a:pt x="0" y="254"/>
+                  </a:lnTo>
+                  <a:moveTo>
+                    <a:pt x="0" y="0"/>
+                  </a:moveTo>
+                  <a:lnTo>
+                    <a:pt x="254" y="254"/>
+                  </a:lnTo>
+                </a:path>
+              </a:pathLst>
+            </a:custGeom>
+            <a:noFill/>
+            <a:ln w="9525" cap="flat">
+              <a:solidFill>
+                <a:srgbClr val="808080"/>
+              </a:solidFill>
+              <a:prstDash val="solid"/>
+              <a:miter lim="800000"/>
+              <a:headEnd/>
+              <a:tailEnd/>
+            </a:ln>
+            <a:extLst>
+              <a:ext uri="{909E8E84-426E-40DD-AFC4-6F175D3DCCD1}">
+                <a14:hiddenFill xmlns:a14="http://schemas.microsoft.com/office/drawing/2010/main">
+                  <a:solidFill>
+                    <a:srgbClr val="FFFFFF"/>
+                  </a:solidFill>
+                </a14:hiddenFill>
+              </a:ext>
+            </a:extLst>
+          </p:spPr>
+          <p:txBody>
+            <a:bodyPr vert="horz" wrap="square" lIns="91440" tIns="45720" rIns="91440" bIns="45720" numCol="1" anchor="t" anchorCtr="0" compatLnSpc="1">
+              <a:prstTxWarp prst="textNoShape">
+                <a:avLst/>
+              </a:prstTxWarp>
+            </a:bodyPr>
+            <a:lstStyle>
+              <a:defPPr>
+                <a:defRPr lang="en-US"/>
+              </a:defPPr>
+              <a:lvl1pPr marL="0" algn="l" defTabSz="914400" rtl="0" eaLnBrk="1" latinLnBrk="0" hangingPunct="1">
+                <a:defRPr sz="1800" kern="1200">
+                  <a:solidFill>
+                    <a:schemeClr val="tx1"/>
+                  </a:solidFill>
+                  <a:latin typeface="+mn-lt"/>
+                  <a:ea typeface="+mn-ea"/>
+                  <a:cs typeface="+mn-cs"/>
+                </a:defRPr>
+              </a:lvl1pPr>
+              <a:lvl2pPr marL="457200" algn="l" defTabSz="914400" rtl="0" eaLnBrk="1" latinLnBrk="0" hangingPunct="1">
+                <a:defRPr sz="1800" kern="1200">
+                  <a:solidFill>
+                    <a:schemeClr val="tx1"/>
+                  </a:solidFill>
+                  <a:latin typeface="+mn-lt"/>
+                  <a:ea typeface="+mn-ea"/>
+                  <a:cs typeface="+mn-cs"/>
+                </a:defRPr>
+              </a:lvl2pPr>
+              <a:lvl3pPr marL="914400" algn="l" defTabSz="914400" rtl="0" eaLnBrk="1" latinLnBrk="0" hangingPunct="1">
+                <a:defRPr sz="1800" kern="1200">
+                  <a:solidFill>
+                    <a:schemeClr val="tx1"/>
+                  </a:solidFill>
+                  <a:latin typeface="+mn-lt"/>
+                  <a:ea typeface="+mn-ea"/>
+                  <a:cs typeface="+mn-cs"/>
+                </a:defRPr>
+              </a:lvl3pPr>
+              <a:lvl4pPr marL="1371600" algn="l" defTabSz="914400" rtl="0" eaLnBrk="1" latinLnBrk="0" hangingPunct="1">
+                <a:defRPr sz="1800" kern="1200">
+                  <a:solidFill>
+                    <a:schemeClr val="tx1"/>
+                  </a:solidFill>
+                  <a:latin typeface="+mn-lt"/>
+                  <a:ea typeface="+mn-ea"/>
+                  <a:cs typeface="+mn-cs"/>
+                </a:defRPr>
+              </a:lvl4pPr>
+              <a:lvl5pPr marL="1828800" algn="l" defTabSz="914400" rtl="0" eaLnBrk="1" latinLnBrk="0" hangingPunct="1">
+                <a:defRPr sz="1800" kern="1200">
+                  <a:solidFill>
+                    <a:schemeClr val="tx1"/>
+                  </a:solidFill>
+                  <a:latin typeface="+mn-lt"/>
+                  <a:ea typeface="+mn-ea"/>
+                  <a:cs typeface="+mn-cs"/>
+                </a:defRPr>
+              </a:lvl5pPr>
+              <a:lvl6pPr marL="2286000" algn="l" defTabSz="914400" rtl="0" eaLnBrk="1" latinLnBrk="0" hangingPunct="1">
+                <a:defRPr sz="1800" kern="1200">
+                  <a:solidFill>
+                    <a:schemeClr val="tx1"/>
+                  </a:solidFill>
+                  <a:latin typeface="+mn-lt"/>
+                  <a:ea typeface="+mn-ea"/>
+                  <a:cs typeface="+mn-cs"/>
+                </a:defRPr>
+              </a:lvl6pPr>
+              <a:lvl7pPr marL="2743200" algn="l" defTabSz="914400" rtl="0" eaLnBrk="1" latinLnBrk="0" hangingPunct="1">
+                <a:defRPr sz="1800" kern="1200">
+                  <a:solidFill>
+                    <a:schemeClr val="tx1"/>
+                  </a:solidFill>
+                  <a:latin typeface="+mn-lt"/>
+                  <a:ea typeface="+mn-ea"/>
+                  <a:cs typeface="+mn-cs"/>
+                </a:defRPr>
+              </a:lvl7pPr>
+              <a:lvl8pPr marL="3200400" algn="l" defTabSz="914400" rtl="0" eaLnBrk="1" latinLnBrk="0" hangingPunct="1">
+                <a:defRPr sz="1800" kern="1200">
+                  <a:solidFill>
+                    <a:schemeClr val="tx1"/>
+                  </a:solidFill>
+                  <a:latin typeface="+mn-lt"/>
+                  <a:ea typeface="+mn-ea"/>
+                  <a:cs typeface="+mn-cs"/>
+                </a:defRPr>
+              </a:lvl8pPr>
+              <a:lvl9pPr marL="3657600" algn="l" defTabSz="914400" rtl="0" eaLnBrk="1" latinLnBrk="0" hangingPunct="1">
+                <a:defRPr sz="1800" kern="1200">
+                  <a:solidFill>
+                    <a:schemeClr val="tx1"/>
+                  </a:solidFill>
+                  <a:latin typeface="+mn-lt"/>
+                  <a:ea typeface="+mn-ea"/>
+                  <a:cs typeface="+mn-cs"/>
+                </a:defRPr>
+              </a:lvl9pPr>
+            </a:lstStyle>
+            <a:p>
+              <a:endParaRPr lang="en-US">
+                <a:solidFill>
+                  <a:srgbClr val="5F5F5F"/>
+                </a:solidFill>
+                <a:latin typeface="Segoe UI" panose="020B0502040204020203" pitchFamily="34" charset="0"/>
+                <a:cs typeface="Segoe UI" panose="020B0502040204020203" pitchFamily="34" charset="0"/>
+              </a:endParaRPr>
+            </a:p>
+          </p:txBody>
+        </p:sp>
+        <p:sp>
+          <p:nvSpPr>
+            <p:cNvPr id="21" name="Address Box" descr="&lt;SmartSettings&gt;&lt;SmartResize anchorLeft=&quot;Absolute&quot; anchorTop=&quot;Absolute&quot; anchorRight=&quot;Absolute&quot; anchorBottom=&quot;None&quot; /&gt;&lt;/SmartSettings&gt;">
+              <a:extLst>
+                <a:ext uri="{FF2B5EF4-FFF2-40B4-BE49-F238E27FC236}">
+                  <a16:creationId xmlns:a16="http://schemas.microsoft.com/office/drawing/2014/main" id="{7FF767B7-CA99-4C4A-AC99-C54B52353FE1}"/>
+                </a:ext>
+              </a:extLst>
+            </p:cNvPr>
+            <p:cNvSpPr/>
+            <p:nvPr>
+              <p:custDataLst>
+                <p:tags r:id="rId6"/>
+              </p:custDataLst>
+            </p:nvPr>
+          </p:nvSpPr>
+          <p:spPr>
+            <a:xfrm>
+              <a:off x="1325889" y="1455317"/>
+              <a:ext cx="5674177" cy="188294"/>
+            </a:xfrm>
+            <a:prstGeom prst="rect">
+              <a:avLst/>
+            </a:prstGeom>
+            <a:solidFill>
+              <a:srgbClr val="FFFFFF"/>
+            </a:solidFill>
+            <a:ln w="6350">
+              <a:solidFill>
+                <a:srgbClr val="808080"/>
+              </a:solidFill>
+            </a:ln>
+          </p:spPr>
+          <p:style>
+            <a:lnRef idx="2">
+              <a:schemeClr val="accent1">
+                <a:shade val="50000"/>
+              </a:schemeClr>
+            </a:lnRef>
+            <a:fillRef idx="1">
+              <a:schemeClr val="accent1"/>
+            </a:fillRef>
+            <a:effectRef idx="0">
+              <a:schemeClr val="accent1"/>
+            </a:effectRef>
+            <a:fontRef idx="minor">
+              <a:schemeClr val="lt1"/>
+            </a:fontRef>
+          </p:style>
+          <p:txBody>
+            <a:bodyPr rot="0" spcFirstLastPara="0" vert="horz" wrap="square" lIns="237744" tIns="45720" rIns="91440" bIns="45720" numCol="1" spcCol="0" rtlCol="0" fromWordArt="0" anchor="ctr" anchorCtr="0" forceAA="0" compatLnSpc="1">
+              <a:prstTxWarp prst="textNoShape">
+                <a:avLst/>
+              </a:prstTxWarp>
+              <a:noAutofit/>
+            </a:bodyPr>
+            <a:lstStyle>
+              <a:defPPr>
+                <a:defRPr lang="en-US"/>
+              </a:defPPr>
+              <a:lvl1pPr marL="0" algn="l" defTabSz="914400" rtl="0" eaLnBrk="1" latinLnBrk="0" hangingPunct="1">
+                <a:defRPr sz="1800" kern="1200">
+                  <a:solidFill>
+                    <a:schemeClr val="lt1"/>
+                  </a:solidFill>
+                  <a:latin typeface="+mn-lt"/>
+                  <a:ea typeface="+mn-ea"/>
+                  <a:cs typeface="+mn-cs"/>
+                </a:defRPr>
+              </a:lvl1pPr>
+              <a:lvl2pPr marL="457200" algn="l" defTabSz="914400" rtl="0" eaLnBrk="1" latinLnBrk="0" hangingPunct="1">
+                <a:defRPr sz="1800" kern="1200">
+                  <a:solidFill>
+                    <a:schemeClr val="lt1"/>
+                  </a:solidFill>
+                  <a:latin typeface="+mn-lt"/>
+                  <a:ea typeface="+mn-ea"/>
+                  <a:cs typeface="+mn-cs"/>
+                </a:defRPr>
+              </a:lvl2pPr>
+              <a:lvl3pPr marL="914400" algn="l" defTabSz="914400" rtl="0" eaLnBrk="1" latinLnBrk="0" hangingPunct="1">
+                <a:defRPr sz="1800" kern="1200">
+                  <a:solidFill>
+                    <a:schemeClr val="lt1"/>
+                  </a:solidFill>
+                  <a:latin typeface="+mn-lt"/>
+                  <a:ea typeface="+mn-ea"/>
+                  <a:cs typeface="+mn-cs"/>
+                </a:defRPr>
+              </a:lvl3pPr>
+              <a:lvl4pPr marL="1371600" algn="l" defTabSz="914400" rtl="0" eaLnBrk="1" latinLnBrk="0" hangingPunct="1">
+                <a:defRPr sz="1800" kern="1200">
+                  <a:solidFill>
+                    <a:schemeClr val="lt1"/>
+                  </a:solidFill>
+                  <a:latin typeface="+mn-lt"/>
+                  <a:ea typeface="+mn-ea"/>
+                  <a:cs typeface="+mn-cs"/>
+                </a:defRPr>
+              </a:lvl4pPr>
+              <a:lvl5pPr marL="1828800" algn="l" defTabSz="914400" rtl="0" eaLnBrk="1" latinLnBrk="0" hangingPunct="1">
+                <a:defRPr sz="1800" kern="1200">
+                  <a:solidFill>
+                    <a:schemeClr val="lt1"/>
+                  </a:solidFill>
+                  <a:latin typeface="+mn-lt"/>
+                  <a:ea typeface="+mn-ea"/>
+                  <a:cs typeface="+mn-cs"/>
+                </a:defRPr>
+              </a:lvl5pPr>
+              <a:lvl6pPr marL="2286000" algn="l" defTabSz="914400" rtl="0" eaLnBrk="1" latinLnBrk="0" hangingPunct="1">
+                <a:defRPr sz="1800" kern="1200">
+                  <a:solidFill>
+                    <a:schemeClr val="lt1"/>
+                  </a:solidFill>
+                  <a:latin typeface="+mn-lt"/>
+                  <a:ea typeface="+mn-ea"/>
+                  <a:cs typeface="+mn-cs"/>
+                </a:defRPr>
+              </a:lvl6pPr>
+              <a:lvl7pPr marL="2743200" algn="l" defTabSz="914400" rtl="0" eaLnBrk="1" latinLnBrk="0" hangingPunct="1">
+                <a:defRPr sz="1800" kern="1200">
+                  <a:solidFill>
+                    <a:schemeClr val="lt1"/>
+                  </a:solidFill>
+                  <a:latin typeface="+mn-lt"/>
+                  <a:ea typeface="+mn-ea"/>
+                  <a:cs typeface="+mn-cs"/>
+                </a:defRPr>
+              </a:lvl7pPr>
+              <a:lvl8pPr marL="3200400" algn="l" defTabSz="914400" rtl="0" eaLnBrk="1" latinLnBrk="0" hangingPunct="1">
+                <a:defRPr sz="1800" kern="1200">
+                  <a:solidFill>
+                    <a:schemeClr val="lt1"/>
+                  </a:solidFill>
+                  <a:latin typeface="+mn-lt"/>
+                  <a:ea typeface="+mn-ea"/>
+                  <a:cs typeface="+mn-cs"/>
+                </a:defRPr>
+              </a:lvl8pPr>
+              <a:lvl9pPr marL="3657600" algn="l" defTabSz="914400" rtl="0" eaLnBrk="1" latinLnBrk="0" hangingPunct="1">
+                <a:defRPr sz="1800" kern="1200">
+                  <a:solidFill>
+                    <a:schemeClr val="lt1"/>
+                  </a:solidFill>
+                  <a:latin typeface="+mn-lt"/>
+                  <a:ea typeface="+mn-ea"/>
+                  <a:cs typeface="+mn-cs"/>
+                </a:defRPr>
+              </a:lvl9pPr>
+            </a:lstStyle>
+            <a:p>
+              <a:r>
+                <a:rPr lang="en-US" sz="900" noProof="1">
+                  <a:solidFill>
+                    <a:srgbClr val="5F5F5F"/>
+                  </a:solidFill>
+                  <a:latin typeface="Segoe UI" panose="020B0502040204020203" pitchFamily="34" charset="0"/>
+                  <a:cs typeface="Segoe UI" panose="020B0502040204020203" pitchFamily="34" charset="0"/>
+                </a:rPr>
+                <a:t>www.example.com</a:t>
+              </a:r>
+            </a:p>
+          </p:txBody>
+        </p:sp>
+        <p:sp>
+          <p:nvSpPr>
+            <p:cNvPr id="22" name="Document Icon" descr="&lt;SmartSettings&gt;&lt;SmartResize anchorLeft=&quot;Absolute&quot; anchorTop=&quot;Absolute&quot; anchorRight=&quot;None&quot; anchorBottom=&quot;None&quot; /&gt;&lt;/SmartSettings&gt;">
+              <a:extLst>
+                <a:ext uri="{FF2B5EF4-FFF2-40B4-BE49-F238E27FC236}">
+                  <a16:creationId xmlns:a16="http://schemas.microsoft.com/office/drawing/2014/main" id="{5B66773D-E361-43CD-A256-055518834CAC}"/>
+                </a:ext>
+              </a:extLst>
+            </p:cNvPr>
+            <p:cNvSpPr>
+              <a:spLocks noChangeAspect="1" noEditPoints="1"/>
+            </p:cNvSpPr>
+            <p:nvPr>
+              <p:custDataLst>
+                <p:tags r:id="rId7"/>
+              </p:custDataLst>
+            </p:nvPr>
+          </p:nvSpPr>
+          <p:spPr bwMode="auto">
+            <a:xfrm>
+              <a:off x="1387452" y="1496656"/>
+              <a:ext cx="75747" cy="105613"/>
+            </a:xfrm>
+            <a:custGeom>
+              <a:avLst/>
+              <a:gdLst>
+                <a:gd name="T0" fmla="*/ 153 w 260"/>
+                <a:gd name="T1" fmla="*/ 7 h 367"/>
+                <a:gd name="T2" fmla="*/ 153 w 260"/>
+                <a:gd name="T3" fmla="*/ 108 h 367"/>
+                <a:gd name="T4" fmla="*/ 253 w 260"/>
+                <a:gd name="T5" fmla="*/ 108 h 367"/>
+                <a:gd name="T6" fmla="*/ 0 w 260"/>
+                <a:gd name="T7" fmla="*/ 0 h 367"/>
+                <a:gd name="T8" fmla="*/ 0 w 260"/>
+                <a:gd name="T9" fmla="*/ 367 h 367"/>
+                <a:gd name="T10" fmla="*/ 260 w 260"/>
+                <a:gd name="T11" fmla="*/ 367 h 367"/>
+                <a:gd name="T12" fmla="*/ 260 w 260"/>
+                <a:gd name="T13" fmla="*/ 100 h 367"/>
+                <a:gd name="T14" fmla="*/ 161 w 260"/>
+                <a:gd name="T15" fmla="*/ 1 h 367"/>
+                <a:gd name="T16" fmla="*/ 0 w 260"/>
+                <a:gd name="T17" fmla="*/ 0 h 367"/>
+              </a:gdLst>
+              <a:ahLst/>
+              <a:cxnLst>
+                <a:cxn ang="0">
+                  <a:pos x="T0" y="T1"/>
+                </a:cxn>
+                <a:cxn ang="0">
+                  <a:pos x="T2" y="T3"/>
+                </a:cxn>
+                <a:cxn ang="0">
+                  <a:pos x="T4" y="T5"/>
+                </a:cxn>
+                <a:cxn ang="0">
+                  <a:pos x="T6" y="T7"/>
+                </a:cxn>
+                <a:cxn ang="0">
+                  <a:pos x="T8" y="T9"/>
+                </a:cxn>
+                <a:cxn ang="0">
+                  <a:pos x="T10" y="T11"/>
+                </a:cxn>
+                <a:cxn ang="0">
+                  <a:pos x="T12" y="T13"/>
+                </a:cxn>
+                <a:cxn ang="0">
+                  <a:pos x="T14" y="T15"/>
+                </a:cxn>
+                <a:cxn ang="0">
+                  <a:pos x="T16" y="T17"/>
+                </a:cxn>
+              </a:cxnLst>
+              <a:rect l="0" t="0" r="r" b="b"/>
+              <a:pathLst>
+                <a:path w="260" h="367">
+                  <a:moveTo>
+                    <a:pt x="153" y="7"/>
+                  </a:moveTo>
+                  <a:lnTo>
+                    <a:pt x="153" y="108"/>
+                  </a:lnTo>
+                  <a:lnTo>
+                    <a:pt x="253" y="108"/>
+                  </a:lnTo>
+                  <a:moveTo>
+                    <a:pt x="0" y="0"/>
+                  </a:moveTo>
+                  <a:lnTo>
+                    <a:pt x="0" y="367"/>
+                  </a:lnTo>
+                  <a:lnTo>
+                    <a:pt x="260" y="367"/>
+                  </a:lnTo>
+                  <a:lnTo>
+                    <a:pt x="260" y="100"/>
+                  </a:lnTo>
+                  <a:lnTo>
+                    <a:pt x="161" y="1"/>
+                  </a:lnTo>
+                  <a:lnTo>
+                    <a:pt x="0" y="0"/>
+                  </a:lnTo>
+                  <a:close/>
+                </a:path>
+              </a:pathLst>
+            </a:custGeom>
+            <a:noFill/>
+            <a:ln w="6350" cap="flat">
+              <a:solidFill>
+                <a:srgbClr val="808080"/>
+              </a:solidFill>
+              <a:prstDash val="solid"/>
+              <a:miter lim="800000"/>
+              <a:headEnd/>
+              <a:tailEnd/>
+            </a:ln>
+            <a:extLst>
+              <a:ext uri="{909E8E84-426E-40DD-AFC4-6F175D3DCCD1}">
+                <a14:hiddenFill xmlns:a14="http://schemas.microsoft.com/office/drawing/2010/main">
+                  <a:solidFill>
+                    <a:srgbClr val="FFFFFF"/>
+                  </a:solidFill>
+                </a14:hiddenFill>
+              </a:ext>
+            </a:extLst>
+          </p:spPr>
+          <p:txBody>
+            <a:bodyPr vert="horz" wrap="square" lIns="91440" tIns="45720" rIns="91440" bIns="45720" numCol="1" anchor="t" anchorCtr="0" compatLnSpc="1">
+              <a:prstTxWarp prst="textNoShape">
+                <a:avLst/>
+              </a:prstTxWarp>
+            </a:bodyPr>
+            <a:lstStyle>
+              <a:defPPr>
+                <a:defRPr lang="en-US"/>
+              </a:defPPr>
+              <a:lvl1pPr marL="0" algn="l" defTabSz="914400" rtl="0" eaLnBrk="1" latinLnBrk="0" hangingPunct="1">
+                <a:defRPr sz="1800" kern="1200">
+                  <a:solidFill>
+                    <a:schemeClr val="tx1"/>
+                  </a:solidFill>
+                  <a:latin typeface="+mn-lt"/>
+                  <a:ea typeface="+mn-ea"/>
+                  <a:cs typeface="+mn-cs"/>
+                </a:defRPr>
+              </a:lvl1pPr>
+              <a:lvl2pPr marL="457200" algn="l" defTabSz="914400" rtl="0" eaLnBrk="1" latinLnBrk="0" hangingPunct="1">
+                <a:defRPr sz="1800" kern="1200">
+                  <a:solidFill>
+                    <a:schemeClr val="tx1"/>
+                  </a:solidFill>
+                  <a:latin typeface="+mn-lt"/>
+                  <a:ea typeface="+mn-ea"/>
+                  <a:cs typeface="+mn-cs"/>
+                </a:defRPr>
+              </a:lvl2pPr>
+              <a:lvl3pPr marL="914400" algn="l" defTabSz="914400" rtl="0" eaLnBrk="1" latinLnBrk="0" hangingPunct="1">
+                <a:defRPr sz="1800" kern="1200">
+                  <a:solidFill>
+                    <a:schemeClr val="tx1"/>
+                  </a:solidFill>
+                  <a:latin typeface="+mn-lt"/>
+                  <a:ea typeface="+mn-ea"/>
+                  <a:cs typeface="+mn-cs"/>
+                </a:defRPr>
+              </a:lvl3pPr>
+              <a:lvl4pPr marL="1371600" algn="l" defTabSz="914400" rtl="0" eaLnBrk="1" latinLnBrk="0" hangingPunct="1">
+                <a:defRPr sz="1800" kern="1200">
+                  <a:solidFill>
+                    <a:schemeClr val="tx1"/>
+                  </a:solidFill>
+                  <a:latin typeface="+mn-lt"/>
+                  <a:ea typeface="+mn-ea"/>
+                  <a:cs typeface="+mn-cs"/>
+                </a:defRPr>
+              </a:lvl4pPr>
+              <a:lvl5pPr marL="1828800" algn="l" defTabSz="914400" rtl="0" eaLnBrk="1" latinLnBrk="0" hangingPunct="1">
+                <a:defRPr sz="1800" kern="1200">
+                  <a:solidFill>
+                    <a:schemeClr val="tx1"/>
+                  </a:solidFill>
+                  <a:latin typeface="+mn-lt"/>
+                  <a:ea typeface="+mn-ea"/>
+                  <a:cs typeface="+mn-cs"/>
+                </a:defRPr>
+              </a:lvl5pPr>
+              <a:lvl6pPr marL="2286000" algn="l" defTabSz="914400" rtl="0" eaLnBrk="1" latinLnBrk="0" hangingPunct="1">
+                <a:defRPr sz="1800" kern="1200">
+                  <a:solidFill>
+                    <a:schemeClr val="tx1"/>
+                  </a:solidFill>
+                  <a:latin typeface="+mn-lt"/>
+                  <a:ea typeface="+mn-ea"/>
+                  <a:cs typeface="+mn-cs"/>
+                </a:defRPr>
+              </a:lvl6pPr>
+              <a:lvl7pPr marL="2743200" algn="l" defTabSz="914400" rtl="0" eaLnBrk="1" latinLnBrk="0" hangingPunct="1">
+                <a:defRPr sz="1800" kern="1200">
+                  <a:solidFill>
+                    <a:schemeClr val="tx1"/>
+                  </a:solidFill>
+                  <a:latin typeface="+mn-lt"/>
+                  <a:ea typeface="+mn-ea"/>
+                  <a:cs typeface="+mn-cs"/>
+                </a:defRPr>
+              </a:lvl7pPr>
+              <a:lvl8pPr marL="3200400" algn="l" defTabSz="914400" rtl="0" eaLnBrk="1" latinLnBrk="0" hangingPunct="1">
+                <a:defRPr sz="1800" kern="1200">
+                  <a:solidFill>
+                    <a:schemeClr val="tx1"/>
+                  </a:solidFill>
+                  <a:latin typeface="+mn-lt"/>
+                  <a:ea typeface="+mn-ea"/>
+                  <a:cs typeface="+mn-cs"/>
+                </a:defRPr>
+              </a:lvl8pPr>
+              <a:lvl9pPr marL="3657600" algn="l" defTabSz="914400" rtl="0" eaLnBrk="1" latinLnBrk="0" hangingPunct="1">
+                <a:defRPr sz="1800" kern="1200">
+                  <a:solidFill>
+                    <a:schemeClr val="tx1"/>
+                  </a:solidFill>
+                  <a:latin typeface="+mn-lt"/>
+                  <a:ea typeface="+mn-ea"/>
+                  <a:cs typeface="+mn-cs"/>
+                </a:defRPr>
+              </a:lvl9pPr>
+            </a:lstStyle>
+            <a:p>
+              <a:endParaRPr lang="en-US">
+                <a:solidFill>
+                  <a:srgbClr val="5F5F5F"/>
+                </a:solidFill>
+                <a:latin typeface="Segoe UI" panose="020B0502040204020203" pitchFamily="34" charset="0"/>
+                <a:cs typeface="Segoe UI" panose="020B0502040204020203" pitchFamily="34" charset="0"/>
+              </a:endParaRPr>
+            </a:p>
+          </p:txBody>
+        </p:sp>
+        <p:grpSp>
+          <p:nvGrpSpPr>
+            <p:cNvPr id="23" name="Navigation Buttons">
+              <a:extLst>
+                <a:ext uri="{FF2B5EF4-FFF2-40B4-BE49-F238E27FC236}">
+                  <a16:creationId xmlns:a16="http://schemas.microsoft.com/office/drawing/2014/main" id="{E89A798A-65E1-44A5-AF44-7C8838B26D05}"/>
+                </a:ext>
+              </a:extLst>
+            </p:cNvPr>
+            <p:cNvGrpSpPr/>
+            <p:nvPr/>
+          </p:nvGrpSpPr>
+          <p:grpSpPr>
+            <a:xfrm>
+              <a:off x="697512" y="1480941"/>
+              <a:ext cx="518673" cy="137046"/>
+              <a:chOff x="697512" y="1480941"/>
+              <a:chExt cx="518673" cy="137046"/>
+            </a:xfrm>
+          </p:grpSpPr>
+          <p:sp>
+            <p:nvSpPr>
+              <p:cNvPr id="24" name="Back Button" descr="&lt;SmartSettings&gt;&lt;SmartResize anchorLeft=&quot;Absolute&quot; anchorTop=&quot;Absolute&quot; anchorRight=&quot;None&quot; anchorBottom=&quot;None&quot; /&gt;&lt;/SmartSettings&gt;">
+                <a:extLst>
+                  <a:ext uri="{FF2B5EF4-FFF2-40B4-BE49-F238E27FC236}">
+                    <a16:creationId xmlns:a16="http://schemas.microsoft.com/office/drawing/2014/main" id="{9F8A63AE-E6AD-4508-A321-447C25FBEB1D}"/>
+                  </a:ext>
+                </a:extLst>
+              </p:cNvPr>
+              <p:cNvSpPr>
+                <a:spLocks noChangeAspect="1" noEditPoints="1"/>
+              </p:cNvSpPr>
+              <p:nvPr>
+                <p:custDataLst>
+                  <p:tags r:id="rId8"/>
+                </p:custDataLst>
+              </p:nvPr>
+            </p:nvSpPr>
+            <p:spPr bwMode="auto">
+              <a:xfrm>
+                <a:off x="697512" y="1501687"/>
+                <a:ext cx="123249" cy="95555"/>
+              </a:xfrm>
+              <a:custGeom>
+                <a:avLst/>
+                <a:gdLst>
+                  <a:gd name="T0" fmla="*/ 159 w 423"/>
+                  <a:gd name="T1" fmla="*/ 332 h 332"/>
+                  <a:gd name="T2" fmla="*/ 0 w 423"/>
+                  <a:gd name="T3" fmla="*/ 166 h 332"/>
+                  <a:gd name="T4" fmla="*/ 159 w 423"/>
+                  <a:gd name="T5" fmla="*/ 0 h 332"/>
+                  <a:gd name="T6" fmla="*/ 15 w 423"/>
+                  <a:gd name="T7" fmla="*/ 166 h 332"/>
+                  <a:gd name="T8" fmla="*/ 423 w 423"/>
+                  <a:gd name="T9" fmla="*/ 166 h 332"/>
+                </a:gdLst>
+                <a:ahLst/>
+                <a:cxnLst>
+                  <a:cxn ang="0">
+                    <a:pos x="T0" y="T1"/>
+                  </a:cxn>
+                  <a:cxn ang="0">
+                    <a:pos x="T2" y="T3"/>
+                  </a:cxn>
+                  <a:cxn ang="0">
+                    <a:pos x="T4" y="T5"/>
+                  </a:cxn>
+                  <a:cxn ang="0">
+                    <a:pos x="T6" y="T7"/>
+                  </a:cxn>
+                  <a:cxn ang="0">
+                    <a:pos x="T8" y="T9"/>
+                  </a:cxn>
+                </a:cxnLst>
+                <a:rect l="0" t="0" r="r" b="b"/>
+                <a:pathLst>
+                  <a:path w="423" h="332">
+                    <a:moveTo>
+                      <a:pt x="159" y="332"/>
+                    </a:moveTo>
+                    <a:lnTo>
+                      <a:pt x="0" y="166"/>
+                    </a:lnTo>
+                    <a:lnTo>
+                      <a:pt x="159" y="0"/>
+                    </a:lnTo>
+                    <a:moveTo>
+                      <a:pt x="15" y="166"/>
+                    </a:moveTo>
+                    <a:lnTo>
+                      <a:pt x="423" y="166"/>
+                    </a:lnTo>
+                  </a:path>
+                </a:pathLst>
+              </a:custGeom>
+              <a:noFill/>
+              <a:ln w="6350" cap="sq">
+                <a:solidFill>
+                  <a:srgbClr val="808080"/>
+                </a:solidFill>
+                <a:prstDash val="solid"/>
+                <a:miter lim="800000"/>
+                <a:headEnd/>
+                <a:tailEnd/>
+              </a:ln>
+              <a:extLst>
+                <a:ext uri="{909E8E84-426E-40DD-AFC4-6F175D3DCCD1}">
+                  <a14:hiddenFill xmlns:a14="http://schemas.microsoft.com/office/drawing/2010/main">
+                    <a:solidFill>
+                      <a:srgbClr val="FFFFFF"/>
+                    </a:solidFill>
+                  </a14:hiddenFill>
+                </a:ext>
+              </a:extLst>
+            </p:spPr>
+            <p:txBody>
+              <a:bodyPr vert="horz" wrap="square" lIns="91440" tIns="45720" rIns="91440" bIns="45720" numCol="1" anchor="t" anchorCtr="0" compatLnSpc="1">
+                <a:prstTxWarp prst="textNoShape">
+                  <a:avLst/>
+                </a:prstTxWarp>
+              </a:bodyPr>
+              <a:lstStyle>
+                <a:defPPr>
+                  <a:defRPr lang="en-US"/>
+                </a:defPPr>
+                <a:lvl1pPr marL="0" algn="l" defTabSz="914400" rtl="0" eaLnBrk="1" latinLnBrk="0" hangingPunct="1">
+                  <a:defRPr sz="1800" kern="1200">
+                    <a:solidFill>
+                      <a:schemeClr val="tx1"/>
+                    </a:solidFill>
+                    <a:latin typeface="+mn-lt"/>
+                    <a:ea typeface="+mn-ea"/>
+                    <a:cs typeface="+mn-cs"/>
+                  </a:defRPr>
+                </a:lvl1pPr>
+                <a:lvl2pPr marL="457200" algn="l" defTabSz="914400" rtl="0" eaLnBrk="1" latinLnBrk="0" hangingPunct="1">
+                  <a:defRPr sz="1800" kern="1200">
+                    <a:solidFill>
+                      <a:schemeClr val="tx1"/>
+                    </a:solidFill>
+                    <a:latin typeface="+mn-lt"/>
+                    <a:ea typeface="+mn-ea"/>
+                    <a:cs typeface="+mn-cs"/>
+                  </a:defRPr>
+                </a:lvl2pPr>
+                <a:lvl3pPr marL="914400" algn="l" defTabSz="914400" rtl="0" eaLnBrk="1" latinLnBrk="0" hangingPunct="1">
+                  <a:defRPr sz="1800" kern="1200">
+                    <a:solidFill>
+                      <a:schemeClr val="tx1"/>
+                    </a:solidFill>
+                    <a:latin typeface="+mn-lt"/>
+                    <a:ea typeface="+mn-ea"/>
+                    <a:cs typeface="+mn-cs"/>
+                  </a:defRPr>
+                </a:lvl3pPr>
+                <a:lvl4pPr marL="1371600" algn="l" defTabSz="914400" rtl="0" eaLnBrk="1" latinLnBrk="0" hangingPunct="1">
+                  <a:defRPr sz="1800" kern="1200">
+                    <a:solidFill>
+                      <a:schemeClr val="tx1"/>
+                    </a:solidFill>
+                    <a:latin typeface="+mn-lt"/>
+                    <a:ea typeface="+mn-ea"/>
+                    <a:cs typeface="+mn-cs"/>
+                  </a:defRPr>
+                </a:lvl4pPr>
+                <a:lvl5pPr marL="1828800" algn="l" defTabSz="914400" rtl="0" eaLnBrk="1" latinLnBrk="0" hangingPunct="1">
+                  <a:defRPr sz="1800" kern="1200">
+                    <a:solidFill>
+                      <a:schemeClr val="tx1"/>
+                    </a:solidFill>
+                    <a:latin typeface="+mn-lt"/>
+                    <a:ea typeface="+mn-ea"/>
+                    <a:cs typeface="+mn-cs"/>
+                  </a:defRPr>
+                </a:lvl5pPr>
+                <a:lvl6pPr marL="2286000" algn="l" defTabSz="914400" rtl="0" eaLnBrk="1" latinLnBrk="0" hangingPunct="1">
+                  <a:defRPr sz="1800" kern="1200">
+                    <a:solidFill>
+                      <a:schemeClr val="tx1"/>
+                    </a:solidFill>
+                    <a:latin typeface="+mn-lt"/>
+                    <a:ea typeface="+mn-ea"/>
+                    <a:cs typeface="+mn-cs"/>
+                  </a:defRPr>
+                </a:lvl6pPr>
+                <a:lvl7pPr marL="2743200" algn="l" defTabSz="914400" rtl="0" eaLnBrk="1" latinLnBrk="0" hangingPunct="1">
+                  <a:defRPr sz="1800" kern="1200">
+                    <a:solidFill>
+                      <a:schemeClr val="tx1"/>
+                    </a:solidFill>
+                    <a:latin typeface="+mn-lt"/>
+                    <a:ea typeface="+mn-ea"/>
+                    <a:cs typeface="+mn-cs"/>
+                  </a:defRPr>
+                </a:lvl7pPr>
+                <a:lvl8pPr marL="3200400" algn="l" defTabSz="914400" rtl="0" eaLnBrk="1" latinLnBrk="0" hangingPunct="1">
+                  <a:defRPr sz="1800" kern="1200">
+                    <a:solidFill>
+                      <a:schemeClr val="tx1"/>
+                    </a:solidFill>
+                    <a:latin typeface="+mn-lt"/>
+                    <a:ea typeface="+mn-ea"/>
+                    <a:cs typeface="+mn-cs"/>
+                  </a:defRPr>
+                </a:lvl8pPr>
+                <a:lvl9pPr marL="3657600" algn="l" defTabSz="914400" rtl="0" eaLnBrk="1" latinLnBrk="0" hangingPunct="1">
+                  <a:defRPr sz="1800" kern="1200">
+                    <a:solidFill>
+                      <a:schemeClr val="tx1"/>
+                    </a:solidFill>
+                    <a:latin typeface="+mn-lt"/>
+                    <a:ea typeface="+mn-ea"/>
+                    <a:cs typeface="+mn-cs"/>
+                  </a:defRPr>
+                </a:lvl9pPr>
+              </a:lstStyle>
+              <a:p>
+                <a:endParaRPr lang="en-US">
+                  <a:solidFill>
+                    <a:srgbClr val="5F5F5F"/>
+                  </a:solidFill>
+                  <a:latin typeface="Segoe UI" panose="020B0502040204020203" pitchFamily="34" charset="0"/>
+                  <a:cs typeface="Segoe UI" panose="020B0502040204020203" pitchFamily="34" charset="0"/>
+                </a:endParaRPr>
+              </a:p>
+            </p:txBody>
+          </p:sp>
+          <p:sp>
+            <p:nvSpPr>
+              <p:cNvPr id="25" name="Forward Button" descr="&lt;SmartSettings&gt;&lt;SmartResize anchorLeft=&quot;Absolute&quot; anchorTop=&quot;Absolute&quot; anchorRight=&quot;None&quot; anchorBottom=&quot;None&quot; /&gt;&lt;/SmartSettings&gt;">
+                <a:extLst>
+                  <a:ext uri="{FF2B5EF4-FFF2-40B4-BE49-F238E27FC236}">
+                    <a16:creationId xmlns:a16="http://schemas.microsoft.com/office/drawing/2014/main" id="{1A87DE73-C548-435F-920E-4BCB147D8FC2}"/>
+                  </a:ext>
+                </a:extLst>
+              </p:cNvPr>
+              <p:cNvSpPr>
+                <a:spLocks noChangeAspect="1" noEditPoints="1"/>
+              </p:cNvSpPr>
+              <p:nvPr>
+                <p:custDataLst>
+                  <p:tags r:id="rId9"/>
+                </p:custDataLst>
+              </p:nvPr>
+            </p:nvSpPr>
+            <p:spPr bwMode="auto">
+              <a:xfrm>
+                <a:off x="892656" y="1501687"/>
+                <a:ext cx="123249" cy="95555"/>
+              </a:xfrm>
+              <a:custGeom>
+                <a:avLst/>
+                <a:gdLst>
+                  <a:gd name="T0" fmla="*/ 265 w 423"/>
+                  <a:gd name="T1" fmla="*/ 0 h 332"/>
+                  <a:gd name="T2" fmla="*/ 423 w 423"/>
+                  <a:gd name="T3" fmla="*/ 166 h 332"/>
+                  <a:gd name="T4" fmla="*/ 265 w 423"/>
+                  <a:gd name="T5" fmla="*/ 332 h 332"/>
+                  <a:gd name="T6" fmla="*/ 408 w 423"/>
+                  <a:gd name="T7" fmla="*/ 166 h 332"/>
+                  <a:gd name="T8" fmla="*/ 0 w 423"/>
+                  <a:gd name="T9" fmla="*/ 166 h 332"/>
+                </a:gdLst>
+                <a:ahLst/>
+                <a:cxnLst>
+                  <a:cxn ang="0">
+                    <a:pos x="T0" y="T1"/>
+                  </a:cxn>
+                  <a:cxn ang="0">
+                    <a:pos x="T2" y="T3"/>
+                  </a:cxn>
+                  <a:cxn ang="0">
+                    <a:pos x="T4" y="T5"/>
+                  </a:cxn>
+                  <a:cxn ang="0">
+                    <a:pos x="T6" y="T7"/>
+                  </a:cxn>
+                  <a:cxn ang="0">
+                    <a:pos x="T8" y="T9"/>
+                  </a:cxn>
+                </a:cxnLst>
+                <a:rect l="0" t="0" r="r" b="b"/>
+                <a:pathLst>
+                  <a:path w="423" h="332">
+                    <a:moveTo>
+                      <a:pt x="265" y="0"/>
+                    </a:moveTo>
+                    <a:lnTo>
+                      <a:pt x="423" y="166"/>
+                    </a:lnTo>
+                    <a:lnTo>
+                      <a:pt x="265" y="332"/>
+                    </a:lnTo>
+                    <a:moveTo>
+                      <a:pt x="408" y="166"/>
+                    </a:moveTo>
+                    <a:lnTo>
+                      <a:pt x="0" y="166"/>
+                    </a:lnTo>
+                  </a:path>
+                </a:pathLst>
+              </a:custGeom>
+              <a:noFill/>
+              <a:ln w="6350" cap="sq">
+                <a:solidFill>
+                  <a:srgbClr val="808080"/>
+                </a:solidFill>
+                <a:prstDash val="solid"/>
+                <a:miter lim="800000"/>
+                <a:headEnd/>
+                <a:tailEnd/>
+              </a:ln>
+              <a:extLst>
+                <a:ext uri="{909E8E84-426E-40DD-AFC4-6F175D3DCCD1}">
+                  <a14:hiddenFill xmlns:a14="http://schemas.microsoft.com/office/drawing/2010/main">
+                    <a:solidFill>
+                      <a:srgbClr val="FFFFFF"/>
+                    </a:solidFill>
+                  </a14:hiddenFill>
+                </a:ext>
+              </a:extLst>
+            </p:spPr>
+            <p:txBody>
+              <a:bodyPr vert="horz" wrap="square" lIns="91440" tIns="45720" rIns="91440" bIns="45720" numCol="1" anchor="t" anchorCtr="0" compatLnSpc="1">
+                <a:prstTxWarp prst="textNoShape">
+                  <a:avLst/>
+                </a:prstTxWarp>
+              </a:bodyPr>
+              <a:lstStyle>
+                <a:defPPr>
+                  <a:defRPr lang="en-US"/>
+                </a:defPPr>
+                <a:lvl1pPr marL="0" algn="l" defTabSz="914400" rtl="0" eaLnBrk="1" latinLnBrk="0" hangingPunct="1">
+                  <a:defRPr sz="1800" kern="1200">
+                    <a:solidFill>
+                      <a:schemeClr val="tx1"/>
+                    </a:solidFill>
+                    <a:latin typeface="+mn-lt"/>
+                    <a:ea typeface="+mn-ea"/>
+                    <a:cs typeface="+mn-cs"/>
+                  </a:defRPr>
+                </a:lvl1pPr>
+                <a:lvl2pPr marL="457200" algn="l" defTabSz="914400" rtl="0" eaLnBrk="1" latinLnBrk="0" hangingPunct="1">
+                  <a:defRPr sz="1800" kern="1200">
+                    <a:solidFill>
+                      <a:schemeClr val="tx1"/>
+                    </a:solidFill>
+                    <a:latin typeface="+mn-lt"/>
+                    <a:ea typeface="+mn-ea"/>
+                    <a:cs typeface="+mn-cs"/>
+                  </a:defRPr>
+                </a:lvl2pPr>
+                <a:lvl3pPr marL="914400" algn="l" defTabSz="914400" rtl="0" eaLnBrk="1" latinLnBrk="0" hangingPunct="1">
+                  <a:defRPr sz="1800" kern="1200">
+                    <a:solidFill>
+                      <a:schemeClr val="tx1"/>
+                    </a:solidFill>
+                    <a:latin typeface="+mn-lt"/>
+                    <a:ea typeface="+mn-ea"/>
+                    <a:cs typeface="+mn-cs"/>
+                  </a:defRPr>
+                </a:lvl3pPr>
+                <a:lvl4pPr marL="1371600" algn="l" defTabSz="914400" rtl="0" eaLnBrk="1" latinLnBrk="0" hangingPunct="1">
+                  <a:defRPr sz="1800" kern="1200">
+                    <a:solidFill>
+                      <a:schemeClr val="tx1"/>
+                    </a:solidFill>
+                    <a:latin typeface="+mn-lt"/>
+                    <a:ea typeface="+mn-ea"/>
+                    <a:cs typeface="+mn-cs"/>
+                  </a:defRPr>
+                </a:lvl4pPr>
+                <a:lvl5pPr marL="1828800" algn="l" defTabSz="914400" rtl="0" eaLnBrk="1" latinLnBrk="0" hangingPunct="1">
+                  <a:defRPr sz="1800" kern="1200">
+                    <a:solidFill>
+                      <a:schemeClr val="tx1"/>
+                    </a:solidFill>
+                    <a:latin typeface="+mn-lt"/>
+                    <a:ea typeface="+mn-ea"/>
+                    <a:cs typeface="+mn-cs"/>
+                  </a:defRPr>
+                </a:lvl5pPr>
+                <a:lvl6pPr marL="2286000" algn="l" defTabSz="914400" rtl="0" eaLnBrk="1" latinLnBrk="0" hangingPunct="1">
+                  <a:defRPr sz="1800" kern="1200">
+                    <a:solidFill>
+                      <a:schemeClr val="tx1"/>
+                    </a:solidFill>
+                    <a:latin typeface="+mn-lt"/>
+                    <a:ea typeface="+mn-ea"/>
+                    <a:cs typeface="+mn-cs"/>
+                  </a:defRPr>
+                </a:lvl6pPr>
+                <a:lvl7pPr marL="2743200" algn="l" defTabSz="914400" rtl="0" eaLnBrk="1" latinLnBrk="0" hangingPunct="1">
+                  <a:defRPr sz="1800" kern="1200">
+                    <a:solidFill>
+                      <a:schemeClr val="tx1"/>
+                    </a:solidFill>
+                    <a:latin typeface="+mn-lt"/>
+                    <a:ea typeface="+mn-ea"/>
+                    <a:cs typeface="+mn-cs"/>
+                  </a:defRPr>
+                </a:lvl7pPr>
+                <a:lvl8pPr marL="3200400" algn="l" defTabSz="914400" rtl="0" eaLnBrk="1" latinLnBrk="0" hangingPunct="1">
+                  <a:defRPr sz="1800" kern="1200">
+                    <a:solidFill>
+                      <a:schemeClr val="tx1"/>
+                    </a:solidFill>
+                    <a:latin typeface="+mn-lt"/>
+                    <a:ea typeface="+mn-ea"/>
+                    <a:cs typeface="+mn-cs"/>
+                  </a:defRPr>
+                </a:lvl8pPr>
+                <a:lvl9pPr marL="3657600" algn="l" defTabSz="914400" rtl="0" eaLnBrk="1" latinLnBrk="0" hangingPunct="1">
+                  <a:defRPr sz="1800" kern="1200">
+                    <a:solidFill>
+                      <a:schemeClr val="tx1"/>
+                    </a:solidFill>
+                    <a:latin typeface="+mn-lt"/>
+                    <a:ea typeface="+mn-ea"/>
+                    <a:cs typeface="+mn-cs"/>
+                  </a:defRPr>
+                </a:lvl9pPr>
+              </a:lstStyle>
+              <a:p>
+                <a:endParaRPr lang="en-US">
+                  <a:solidFill>
+                    <a:srgbClr val="5F5F5F"/>
+                  </a:solidFill>
+                  <a:latin typeface="Segoe UI" panose="020B0502040204020203" pitchFamily="34" charset="0"/>
+                  <a:cs typeface="Segoe UI" panose="020B0502040204020203" pitchFamily="34" charset="0"/>
+                </a:endParaRPr>
+              </a:p>
+            </p:txBody>
+          </p:sp>
+          <p:sp>
+            <p:nvSpPr>
+              <p:cNvPr id="26" name="Reload Button" descr="&lt;SmartSettings&gt;&lt;SmartResize anchorLeft=&quot;Absolute&quot; anchorTop=&quot;Absolute&quot; anchorRight=&quot;None&quot; anchorBottom=&quot;None&quot; /&gt;&lt;/SmartSettings&gt;">
+                <a:extLst>
+                  <a:ext uri="{FF2B5EF4-FFF2-40B4-BE49-F238E27FC236}">
+                    <a16:creationId xmlns:a16="http://schemas.microsoft.com/office/drawing/2014/main" id="{79908CCA-161A-4E43-BA07-832DF02B948C}"/>
+                  </a:ext>
+                </a:extLst>
+              </p:cNvPr>
+              <p:cNvSpPr>
+                <a:spLocks noChangeAspect="1" noEditPoints="1"/>
+              </p:cNvSpPr>
+              <p:nvPr>
+                <p:custDataLst>
+                  <p:tags r:id="rId10"/>
+                </p:custDataLst>
+              </p:nvPr>
+            </p:nvSpPr>
+            <p:spPr bwMode="auto">
+              <a:xfrm>
+                <a:off x="1087801" y="1480941"/>
+                <a:ext cx="128384" cy="137046"/>
+              </a:xfrm>
+              <a:custGeom>
+                <a:avLst/>
+                <a:gdLst>
+                  <a:gd name="T0" fmla="*/ 441 w 441"/>
+                  <a:gd name="T1" fmla="*/ 7 h 474"/>
+                  <a:gd name="T2" fmla="*/ 441 w 441"/>
+                  <a:gd name="T3" fmla="*/ 144 h 474"/>
+                  <a:gd name="T4" fmla="*/ 296 w 441"/>
+                  <a:gd name="T5" fmla="*/ 144 h 474"/>
+                  <a:gd name="T6" fmla="*/ 438 w 441"/>
+                  <a:gd name="T7" fmla="*/ 309 h 474"/>
+                  <a:gd name="T8" fmla="*/ 166 w 441"/>
+                  <a:gd name="T9" fmla="*/ 434 h 474"/>
+                  <a:gd name="T10" fmla="*/ 41 w 441"/>
+                  <a:gd name="T11" fmla="*/ 162 h 474"/>
+                  <a:gd name="T12" fmla="*/ 313 w 441"/>
+                  <a:gd name="T13" fmla="*/ 37 h 474"/>
+                  <a:gd name="T14" fmla="*/ 428 w 441"/>
+                  <a:gd name="T15" fmla="*/ 139 h 474"/>
+                </a:gdLst>
+                <a:ahLst/>
+                <a:cxnLst>
+                  <a:cxn ang="0">
+                    <a:pos x="T0" y="T1"/>
+                  </a:cxn>
+                  <a:cxn ang="0">
+                    <a:pos x="T2" y="T3"/>
+                  </a:cxn>
+                  <a:cxn ang="0">
+                    <a:pos x="T4" y="T5"/>
+                  </a:cxn>
+                  <a:cxn ang="0">
+                    <a:pos x="T6" y="T7"/>
+                  </a:cxn>
+                  <a:cxn ang="0">
+                    <a:pos x="T8" y="T9"/>
+                  </a:cxn>
+                  <a:cxn ang="0">
+                    <a:pos x="T10" y="T11"/>
+                  </a:cxn>
+                  <a:cxn ang="0">
+                    <a:pos x="T12" y="T13"/>
+                  </a:cxn>
+                  <a:cxn ang="0">
+                    <a:pos x="T14" y="T15"/>
+                  </a:cxn>
+                </a:cxnLst>
+                <a:rect l="0" t="0" r="r" b="b"/>
+                <a:pathLst>
+                  <a:path w="441" h="474">
+                    <a:moveTo>
+                      <a:pt x="441" y="7"/>
+                    </a:moveTo>
+                    <a:lnTo>
+                      <a:pt x="441" y="144"/>
+                    </a:lnTo>
+                    <a:lnTo>
+                      <a:pt x="296" y="144"/>
+                    </a:lnTo>
+                    <a:moveTo>
+                      <a:pt x="438" y="309"/>
+                    </a:moveTo>
+                    <a:cubicBezTo>
+                      <a:pt x="397" y="418"/>
+                      <a:pt x="276" y="474"/>
+                      <a:pt x="166" y="434"/>
+                    </a:cubicBezTo>
+                    <a:cubicBezTo>
+                      <a:pt x="56" y="393"/>
+                      <a:pt x="0" y="271"/>
+                      <a:pt x="41" y="162"/>
+                    </a:cubicBezTo>
+                    <a:cubicBezTo>
+                      <a:pt x="82" y="52"/>
+                      <a:pt x="202" y="0"/>
+                      <a:pt x="313" y="37"/>
+                    </a:cubicBezTo>
+                    <a:cubicBezTo>
+                      <a:pt x="357" y="51"/>
+                      <a:pt x="398" y="91"/>
+                      <a:pt x="428" y="139"/>
+                    </a:cubicBezTo>
+                  </a:path>
+                </a:pathLst>
+              </a:custGeom>
+              <a:noFill/>
+              <a:ln w="6350" cap="flat">
+                <a:solidFill>
+                  <a:srgbClr val="808080"/>
+                </a:solidFill>
+                <a:prstDash val="solid"/>
+                <a:miter lim="800000"/>
+                <a:headEnd/>
+                <a:tailEnd/>
+              </a:ln>
+              <a:extLst>
+                <a:ext uri="{909E8E84-426E-40DD-AFC4-6F175D3DCCD1}">
+                  <a14:hiddenFill xmlns:a14="http://schemas.microsoft.com/office/drawing/2010/main">
+                    <a:solidFill>
+                      <a:srgbClr val="FFFFFF"/>
+                    </a:solidFill>
+                  </a14:hiddenFill>
+                </a:ext>
+              </a:extLst>
+            </p:spPr>
+            <p:txBody>
+              <a:bodyPr vert="horz" wrap="square" lIns="91440" tIns="45720" rIns="91440" bIns="45720" numCol="1" anchor="t" anchorCtr="0" compatLnSpc="1">
+                <a:prstTxWarp prst="textNoShape">
+                  <a:avLst/>
+                </a:prstTxWarp>
+              </a:bodyPr>
+              <a:lstStyle>
+                <a:defPPr>
+                  <a:defRPr lang="en-US"/>
+                </a:defPPr>
+                <a:lvl1pPr marL="0" algn="l" defTabSz="914400" rtl="0" eaLnBrk="1" latinLnBrk="0" hangingPunct="1">
+                  <a:defRPr sz="1800" kern="1200">
+                    <a:solidFill>
+                      <a:schemeClr val="tx1"/>
+                    </a:solidFill>
+                    <a:latin typeface="+mn-lt"/>
+                    <a:ea typeface="+mn-ea"/>
+                    <a:cs typeface="+mn-cs"/>
+                  </a:defRPr>
+                </a:lvl1pPr>
+                <a:lvl2pPr marL="457200" algn="l" defTabSz="914400" rtl="0" eaLnBrk="1" latinLnBrk="0" hangingPunct="1">
+                  <a:defRPr sz="1800" kern="1200">
+                    <a:solidFill>
+                      <a:schemeClr val="tx1"/>
+                    </a:solidFill>
+                    <a:latin typeface="+mn-lt"/>
+                    <a:ea typeface="+mn-ea"/>
+                    <a:cs typeface="+mn-cs"/>
+                  </a:defRPr>
+                </a:lvl2pPr>
+                <a:lvl3pPr marL="914400" algn="l" defTabSz="914400" rtl="0" eaLnBrk="1" latinLnBrk="0" hangingPunct="1">
+                  <a:defRPr sz="1800" kern="1200">
+                    <a:solidFill>
+                      <a:schemeClr val="tx1"/>
+                    </a:solidFill>
+                    <a:latin typeface="+mn-lt"/>
+                    <a:ea typeface="+mn-ea"/>
+                    <a:cs typeface="+mn-cs"/>
+                  </a:defRPr>
+                </a:lvl3pPr>
+                <a:lvl4pPr marL="1371600" algn="l" defTabSz="914400" rtl="0" eaLnBrk="1" latinLnBrk="0" hangingPunct="1">
+                  <a:defRPr sz="1800" kern="1200">
+                    <a:solidFill>
+                      <a:schemeClr val="tx1"/>
+                    </a:solidFill>
+                    <a:latin typeface="+mn-lt"/>
+                    <a:ea typeface="+mn-ea"/>
+                    <a:cs typeface="+mn-cs"/>
+                  </a:defRPr>
+                </a:lvl4pPr>
+                <a:lvl5pPr marL="1828800" algn="l" defTabSz="914400" rtl="0" eaLnBrk="1" latinLnBrk="0" hangingPunct="1">
+                  <a:defRPr sz="1800" kern="1200">
+                    <a:solidFill>
+                      <a:schemeClr val="tx1"/>
+                    </a:solidFill>
+                    <a:latin typeface="+mn-lt"/>
+                    <a:ea typeface="+mn-ea"/>
+                    <a:cs typeface="+mn-cs"/>
+                  </a:defRPr>
+                </a:lvl5pPr>
+                <a:lvl6pPr marL="2286000" algn="l" defTabSz="914400" rtl="0" eaLnBrk="1" latinLnBrk="0" hangingPunct="1">
+                  <a:defRPr sz="1800" kern="1200">
+                    <a:solidFill>
+                      <a:schemeClr val="tx1"/>
+                    </a:solidFill>
+                    <a:latin typeface="+mn-lt"/>
+                    <a:ea typeface="+mn-ea"/>
+                    <a:cs typeface="+mn-cs"/>
+                  </a:defRPr>
+                </a:lvl6pPr>
+                <a:lvl7pPr marL="2743200" algn="l" defTabSz="914400" rtl="0" eaLnBrk="1" latinLnBrk="0" hangingPunct="1">
+                  <a:defRPr sz="1800" kern="1200">
+                    <a:solidFill>
+                      <a:schemeClr val="tx1"/>
+                    </a:solidFill>
+                    <a:latin typeface="+mn-lt"/>
+                    <a:ea typeface="+mn-ea"/>
+                    <a:cs typeface="+mn-cs"/>
+                  </a:defRPr>
+                </a:lvl7pPr>
+                <a:lvl8pPr marL="3200400" algn="l" defTabSz="914400" rtl="0" eaLnBrk="1" latinLnBrk="0" hangingPunct="1">
+                  <a:defRPr sz="1800" kern="1200">
+                    <a:solidFill>
+                      <a:schemeClr val="tx1"/>
+                    </a:solidFill>
+                    <a:latin typeface="+mn-lt"/>
+                    <a:ea typeface="+mn-ea"/>
+                    <a:cs typeface="+mn-cs"/>
+                  </a:defRPr>
+                </a:lvl8pPr>
+                <a:lvl9pPr marL="3657600" algn="l" defTabSz="914400" rtl="0" eaLnBrk="1" latinLnBrk="0" hangingPunct="1">
+                  <a:defRPr sz="1800" kern="1200">
+                    <a:solidFill>
+                      <a:schemeClr val="tx1"/>
+                    </a:solidFill>
+                    <a:latin typeface="+mn-lt"/>
+                    <a:ea typeface="+mn-ea"/>
+                    <a:cs typeface="+mn-cs"/>
+                  </a:defRPr>
+                </a:lvl9pPr>
+              </a:lstStyle>
+              <a:p>
+                <a:endParaRPr lang="en-US">
+                  <a:solidFill>
+                    <a:srgbClr val="5F5F5F"/>
+                  </a:solidFill>
+                  <a:latin typeface="Segoe UI" panose="020B0502040204020203" pitchFamily="34" charset="0"/>
+                  <a:cs typeface="Segoe UI" panose="020B0502040204020203" pitchFamily="34" charset="0"/>
+                </a:endParaRPr>
+              </a:p>
+            </p:txBody>
+          </p:sp>
+        </p:grpSp>
+      </p:grpSp>
+      <p:sp>
+        <p:nvSpPr>
+          <p:cNvPr id="27" name="Rectangle 26">
+            <a:extLst>
+              <a:ext uri="{FF2B5EF4-FFF2-40B4-BE49-F238E27FC236}">
+                <a16:creationId xmlns:a16="http://schemas.microsoft.com/office/drawing/2014/main" id="{DABEAD4B-EE24-421F-AFDB-779B8AA99EFE}"/>
+              </a:ext>
+            </a:extLst>
+          </p:cNvPr>
+          <p:cNvSpPr/>
+          <p:nvPr/>
+        </p:nvSpPr>
+        <p:spPr>
+          <a:xfrm>
+            <a:off x="1627464" y="1233182"/>
+            <a:ext cx="1140903" cy="4974671"/>
+          </a:xfrm>
+          <a:prstGeom prst="rect">
+            <a:avLst/>
+          </a:prstGeom>
+          <a:solidFill>
+            <a:schemeClr val="accent1">
+              <a:lumMod val="50000"/>
+            </a:schemeClr>
+          </a:solidFill>
+        </p:spPr>
+        <p:style>
+          <a:lnRef idx="2">
+            <a:schemeClr val="accent1">
+              <a:shade val="50000"/>
+            </a:schemeClr>
+          </a:lnRef>
+          <a:fillRef idx="1">
+            <a:schemeClr val="accent1"/>
+          </a:fillRef>
+          <a:effectRef idx="0">
+            <a:schemeClr val="accent1"/>
+          </a:effectRef>
+          <a:fontRef idx="minor">
+            <a:schemeClr val="lt1"/>
+          </a:fontRef>
+        </p:style>
+        <p:txBody>
+          <a:bodyPr rtlCol="0" anchor="ctr"/>
+          <a:lstStyle/>
+          <a:p>
+            <a:pPr algn="ctr"/>
+            <a:endParaRPr lang="fr-FR"/>
+          </a:p>
+        </p:txBody>
+      </p:sp>
+      <p:sp>
+        <p:nvSpPr>
+          <p:cNvPr id="28" name="Rectangle 27">
+            <a:extLst>
+              <a:ext uri="{FF2B5EF4-FFF2-40B4-BE49-F238E27FC236}">
+                <a16:creationId xmlns:a16="http://schemas.microsoft.com/office/drawing/2014/main" id="{0F93C9CB-5EC1-4777-AC78-961DCCF59A9C}"/>
+              </a:ext>
+            </a:extLst>
+          </p:cNvPr>
+          <p:cNvSpPr/>
+          <p:nvPr/>
+        </p:nvSpPr>
+        <p:spPr>
+          <a:xfrm>
+            <a:off x="2869035" y="1308683"/>
+            <a:ext cx="1820411" cy="234891"/>
+          </a:xfrm>
+          <a:prstGeom prst="rect">
+            <a:avLst/>
+          </a:prstGeom>
+          <a:noFill/>
+        </p:spPr>
+        <p:style>
+          <a:lnRef idx="2">
+            <a:schemeClr val="accent1">
+              <a:shade val="50000"/>
+            </a:schemeClr>
+          </a:lnRef>
+          <a:fillRef idx="1">
+            <a:schemeClr val="accent1"/>
+          </a:fillRef>
+          <a:effectRef idx="0">
+            <a:schemeClr val="accent1"/>
+          </a:effectRef>
+          <a:fontRef idx="minor">
+            <a:schemeClr val="lt1"/>
+          </a:fontRef>
+        </p:style>
+        <p:txBody>
+          <a:bodyPr rtlCol="0" anchor="ctr"/>
+          <a:lstStyle/>
+          <a:p>
+            <a:pPr algn="ctr"/>
+            <a:endParaRPr lang="fr-FR"/>
+          </a:p>
+        </p:txBody>
+      </p:sp>
+      <p:sp>
+        <p:nvSpPr>
+          <p:cNvPr id="29" name="ZoneTexte 28">
+            <a:extLst>
+              <a:ext uri="{FF2B5EF4-FFF2-40B4-BE49-F238E27FC236}">
+                <a16:creationId xmlns:a16="http://schemas.microsoft.com/office/drawing/2014/main" id="{128156E1-0B91-446B-B63E-086551C8860B}"/>
+              </a:ext>
+            </a:extLst>
+          </p:cNvPr>
+          <p:cNvSpPr txBox="1"/>
+          <p:nvPr/>
+        </p:nvSpPr>
+        <p:spPr>
+          <a:xfrm>
+            <a:off x="2852257" y="1266575"/>
+            <a:ext cx="1820411" cy="276999"/>
+          </a:xfrm>
+          <a:prstGeom prst="rect">
+            <a:avLst/>
+          </a:prstGeom>
+          <a:noFill/>
+        </p:spPr>
+        <p:txBody>
+          <a:bodyPr wrap="square" rtlCol="0">
+            <a:spAutoFit/>
+          </a:bodyPr>
+          <a:lstStyle/>
+          <a:p>
+            <a:r>
+              <a:rPr lang="fr-FR" sz="1200" dirty="0"/>
+              <a:t>Recherche…</a:t>
+            </a:r>
+          </a:p>
+        </p:txBody>
+      </p:sp>
+      <p:sp>
+        <p:nvSpPr>
+          <p:cNvPr id="30" name="Rectangle 29">
+            <a:extLst>
+              <a:ext uri="{FF2B5EF4-FFF2-40B4-BE49-F238E27FC236}">
+                <a16:creationId xmlns:a16="http://schemas.microsoft.com/office/drawing/2014/main" id="{F0DEBADE-88D5-4F9A-8417-4432DCEC28F7}"/>
+              </a:ext>
+            </a:extLst>
+          </p:cNvPr>
+          <p:cNvSpPr/>
+          <p:nvPr/>
+        </p:nvSpPr>
+        <p:spPr>
+          <a:xfrm>
+            <a:off x="4404220" y="1308683"/>
+            <a:ext cx="268448" cy="234891"/>
+          </a:xfrm>
+          <a:prstGeom prst="rect">
+            <a:avLst/>
+          </a:prstGeom>
+          <a:solidFill>
+            <a:srgbClr val="002060"/>
+          </a:solidFill>
+        </p:spPr>
+        <p:style>
+          <a:lnRef idx="2">
+            <a:schemeClr val="accent1">
+              <a:shade val="50000"/>
+            </a:schemeClr>
+          </a:lnRef>
+          <a:fillRef idx="1">
+            <a:schemeClr val="accent1"/>
+          </a:fillRef>
+          <a:effectRef idx="0">
+            <a:schemeClr val="accent1"/>
+          </a:effectRef>
+          <a:fontRef idx="minor">
+            <a:schemeClr val="lt1"/>
+          </a:fontRef>
+        </p:style>
+        <p:txBody>
+          <a:bodyPr rtlCol="0" anchor="ctr"/>
+          <a:lstStyle/>
+          <a:p>
+            <a:pPr algn="ctr"/>
+            <a:endParaRPr lang="fr-FR"/>
+          </a:p>
+        </p:txBody>
+      </p:sp>
+      <p:cxnSp>
+        <p:nvCxnSpPr>
+          <p:cNvPr id="32" name="Connecteur droit 31">
+            <a:extLst>
+              <a:ext uri="{FF2B5EF4-FFF2-40B4-BE49-F238E27FC236}">
+                <a16:creationId xmlns:a16="http://schemas.microsoft.com/office/drawing/2014/main" id="{6851F495-4394-4416-B0DD-F2B4A9B85377}"/>
+              </a:ext>
+            </a:extLst>
+          </p:cNvPr>
+          <p:cNvCxnSpPr/>
+          <p:nvPr/>
+        </p:nvCxnSpPr>
+        <p:spPr>
+          <a:xfrm>
+            <a:off x="2768367" y="1728132"/>
+            <a:ext cx="7105475" cy="0"/>
+          </a:xfrm>
+          <a:prstGeom prst="line">
+            <a:avLst/>
+          </a:prstGeom>
+        </p:spPr>
+        <p:style>
+          <a:lnRef idx="1">
+            <a:schemeClr val="accent1"/>
+          </a:lnRef>
+          <a:fillRef idx="0">
+            <a:schemeClr val="accent1"/>
+          </a:fillRef>
+          <a:effectRef idx="0">
+            <a:schemeClr val="accent1"/>
+          </a:effectRef>
+          <a:fontRef idx="minor">
+            <a:schemeClr val="tx1"/>
+          </a:fontRef>
+        </p:style>
+      </p:cxnSp>
+      <p:sp>
+        <p:nvSpPr>
+          <p:cNvPr id="34" name="ZoneTexte 33">
+            <a:extLst>
+              <a:ext uri="{FF2B5EF4-FFF2-40B4-BE49-F238E27FC236}">
+                <a16:creationId xmlns:a16="http://schemas.microsoft.com/office/drawing/2014/main" id="{FE29EB34-DFBB-4B0A-9EC8-D7702DB4197D}"/>
+              </a:ext>
+            </a:extLst>
+          </p:cNvPr>
+          <p:cNvSpPr txBox="1"/>
+          <p:nvPr/>
+        </p:nvSpPr>
+        <p:spPr>
+          <a:xfrm>
+            <a:off x="7474591" y="1308683"/>
+            <a:ext cx="2290434" cy="276999"/>
+          </a:xfrm>
+          <a:prstGeom prst="rect">
+            <a:avLst/>
+          </a:prstGeom>
+          <a:noFill/>
+        </p:spPr>
+        <p:txBody>
+          <a:bodyPr wrap="square" rtlCol="0">
+            <a:spAutoFit/>
+          </a:bodyPr>
+          <a:lstStyle/>
+          <a:p>
+            <a:r>
+              <a:rPr lang="fr-FR" sz="1200" dirty="0"/>
+              <a:t>       Retour au site    Déconnexion</a:t>
+            </a:r>
+          </a:p>
+        </p:txBody>
+      </p:sp>
+      <p:sp>
+        <p:nvSpPr>
+          <p:cNvPr id="35" name="ZoneTexte 34">
+            <a:extLst>
+              <a:ext uri="{FF2B5EF4-FFF2-40B4-BE49-F238E27FC236}">
+                <a16:creationId xmlns:a16="http://schemas.microsoft.com/office/drawing/2014/main" id="{3DA05540-822C-4BD8-A9F1-059C32FC9F16}"/>
+              </a:ext>
+            </a:extLst>
+          </p:cNvPr>
+          <p:cNvSpPr txBox="1"/>
+          <p:nvPr/>
+        </p:nvSpPr>
+        <p:spPr>
+          <a:xfrm>
+            <a:off x="1627464" y="2518180"/>
+            <a:ext cx="1136135" cy="830997"/>
+          </a:xfrm>
+          <a:prstGeom prst="rect">
+            <a:avLst/>
+          </a:prstGeom>
+          <a:noFill/>
+        </p:spPr>
+        <p:txBody>
+          <a:bodyPr wrap="square" rtlCol="0">
+            <a:spAutoFit/>
+          </a:bodyPr>
+          <a:lstStyle/>
+          <a:p>
+            <a:pPr algn="ctr"/>
+            <a:r>
+              <a:rPr lang="fr-FR" sz="1200" dirty="0">
+                <a:solidFill>
+                  <a:schemeClr val="bg1"/>
+                </a:solidFill>
+              </a:rPr>
+              <a:t>Boîte de réception</a:t>
+            </a:r>
+          </a:p>
+          <a:p>
+            <a:pPr algn="ctr"/>
+            <a:r>
+              <a:rPr lang="fr-FR" sz="1200" dirty="0">
+                <a:solidFill>
+                  <a:schemeClr val="bg1"/>
+                </a:solidFill>
+              </a:rPr>
+              <a:t>Envoyés</a:t>
+            </a:r>
+          </a:p>
+          <a:p>
+            <a:pPr algn="ctr"/>
+            <a:r>
+              <a:rPr lang="fr-FR" sz="1200" dirty="0">
+                <a:solidFill>
+                  <a:schemeClr val="bg1"/>
+                </a:solidFill>
+              </a:rPr>
+              <a:t>Corbeille</a:t>
+            </a:r>
+          </a:p>
+        </p:txBody>
+      </p:sp>
+      <p:sp>
+        <p:nvSpPr>
+          <p:cNvPr id="2" name="ZoneTexte 1">
+            <a:extLst>
+              <a:ext uri="{FF2B5EF4-FFF2-40B4-BE49-F238E27FC236}">
+                <a16:creationId xmlns:a16="http://schemas.microsoft.com/office/drawing/2014/main" id="{8CA5A331-A3AC-4233-94D4-0B2F98905974}"/>
+              </a:ext>
+            </a:extLst>
+          </p:cNvPr>
+          <p:cNvSpPr txBox="1"/>
+          <p:nvPr/>
+        </p:nvSpPr>
+        <p:spPr>
+          <a:xfrm>
+            <a:off x="4486809" y="2518180"/>
+            <a:ext cx="3648430" cy="276999"/>
+          </a:xfrm>
+          <a:prstGeom prst="rect">
+            <a:avLst/>
+          </a:prstGeom>
+          <a:noFill/>
+          <a:ln>
+            <a:solidFill>
+              <a:schemeClr val="tx1"/>
+            </a:solidFill>
+          </a:ln>
+        </p:spPr>
+        <p:txBody>
+          <a:bodyPr wrap="square" rtlCol="0">
+            <a:spAutoFit/>
+          </a:bodyPr>
+          <a:lstStyle/>
+          <a:p>
+            <a:r>
+              <a:rPr lang="fr-FR" sz="1200" dirty="0">
+                <a:solidFill>
+                  <a:schemeClr val="bg2">
+                    <a:lumMod val="75000"/>
+                  </a:schemeClr>
+                </a:solidFill>
+              </a:rPr>
+              <a:t>Nom Prénom</a:t>
+            </a:r>
+          </a:p>
+        </p:txBody>
+      </p:sp>
+      <p:sp>
+        <p:nvSpPr>
+          <p:cNvPr id="3" name="ZoneTexte 2">
+            <a:extLst>
+              <a:ext uri="{FF2B5EF4-FFF2-40B4-BE49-F238E27FC236}">
+                <a16:creationId xmlns:a16="http://schemas.microsoft.com/office/drawing/2014/main" id="{C54AE502-6724-4108-B519-4B517C0F68CA}"/>
+              </a:ext>
+            </a:extLst>
+          </p:cNvPr>
+          <p:cNvSpPr txBox="1"/>
+          <p:nvPr/>
+        </p:nvSpPr>
+        <p:spPr>
+          <a:xfrm>
+            <a:off x="4486809" y="3035104"/>
+            <a:ext cx="3648430" cy="276999"/>
+          </a:xfrm>
+          <a:prstGeom prst="rect">
+            <a:avLst/>
+          </a:prstGeom>
+          <a:noFill/>
+          <a:ln>
+            <a:solidFill>
+              <a:schemeClr val="tx1"/>
+            </a:solidFill>
+          </a:ln>
+        </p:spPr>
+        <p:txBody>
+          <a:bodyPr wrap="square" rtlCol="0">
+            <a:spAutoFit/>
+          </a:bodyPr>
+          <a:lstStyle/>
+          <a:p>
+            <a:r>
+              <a:rPr lang="fr-FR" sz="1200" dirty="0">
+                <a:solidFill>
+                  <a:schemeClr val="bg2">
+                    <a:lumMod val="75000"/>
+                  </a:schemeClr>
+                </a:solidFill>
+              </a:rPr>
+              <a:t>Email</a:t>
+            </a:r>
+          </a:p>
+        </p:txBody>
+      </p:sp>
+      <p:sp>
+        <p:nvSpPr>
+          <p:cNvPr id="4" name="ZoneTexte 3">
+            <a:extLst>
+              <a:ext uri="{FF2B5EF4-FFF2-40B4-BE49-F238E27FC236}">
+                <a16:creationId xmlns:a16="http://schemas.microsoft.com/office/drawing/2014/main" id="{29B34D1F-DBB1-4903-B4D0-E78DD28EAED4}"/>
+              </a:ext>
+            </a:extLst>
+          </p:cNvPr>
+          <p:cNvSpPr txBox="1"/>
+          <p:nvPr/>
+        </p:nvSpPr>
+        <p:spPr>
+          <a:xfrm>
+            <a:off x="4486809" y="3562380"/>
+            <a:ext cx="3648430" cy="1200329"/>
+          </a:xfrm>
+          <a:prstGeom prst="rect">
+            <a:avLst/>
+          </a:prstGeom>
+          <a:noFill/>
+          <a:ln>
+            <a:solidFill>
+              <a:schemeClr val="tx1"/>
+            </a:solidFill>
+          </a:ln>
+        </p:spPr>
+        <p:txBody>
+          <a:bodyPr wrap="square" rtlCol="0">
+            <a:spAutoFit/>
+          </a:bodyPr>
+          <a:lstStyle/>
+          <a:p>
+            <a:r>
+              <a:rPr lang="fr-FR" sz="1200" dirty="0">
+                <a:solidFill>
+                  <a:schemeClr val="bg2">
+                    <a:lumMod val="75000"/>
+                  </a:schemeClr>
+                </a:solidFill>
+              </a:rPr>
+              <a:t>Message</a:t>
+            </a:r>
+          </a:p>
+          <a:p>
+            <a:endParaRPr lang="fr-FR" sz="1200" dirty="0">
+              <a:solidFill>
+                <a:schemeClr val="bg2">
+                  <a:lumMod val="75000"/>
+                </a:schemeClr>
+              </a:solidFill>
+            </a:endParaRPr>
+          </a:p>
+          <a:p>
+            <a:endParaRPr lang="fr-FR" sz="1200" dirty="0">
+              <a:solidFill>
+                <a:schemeClr val="bg2">
+                  <a:lumMod val="75000"/>
+                </a:schemeClr>
+              </a:solidFill>
+            </a:endParaRPr>
+          </a:p>
+          <a:p>
+            <a:endParaRPr lang="fr-FR" sz="1200" dirty="0">
+              <a:solidFill>
+                <a:schemeClr val="bg2">
+                  <a:lumMod val="75000"/>
+                </a:schemeClr>
+              </a:solidFill>
+            </a:endParaRPr>
+          </a:p>
+          <a:p>
+            <a:endParaRPr lang="fr-FR" sz="1200" dirty="0">
+              <a:solidFill>
+                <a:schemeClr val="bg2">
+                  <a:lumMod val="75000"/>
+                </a:schemeClr>
+              </a:solidFill>
+            </a:endParaRPr>
+          </a:p>
+          <a:p>
+            <a:endParaRPr lang="fr-FR" sz="1200" dirty="0">
+              <a:solidFill>
+                <a:schemeClr val="bg2">
+                  <a:lumMod val="75000"/>
+                </a:schemeClr>
+              </a:solidFill>
+            </a:endParaRPr>
+          </a:p>
+        </p:txBody>
+      </p:sp>
+      <p:sp>
+        <p:nvSpPr>
+          <p:cNvPr id="5" name="Rectangle : coins arrondis 4">
+            <a:extLst>
+              <a:ext uri="{FF2B5EF4-FFF2-40B4-BE49-F238E27FC236}">
+                <a16:creationId xmlns:a16="http://schemas.microsoft.com/office/drawing/2014/main" id="{A04298FE-9FC2-4271-930E-87B1E541C4B2}"/>
+              </a:ext>
+            </a:extLst>
+          </p:cNvPr>
+          <p:cNvSpPr/>
+          <p:nvPr/>
+        </p:nvSpPr>
+        <p:spPr>
+          <a:xfrm>
+            <a:off x="4486809" y="5071368"/>
+            <a:ext cx="835875" cy="276999"/>
+          </a:xfrm>
+          <a:prstGeom prst="roundRect">
+            <a:avLst/>
+          </a:prstGeom>
+          <a:solidFill>
+            <a:srgbClr val="002060"/>
+          </a:solidFill>
+          <a:ln>
+            <a:noFill/>
+          </a:ln>
+        </p:spPr>
+        <p:style>
+          <a:lnRef idx="2">
+            <a:schemeClr val="accent1">
+              <a:shade val="50000"/>
+            </a:schemeClr>
+          </a:lnRef>
+          <a:fillRef idx="1">
+            <a:schemeClr val="accent1"/>
+          </a:fillRef>
+          <a:effectRef idx="0">
+            <a:schemeClr val="accent1"/>
+          </a:effectRef>
+          <a:fontRef idx="minor">
+            <a:schemeClr val="lt1"/>
+          </a:fontRef>
+        </p:style>
+        <p:txBody>
+          <a:bodyPr rtlCol="0" anchor="ctr"/>
+          <a:lstStyle/>
+          <a:p>
+            <a:pPr algn="ctr"/>
+            <a:r>
+              <a:rPr lang="fr-FR" sz="1200" dirty="0"/>
+              <a:t>Envoyer</a:t>
+            </a:r>
+          </a:p>
+        </p:txBody>
+      </p:sp>
+      <p:sp>
+        <p:nvSpPr>
+          <p:cNvPr id="6" name="ZoneTexte 5">
+            <a:extLst>
+              <a:ext uri="{FF2B5EF4-FFF2-40B4-BE49-F238E27FC236}">
+                <a16:creationId xmlns:a16="http://schemas.microsoft.com/office/drawing/2014/main" id="{0E255BCD-C620-43F9-A0C7-7DDD244D3AF4}"/>
+              </a:ext>
+            </a:extLst>
+          </p:cNvPr>
+          <p:cNvSpPr txBox="1"/>
+          <p:nvPr/>
+        </p:nvSpPr>
+        <p:spPr>
+          <a:xfrm>
+            <a:off x="5410899" y="5712903"/>
+            <a:ext cx="2172749" cy="276999"/>
+          </a:xfrm>
+          <a:prstGeom prst="rect">
+            <a:avLst/>
+          </a:prstGeom>
+          <a:noFill/>
+        </p:spPr>
+        <p:txBody>
+          <a:bodyPr wrap="square" rtlCol="0">
+            <a:spAutoFit/>
+          </a:bodyPr>
+          <a:lstStyle/>
+          <a:p>
+            <a:r>
+              <a:rPr lang="fr-FR" sz="1200" dirty="0"/>
+              <a:t>Copyright </a:t>
+            </a:r>
+            <a:r>
+              <a:rPr lang="fr-FR" sz="1200" dirty="0" err="1"/>
+              <a:t>Areliann</a:t>
+            </a:r>
+            <a:r>
+              <a:rPr lang="fr-FR" sz="1200" dirty="0"/>
+              <a:t> 2020</a:t>
+            </a:r>
+          </a:p>
+        </p:txBody>
+      </p:sp>
+      <p:cxnSp>
+        <p:nvCxnSpPr>
+          <p:cNvPr id="40" name="Connecteur droit 39">
+            <a:extLst>
+              <a:ext uri="{FF2B5EF4-FFF2-40B4-BE49-F238E27FC236}">
+                <a16:creationId xmlns:a16="http://schemas.microsoft.com/office/drawing/2014/main" id="{98FCE1FD-9A96-4AB9-AB47-EAE9D4DE69D8}"/>
+              </a:ext>
+            </a:extLst>
+          </p:cNvPr>
+          <p:cNvCxnSpPr/>
+          <p:nvPr/>
+        </p:nvCxnSpPr>
+        <p:spPr>
+          <a:xfrm>
+            <a:off x="2763599" y="5512965"/>
+            <a:ext cx="7105475" cy="0"/>
+          </a:xfrm>
+          <a:prstGeom prst="line">
+            <a:avLst/>
+          </a:prstGeom>
+          <a:ln>
+            <a:solidFill>
+              <a:schemeClr val="bg2"/>
+            </a:solidFill>
+          </a:ln>
+        </p:spPr>
+        <p:style>
+          <a:lnRef idx="1">
+            <a:schemeClr val="accent1"/>
+          </a:lnRef>
+          <a:fillRef idx="0">
+            <a:schemeClr val="accent1"/>
+          </a:fillRef>
+          <a:effectRef idx="0">
+            <a:schemeClr val="accent1"/>
+          </a:effectRef>
+          <a:fontRef idx="minor">
+            <a:schemeClr val="tx1"/>
+          </a:fontRef>
+        </p:style>
+      </p:cxnSp>
+      <p:sp>
+        <p:nvSpPr>
+          <p:cNvPr id="7" name="ZoneTexte 6">
+            <a:extLst>
+              <a:ext uri="{FF2B5EF4-FFF2-40B4-BE49-F238E27FC236}">
+                <a16:creationId xmlns:a16="http://schemas.microsoft.com/office/drawing/2014/main" id="{DAADED2A-8E64-42E0-BCD9-AA3366C51DEF}"/>
+              </a:ext>
+            </a:extLst>
+          </p:cNvPr>
+          <p:cNvSpPr txBox="1"/>
+          <p:nvPr/>
+        </p:nvSpPr>
+        <p:spPr>
+          <a:xfrm>
+            <a:off x="5150076" y="1904302"/>
+            <a:ext cx="1891848" cy="369332"/>
+          </a:xfrm>
+          <a:prstGeom prst="rect">
+            <a:avLst/>
+          </a:prstGeom>
+          <a:noFill/>
+        </p:spPr>
+        <p:txBody>
+          <a:bodyPr wrap="square" rtlCol="0">
+            <a:spAutoFit/>
+          </a:bodyPr>
+          <a:lstStyle/>
+          <a:p>
+            <a:pPr algn="ctr"/>
+            <a:r>
+              <a:rPr lang="fr-FR" dirty="0"/>
+              <a:t>Réponse</a:t>
+            </a:r>
+          </a:p>
+        </p:txBody>
+      </p:sp>
+    </p:spTree>
+    <p:extLst>
+      <p:ext uri="{BB962C8B-B14F-4D97-AF65-F5344CB8AC3E}">
+        <p14:creationId xmlns:p14="http://schemas.microsoft.com/office/powerpoint/2010/main" val="3152042327"/>
+      </p:ext>
+    </p:extLst>
+  </p:cSld>
+  <p:clrMapOvr>
+    <a:masterClrMapping/>
+  </p:clrMapOvr>
+</p:sld>
+</file>
+
 <file path=ppt/slides/slide3.xml><?xml version="1.0" encoding="utf-8"?>
 <p:sld xmlns:a="http://schemas.openxmlformats.org/drawingml/2006/main" xmlns:r="http://schemas.openxmlformats.org/officeDocument/2006/relationships" xmlns:p="http://schemas.openxmlformats.org/presentationml/2006/main">
   <p:cSld>
@@ -32781,6 +40221,12 @@
 </p:tagLst>
 </file>
 
+<file path=ppt/tags/tag100.xml><?xml version="1.0" encoding="utf-8"?>
+<p:tagLst xmlns:a="http://schemas.openxmlformats.org/drawingml/2006/main" xmlns:r="http://schemas.openxmlformats.org/officeDocument/2006/relationships" xmlns:p="http://schemas.openxmlformats.org/presentationml/2006/main">
+  <p:tag name="SMARTSETTINGSHASH" val="IDSg7uxH1Z/iSOkBSMZyie/SGkHlLE2okQSpqFhp1Ac="/>
+</p:tagLst>
+</file>
+
 <file path=ppt/tags/tag11.xml><?xml version="1.0" encoding="utf-8"?>
 <p:tagLst xmlns:a="http://schemas.openxmlformats.org/drawingml/2006/main" xmlns:r="http://schemas.openxmlformats.org/officeDocument/2006/relationships" xmlns:p="http://schemas.openxmlformats.org/presentationml/2006/main">
   <p:tag name="SMARTSETTINGSHASH" val="PWOa7bLCMN/NfWse0OkDrDXWtXjrMvC+/KEnGxnzoq0="/>
@@ -33177,13 +40623,187 @@
 </p:tagLst>
 </file>
 
+<file path=ppt/tags/tag71.xml><?xml version="1.0" encoding="utf-8"?>
+<p:tagLst xmlns:a="http://schemas.openxmlformats.org/drawingml/2006/main" xmlns:r="http://schemas.openxmlformats.org/officeDocument/2006/relationships" xmlns:p="http://schemas.openxmlformats.org/presentationml/2006/main">
+  <p:tag name="SMARTSETTINGSHASH" val="PWOa7bLCMN/NfWse0OkDrDXWtXjrMvC+/KEnGxnzoq0="/>
+</p:tagLst>
+</file>
+
+<file path=ppt/tags/tag72.xml><?xml version="1.0" encoding="utf-8"?>
+<p:tagLst xmlns:a="http://schemas.openxmlformats.org/drawingml/2006/main" xmlns:r="http://schemas.openxmlformats.org/officeDocument/2006/relationships" xmlns:p="http://schemas.openxmlformats.org/presentationml/2006/main">
+  <p:tag name="SMARTSETTINGSHASH" val="xZU/W0IqlvXPkJ37/hSWg5jSIFh0KZmI7sT1syyiYH8="/>
+</p:tagLst>
+</file>
+
+<file path=ppt/tags/tag73.xml><?xml version="1.0" encoding="utf-8"?>
+<p:tagLst xmlns:a="http://schemas.openxmlformats.org/drawingml/2006/main" xmlns:r="http://schemas.openxmlformats.org/officeDocument/2006/relationships" xmlns:p="http://schemas.openxmlformats.org/presentationml/2006/main">
+  <p:tag name="SMARTSETTINGSHASH" val="SB3bqgv5ghGJknk/m+/9EdPMDkanH9eNosaoBtCx42Q="/>
+</p:tagLst>
+</file>
+
+<file path=ppt/tags/tag74.xml><?xml version="1.0" encoding="utf-8"?>
+<p:tagLst xmlns:a="http://schemas.openxmlformats.org/drawingml/2006/main" xmlns:r="http://schemas.openxmlformats.org/officeDocument/2006/relationships" xmlns:p="http://schemas.openxmlformats.org/presentationml/2006/main">
+  <p:tag name="SMARTSETTINGSHASH" val="xscEFkRiZvbxLfN1YzQGPp4nKBgtuPrjp3QiTCcMWwM="/>
+</p:tagLst>
+</file>
+
+<file path=ppt/tags/tag75.xml><?xml version="1.0" encoding="utf-8"?>
+<p:tagLst xmlns:a="http://schemas.openxmlformats.org/drawingml/2006/main" xmlns:r="http://schemas.openxmlformats.org/officeDocument/2006/relationships" xmlns:p="http://schemas.openxmlformats.org/presentationml/2006/main">
+  <p:tag name="SMARTSETTINGSHASH" val="xscEFkRiZvbxLfN1YzQGPp4nKBgtuPrjp3QiTCcMWwM="/>
+</p:tagLst>
+</file>
+
+<file path=ppt/tags/tag76.xml><?xml version="1.0" encoding="utf-8"?>
+<p:tagLst xmlns:a="http://schemas.openxmlformats.org/drawingml/2006/main" xmlns:r="http://schemas.openxmlformats.org/officeDocument/2006/relationships" xmlns:p="http://schemas.openxmlformats.org/presentationml/2006/main">
+  <p:tag name="SMARTSETTINGSHASH" val="SB3bqgv5ghGJknk/m+/9EdPMDkanH9eNosaoBtCx42Q="/>
+</p:tagLst>
+</file>
+
+<file path=ppt/tags/tag77.xml><?xml version="1.0" encoding="utf-8"?>
+<p:tagLst xmlns:a="http://schemas.openxmlformats.org/drawingml/2006/main" xmlns:r="http://schemas.openxmlformats.org/officeDocument/2006/relationships" xmlns:p="http://schemas.openxmlformats.org/presentationml/2006/main">
+  <p:tag name="SMARTSETTINGSHASH" val="IDSg7uxH1Z/iSOkBSMZyie/SGkHlLE2okQSpqFhp1Ac="/>
+</p:tagLst>
+</file>
+
+<file path=ppt/tags/tag78.xml><?xml version="1.0" encoding="utf-8"?>
+<p:tagLst xmlns:a="http://schemas.openxmlformats.org/drawingml/2006/main" xmlns:r="http://schemas.openxmlformats.org/officeDocument/2006/relationships" xmlns:p="http://schemas.openxmlformats.org/presentationml/2006/main">
+  <p:tag name="SMARTSETTINGSHASH" val="IDSg7uxH1Z/iSOkBSMZyie/SGkHlLE2okQSpqFhp1Ac="/>
+</p:tagLst>
+</file>
+
+<file path=ppt/tags/tag79.xml><?xml version="1.0" encoding="utf-8"?>
+<p:tagLst xmlns:a="http://schemas.openxmlformats.org/drawingml/2006/main" xmlns:r="http://schemas.openxmlformats.org/officeDocument/2006/relationships" xmlns:p="http://schemas.openxmlformats.org/presentationml/2006/main">
+  <p:tag name="SMARTSETTINGSHASH" val="IDSg7uxH1Z/iSOkBSMZyie/SGkHlLE2okQSpqFhp1Ac="/>
+</p:tagLst>
+</file>
+
 <file path=ppt/tags/tag8.xml><?xml version="1.0" encoding="utf-8"?>
 <p:tagLst xmlns:a="http://schemas.openxmlformats.org/drawingml/2006/main" xmlns:r="http://schemas.openxmlformats.org/officeDocument/2006/relationships" xmlns:p="http://schemas.openxmlformats.org/presentationml/2006/main">
   <p:tag name="SMARTSETTINGSHASH" val="IDSg7uxH1Z/iSOkBSMZyie/SGkHlLE2okQSpqFhp1Ac="/>
 </p:tagLst>
 </file>
 
+<file path=ppt/tags/tag80.xml><?xml version="1.0" encoding="utf-8"?>
+<p:tagLst xmlns:a="http://schemas.openxmlformats.org/drawingml/2006/main" xmlns:r="http://schemas.openxmlformats.org/officeDocument/2006/relationships" xmlns:p="http://schemas.openxmlformats.org/presentationml/2006/main">
+  <p:tag name="SMARTSETTINGSHASH" val="IDSg7uxH1Z/iSOkBSMZyie/SGkHlLE2okQSpqFhp1Ac="/>
+</p:tagLst>
+</file>
+
+<file path=ppt/tags/tag81.xml><?xml version="1.0" encoding="utf-8"?>
+<p:tagLst xmlns:a="http://schemas.openxmlformats.org/drawingml/2006/main" xmlns:r="http://schemas.openxmlformats.org/officeDocument/2006/relationships" xmlns:p="http://schemas.openxmlformats.org/presentationml/2006/main">
+  <p:tag name="SMARTSETTINGSHASH" val="PWOa7bLCMN/NfWse0OkDrDXWtXjrMvC+/KEnGxnzoq0="/>
+</p:tagLst>
+</file>
+
+<file path=ppt/tags/tag82.xml><?xml version="1.0" encoding="utf-8"?>
+<p:tagLst xmlns:a="http://schemas.openxmlformats.org/drawingml/2006/main" xmlns:r="http://schemas.openxmlformats.org/officeDocument/2006/relationships" xmlns:p="http://schemas.openxmlformats.org/presentationml/2006/main">
+  <p:tag name="SMARTSETTINGSHASH" val="xZU/W0IqlvXPkJ37/hSWg5jSIFh0KZmI7sT1syyiYH8="/>
+</p:tagLst>
+</file>
+
+<file path=ppt/tags/tag83.xml><?xml version="1.0" encoding="utf-8"?>
+<p:tagLst xmlns:a="http://schemas.openxmlformats.org/drawingml/2006/main" xmlns:r="http://schemas.openxmlformats.org/officeDocument/2006/relationships" xmlns:p="http://schemas.openxmlformats.org/presentationml/2006/main">
+  <p:tag name="SMARTSETTINGSHASH" val="SB3bqgv5ghGJknk/m+/9EdPMDkanH9eNosaoBtCx42Q="/>
+</p:tagLst>
+</file>
+
+<file path=ppt/tags/tag84.xml><?xml version="1.0" encoding="utf-8"?>
+<p:tagLst xmlns:a="http://schemas.openxmlformats.org/drawingml/2006/main" xmlns:r="http://schemas.openxmlformats.org/officeDocument/2006/relationships" xmlns:p="http://schemas.openxmlformats.org/presentationml/2006/main">
+  <p:tag name="SMARTSETTINGSHASH" val="xscEFkRiZvbxLfN1YzQGPp4nKBgtuPrjp3QiTCcMWwM="/>
+</p:tagLst>
+</file>
+
+<file path=ppt/tags/tag85.xml><?xml version="1.0" encoding="utf-8"?>
+<p:tagLst xmlns:a="http://schemas.openxmlformats.org/drawingml/2006/main" xmlns:r="http://schemas.openxmlformats.org/officeDocument/2006/relationships" xmlns:p="http://schemas.openxmlformats.org/presentationml/2006/main">
+  <p:tag name="SMARTSETTINGSHASH" val="xscEFkRiZvbxLfN1YzQGPp4nKBgtuPrjp3QiTCcMWwM="/>
+</p:tagLst>
+</file>
+
+<file path=ppt/tags/tag86.xml><?xml version="1.0" encoding="utf-8"?>
+<p:tagLst xmlns:a="http://schemas.openxmlformats.org/drawingml/2006/main" xmlns:r="http://schemas.openxmlformats.org/officeDocument/2006/relationships" xmlns:p="http://schemas.openxmlformats.org/presentationml/2006/main">
+  <p:tag name="SMARTSETTINGSHASH" val="SB3bqgv5ghGJknk/m+/9EdPMDkanH9eNosaoBtCx42Q="/>
+</p:tagLst>
+</file>
+
+<file path=ppt/tags/tag87.xml><?xml version="1.0" encoding="utf-8"?>
+<p:tagLst xmlns:a="http://schemas.openxmlformats.org/drawingml/2006/main" xmlns:r="http://schemas.openxmlformats.org/officeDocument/2006/relationships" xmlns:p="http://schemas.openxmlformats.org/presentationml/2006/main">
+  <p:tag name="SMARTSETTINGSHASH" val="IDSg7uxH1Z/iSOkBSMZyie/SGkHlLE2okQSpqFhp1Ac="/>
+</p:tagLst>
+</file>
+
+<file path=ppt/tags/tag88.xml><?xml version="1.0" encoding="utf-8"?>
+<p:tagLst xmlns:a="http://schemas.openxmlformats.org/drawingml/2006/main" xmlns:r="http://schemas.openxmlformats.org/officeDocument/2006/relationships" xmlns:p="http://schemas.openxmlformats.org/presentationml/2006/main">
+  <p:tag name="SMARTSETTINGSHASH" val="IDSg7uxH1Z/iSOkBSMZyie/SGkHlLE2okQSpqFhp1Ac="/>
+</p:tagLst>
+</file>
+
+<file path=ppt/tags/tag89.xml><?xml version="1.0" encoding="utf-8"?>
+<p:tagLst xmlns:a="http://schemas.openxmlformats.org/drawingml/2006/main" xmlns:r="http://schemas.openxmlformats.org/officeDocument/2006/relationships" xmlns:p="http://schemas.openxmlformats.org/presentationml/2006/main">
+  <p:tag name="SMARTSETTINGSHASH" val="IDSg7uxH1Z/iSOkBSMZyie/SGkHlLE2okQSpqFhp1Ac="/>
+</p:tagLst>
+</file>
+
 <file path=ppt/tags/tag9.xml><?xml version="1.0" encoding="utf-8"?>
+<p:tagLst xmlns:a="http://schemas.openxmlformats.org/drawingml/2006/main" xmlns:r="http://schemas.openxmlformats.org/officeDocument/2006/relationships" xmlns:p="http://schemas.openxmlformats.org/presentationml/2006/main">
+  <p:tag name="SMARTSETTINGSHASH" val="IDSg7uxH1Z/iSOkBSMZyie/SGkHlLE2okQSpqFhp1Ac="/>
+</p:tagLst>
+</file>
+
+<file path=ppt/tags/tag90.xml><?xml version="1.0" encoding="utf-8"?>
+<p:tagLst xmlns:a="http://schemas.openxmlformats.org/drawingml/2006/main" xmlns:r="http://schemas.openxmlformats.org/officeDocument/2006/relationships" xmlns:p="http://schemas.openxmlformats.org/presentationml/2006/main">
+  <p:tag name="SMARTSETTINGSHASH" val="IDSg7uxH1Z/iSOkBSMZyie/SGkHlLE2okQSpqFhp1Ac="/>
+</p:tagLst>
+</file>
+
+<file path=ppt/tags/tag91.xml><?xml version="1.0" encoding="utf-8"?>
+<p:tagLst xmlns:a="http://schemas.openxmlformats.org/drawingml/2006/main" xmlns:r="http://schemas.openxmlformats.org/officeDocument/2006/relationships" xmlns:p="http://schemas.openxmlformats.org/presentationml/2006/main">
+  <p:tag name="SMARTSETTINGSHASH" val="PWOa7bLCMN/NfWse0OkDrDXWtXjrMvC+/KEnGxnzoq0="/>
+</p:tagLst>
+</file>
+
+<file path=ppt/tags/tag92.xml><?xml version="1.0" encoding="utf-8"?>
+<p:tagLst xmlns:a="http://schemas.openxmlformats.org/drawingml/2006/main" xmlns:r="http://schemas.openxmlformats.org/officeDocument/2006/relationships" xmlns:p="http://schemas.openxmlformats.org/presentationml/2006/main">
+  <p:tag name="SMARTSETTINGSHASH" val="xZU/W0IqlvXPkJ37/hSWg5jSIFh0KZmI7sT1syyiYH8="/>
+</p:tagLst>
+</file>
+
+<file path=ppt/tags/tag93.xml><?xml version="1.0" encoding="utf-8"?>
+<p:tagLst xmlns:a="http://schemas.openxmlformats.org/drawingml/2006/main" xmlns:r="http://schemas.openxmlformats.org/officeDocument/2006/relationships" xmlns:p="http://schemas.openxmlformats.org/presentationml/2006/main">
+  <p:tag name="SMARTSETTINGSHASH" val="SB3bqgv5ghGJknk/m+/9EdPMDkanH9eNosaoBtCx42Q="/>
+</p:tagLst>
+</file>
+
+<file path=ppt/tags/tag94.xml><?xml version="1.0" encoding="utf-8"?>
+<p:tagLst xmlns:a="http://schemas.openxmlformats.org/drawingml/2006/main" xmlns:r="http://schemas.openxmlformats.org/officeDocument/2006/relationships" xmlns:p="http://schemas.openxmlformats.org/presentationml/2006/main">
+  <p:tag name="SMARTSETTINGSHASH" val="xscEFkRiZvbxLfN1YzQGPp4nKBgtuPrjp3QiTCcMWwM="/>
+</p:tagLst>
+</file>
+
+<file path=ppt/tags/tag95.xml><?xml version="1.0" encoding="utf-8"?>
+<p:tagLst xmlns:a="http://schemas.openxmlformats.org/drawingml/2006/main" xmlns:r="http://schemas.openxmlformats.org/officeDocument/2006/relationships" xmlns:p="http://schemas.openxmlformats.org/presentationml/2006/main">
+  <p:tag name="SMARTSETTINGSHASH" val="xscEFkRiZvbxLfN1YzQGPp4nKBgtuPrjp3QiTCcMWwM="/>
+</p:tagLst>
+</file>
+
+<file path=ppt/tags/tag96.xml><?xml version="1.0" encoding="utf-8"?>
+<p:tagLst xmlns:a="http://schemas.openxmlformats.org/drawingml/2006/main" xmlns:r="http://schemas.openxmlformats.org/officeDocument/2006/relationships" xmlns:p="http://schemas.openxmlformats.org/presentationml/2006/main">
+  <p:tag name="SMARTSETTINGSHASH" val="SB3bqgv5ghGJknk/m+/9EdPMDkanH9eNosaoBtCx42Q="/>
+</p:tagLst>
+</file>
+
+<file path=ppt/tags/tag97.xml><?xml version="1.0" encoding="utf-8"?>
+<p:tagLst xmlns:a="http://schemas.openxmlformats.org/drawingml/2006/main" xmlns:r="http://schemas.openxmlformats.org/officeDocument/2006/relationships" xmlns:p="http://schemas.openxmlformats.org/presentationml/2006/main">
+  <p:tag name="SMARTSETTINGSHASH" val="IDSg7uxH1Z/iSOkBSMZyie/SGkHlLE2okQSpqFhp1Ac="/>
+</p:tagLst>
+</file>
+
+<file path=ppt/tags/tag98.xml><?xml version="1.0" encoding="utf-8"?>
+<p:tagLst xmlns:a="http://schemas.openxmlformats.org/drawingml/2006/main" xmlns:r="http://schemas.openxmlformats.org/officeDocument/2006/relationships" xmlns:p="http://schemas.openxmlformats.org/presentationml/2006/main">
+  <p:tag name="SMARTSETTINGSHASH" val="IDSg7uxH1Z/iSOkBSMZyie/SGkHlLE2okQSpqFhp1Ac="/>
+</p:tagLst>
+</file>
+
+<file path=ppt/tags/tag99.xml><?xml version="1.0" encoding="utf-8"?>
 <p:tagLst xmlns:a="http://schemas.openxmlformats.org/drawingml/2006/main" xmlns:r="http://schemas.openxmlformats.org/officeDocument/2006/relationships" xmlns:p="http://schemas.openxmlformats.org/presentationml/2006/main">
   <p:tag name="SMARTSETTINGSHASH" val="IDSg7uxH1Z/iSOkBSMZyie/SGkHlLE2okQSpqFhp1Ac="/>
 </p:tagLst>
